--- a/Profiling QML.pptx
+++ b/Profiling QML.pptx
@@ -1,30 +1,127 @@
 
 <file path=ppt/presentation.xml><?xml version="1.0" encoding="utf-8"?>
-<p:presentation xmlns:a="http://schemas.openxmlformats.org/drawingml/2006/main" xmlns:p="http://schemas.openxmlformats.org/presentationml/2006/main" xmlns:r="http://schemas.openxmlformats.org/officeDocument/2006/relationships" xmlns:p14="http://schemas.microsoft.com/office/powerpoint/2010/main" xmlns:p15="http://schemas.microsoft.com/office/powerpoint/2012/main" xmlns:mc="http://schemas.openxmlformats.org/markup-compatibility/2006">
+<p:presentation xmlns:a="http://schemas.openxmlformats.org/drawingml/2006/main" xmlns:r="http://schemas.openxmlformats.org/officeDocument/2006/relationships" xmlns:p="http://schemas.openxmlformats.org/presentationml/2006/main">
   <p:sldMasterIdLst>
-    <p:sldMasterId id="2147483648" r:id="rId2"/>
-    <p:sldMasterId id="2147483661" r:id="rId3"/>
+    <p:sldMasterId id="2147483648" r:id="rId1"/>
+    <p:sldMasterId id="2147483661" r:id="rId2"/>
   </p:sldMasterIdLst>
   <p:sldIdLst>
-    <p:sldId id="256" r:id="rId4"/>
-    <p:sldId id="257" r:id="rId5"/>
-    <p:sldId id="258" r:id="rId6"/>
-    <p:sldId id="259" r:id="rId7"/>
+    <p:sldId id="256" r:id="rId3"/>
+    <p:sldId id="257" r:id="rId4"/>
+    <p:sldId id="258" r:id="rId5"/>
+    <p:sldId id="267" r:id="rId6"/>
+    <p:sldId id="269" r:id="rId7"/>
     <p:sldId id="260" r:id="rId8"/>
     <p:sldId id="261" r:id="rId9"/>
     <p:sldId id="262" r:id="rId10"/>
     <p:sldId id="263" r:id="rId11"/>
-    <p:sldId id="264" r:id="rId12"/>
-    <p:sldId id="265" r:id="rId13"/>
-    <p:sldId id="266" r:id="rId14"/>
+    <p:sldId id="265" r:id="rId12"/>
+    <p:sldId id="264" r:id="rId13"/>
+    <p:sldId id="268" r:id="rId14"/>
+    <p:sldId id="266" r:id="rId15"/>
   </p:sldIdLst>
-  <p:sldSz cx="9144000" cy="5143500"/>
+  <p:sldSz cx="9144000" cy="5143500" type="screen16x9"/>
   <p:notesSz cx="6858000" cy="9144000"/>
+  <p:defaultTextStyle>
+    <a:defPPr>
+      <a:defRPr lang="en-US"/>
+    </a:defPPr>
+    <a:lvl1pPr marL="0" algn="l" defTabSz="914400" rtl="0" eaLnBrk="1" latinLnBrk="0" hangingPunct="1">
+      <a:defRPr sz="1800" kern="1200">
+        <a:solidFill>
+          <a:schemeClr val="tx1"/>
+        </a:solidFill>
+        <a:latin typeface="+mn-lt"/>
+        <a:ea typeface="+mn-ea"/>
+        <a:cs typeface="+mn-cs"/>
+      </a:defRPr>
+    </a:lvl1pPr>
+    <a:lvl2pPr marL="457200" algn="l" defTabSz="914400" rtl="0" eaLnBrk="1" latinLnBrk="0" hangingPunct="1">
+      <a:defRPr sz="1800" kern="1200">
+        <a:solidFill>
+          <a:schemeClr val="tx1"/>
+        </a:solidFill>
+        <a:latin typeface="+mn-lt"/>
+        <a:ea typeface="+mn-ea"/>
+        <a:cs typeface="+mn-cs"/>
+      </a:defRPr>
+    </a:lvl2pPr>
+    <a:lvl3pPr marL="914400" algn="l" defTabSz="914400" rtl="0" eaLnBrk="1" latinLnBrk="0" hangingPunct="1">
+      <a:defRPr sz="1800" kern="1200">
+        <a:solidFill>
+          <a:schemeClr val="tx1"/>
+        </a:solidFill>
+        <a:latin typeface="+mn-lt"/>
+        <a:ea typeface="+mn-ea"/>
+        <a:cs typeface="+mn-cs"/>
+      </a:defRPr>
+    </a:lvl3pPr>
+    <a:lvl4pPr marL="1371600" algn="l" defTabSz="914400" rtl="0" eaLnBrk="1" latinLnBrk="0" hangingPunct="1">
+      <a:defRPr sz="1800" kern="1200">
+        <a:solidFill>
+          <a:schemeClr val="tx1"/>
+        </a:solidFill>
+        <a:latin typeface="+mn-lt"/>
+        <a:ea typeface="+mn-ea"/>
+        <a:cs typeface="+mn-cs"/>
+      </a:defRPr>
+    </a:lvl4pPr>
+    <a:lvl5pPr marL="1828800" algn="l" defTabSz="914400" rtl="0" eaLnBrk="1" latinLnBrk="0" hangingPunct="1">
+      <a:defRPr sz="1800" kern="1200">
+        <a:solidFill>
+          <a:schemeClr val="tx1"/>
+        </a:solidFill>
+        <a:latin typeface="+mn-lt"/>
+        <a:ea typeface="+mn-ea"/>
+        <a:cs typeface="+mn-cs"/>
+      </a:defRPr>
+    </a:lvl5pPr>
+    <a:lvl6pPr marL="2286000" algn="l" defTabSz="914400" rtl="0" eaLnBrk="1" latinLnBrk="0" hangingPunct="1">
+      <a:defRPr sz="1800" kern="1200">
+        <a:solidFill>
+          <a:schemeClr val="tx1"/>
+        </a:solidFill>
+        <a:latin typeface="+mn-lt"/>
+        <a:ea typeface="+mn-ea"/>
+        <a:cs typeface="+mn-cs"/>
+      </a:defRPr>
+    </a:lvl6pPr>
+    <a:lvl7pPr marL="2743200" algn="l" defTabSz="914400" rtl="0" eaLnBrk="1" latinLnBrk="0" hangingPunct="1">
+      <a:defRPr sz="1800" kern="1200">
+        <a:solidFill>
+          <a:schemeClr val="tx1"/>
+        </a:solidFill>
+        <a:latin typeface="+mn-lt"/>
+        <a:ea typeface="+mn-ea"/>
+        <a:cs typeface="+mn-cs"/>
+      </a:defRPr>
+    </a:lvl7pPr>
+    <a:lvl8pPr marL="3200400" algn="l" defTabSz="914400" rtl="0" eaLnBrk="1" latinLnBrk="0" hangingPunct="1">
+      <a:defRPr sz="1800" kern="1200">
+        <a:solidFill>
+          <a:schemeClr val="tx1"/>
+        </a:solidFill>
+        <a:latin typeface="+mn-lt"/>
+        <a:ea typeface="+mn-ea"/>
+        <a:cs typeface="+mn-cs"/>
+      </a:defRPr>
+    </a:lvl8pPr>
+    <a:lvl9pPr marL="3657600" algn="l" defTabSz="914400" rtl="0" eaLnBrk="1" latinLnBrk="0" hangingPunct="1">
+      <a:defRPr sz="1800" kern="1200">
+        <a:solidFill>
+          <a:schemeClr val="tx1"/>
+        </a:solidFill>
+        <a:latin typeface="+mn-lt"/>
+        <a:ea typeface="+mn-ea"/>
+        <a:cs typeface="+mn-cs"/>
+      </a:defRPr>
+    </a:lvl9pPr>
+  </p:defaultTextStyle>
 </p:presentation>
 </file>
 
 <file path=ppt/slideLayouts/slideLayout1.xml><?xml version="1.0" encoding="utf-8"?>
-<p:sldLayout xmlns:a="http://schemas.openxmlformats.org/drawingml/2006/main" xmlns:p="http://schemas.openxmlformats.org/presentationml/2006/main" xmlns:r="http://schemas.openxmlformats.org/officeDocument/2006/relationships" xmlns:p14="http://schemas.microsoft.com/office/powerpoint/2010/main" xmlns:p15="http://schemas.microsoft.com/office/powerpoint/2012/main" xmlns:mc="http://schemas.openxmlformats.org/markup-compatibility/2006" type="blank" preserve="1">
+<p:sldLayout xmlns:a="http://schemas.openxmlformats.org/drawingml/2006/main" xmlns:r="http://schemas.openxmlformats.org/officeDocument/2006/relationships" xmlns:p="http://schemas.openxmlformats.org/presentationml/2006/main" type="blank" preserve="1">
   <p:cSld name="Blank Slide">
     <p:spTree>
       <p:nvGrpSpPr>
@@ -42,11 +139,14 @@
       </p:grpSpPr>
     </p:spTree>
   </p:cSld>
+  <p:clrMapOvr>
+    <a:masterClrMapping/>
+  </p:clrMapOvr>
 </p:sldLayout>
 </file>
 
 <file path=ppt/slideLayouts/slideLayout10.xml><?xml version="1.0" encoding="utf-8"?>
-<p:sldLayout xmlns:a="http://schemas.openxmlformats.org/drawingml/2006/main" xmlns:p="http://schemas.openxmlformats.org/presentationml/2006/main" xmlns:r="http://schemas.openxmlformats.org/officeDocument/2006/relationships" xmlns:p14="http://schemas.microsoft.com/office/powerpoint/2010/main" xmlns:p15="http://schemas.microsoft.com/office/powerpoint/2012/main" xmlns:mc="http://schemas.openxmlformats.org/markup-compatibility/2006" type="objOverTx" preserve="1">
+<p:sldLayout xmlns:a="http://schemas.openxmlformats.org/drawingml/2006/main" xmlns:r="http://schemas.openxmlformats.org/officeDocument/2006/relationships" xmlns:p="http://schemas.openxmlformats.org/presentationml/2006/main" type="objOverTx" preserve="1">
   <p:cSld name="Title, Content over Content">
     <p:spTree>
       <p:nvGrpSpPr>
@@ -82,15 +182,16 @@
           </a:prstGeom>
         </p:spPr>
         <p:txBody>
-          <a:bodyPr lIns="0" rIns="0" tIns="0" bIns="0" anchor="ctr"/>
-          <a:p>
-            <a:endParaRPr b="0" lang="en-US" sz="1400" spc="-1" strike="noStrike">
-              <a:solidFill>
-                <a:srgbClr val="000000"/>
-              </a:solidFill>
-              <a:uFill>
-                <a:solidFill>
-                  <a:srgbClr val="ffffff"/>
+          <a:bodyPr lIns="0" tIns="0" rIns="0" bIns="0" anchor="ctr"/>
+          <a:lstStyle/>
+          <a:p>
+            <a:endParaRPr lang="en-US" sz="1400" b="0" strike="noStrike" spc="-1">
+              <a:solidFill>
+                <a:srgbClr val="000000"/>
+              </a:solidFill>
+              <a:uFill>
+                <a:solidFill>
+                  <a:srgbClr val="FFFFFF"/>
                 </a:solidFill>
               </a:uFill>
               <a:latin typeface="Arial"/>
@@ -118,17 +219,18 @@
           </a:prstGeom>
         </p:spPr>
         <p:txBody>
-          <a:bodyPr lIns="0" rIns="0" tIns="0" bIns="0">
+          <a:bodyPr lIns="0" tIns="0" rIns="0" bIns="0">
             <a:normAutofit/>
           </a:bodyPr>
-          <a:p>
-            <a:endParaRPr b="0" lang="en-US" sz="1400" spc="-1" strike="noStrike">
-              <a:solidFill>
-                <a:srgbClr val="000000"/>
-              </a:solidFill>
-              <a:uFill>
-                <a:solidFill>
-                  <a:srgbClr val="ffffff"/>
+          <a:lstStyle/>
+          <a:p>
+            <a:endParaRPr lang="en-US" sz="1400" b="0" strike="noStrike" spc="-1">
+              <a:solidFill>
+                <a:srgbClr val="000000"/>
+              </a:solidFill>
+              <a:uFill>
+                <a:solidFill>
+                  <a:srgbClr val="FFFFFF"/>
                 </a:solidFill>
               </a:uFill>
               <a:latin typeface="Arial"/>
@@ -156,17 +258,18 @@
           </a:prstGeom>
         </p:spPr>
         <p:txBody>
-          <a:bodyPr lIns="0" rIns="0" tIns="0" bIns="0">
+          <a:bodyPr lIns="0" tIns="0" rIns="0" bIns="0">
             <a:normAutofit/>
           </a:bodyPr>
-          <a:p>
-            <a:endParaRPr b="0" lang="en-US" sz="1400" spc="-1" strike="noStrike">
-              <a:solidFill>
-                <a:srgbClr val="000000"/>
-              </a:solidFill>
-              <a:uFill>
-                <a:solidFill>
-                  <a:srgbClr val="ffffff"/>
+          <a:lstStyle/>
+          <a:p>
+            <a:endParaRPr lang="en-US" sz="1400" b="0" strike="noStrike" spc="-1">
+              <a:solidFill>
+                <a:srgbClr val="000000"/>
+              </a:solidFill>
+              <a:uFill>
+                <a:solidFill>
+                  <a:srgbClr val="FFFFFF"/>
                 </a:solidFill>
               </a:uFill>
               <a:latin typeface="Arial"/>
@@ -176,11 +279,14 @@
       </p:sp>
     </p:spTree>
   </p:cSld>
+  <p:clrMapOvr>
+    <a:masterClrMapping/>
+  </p:clrMapOvr>
 </p:sldLayout>
 </file>
 
 <file path=ppt/slideLayouts/slideLayout11.xml><?xml version="1.0" encoding="utf-8"?>
-<p:sldLayout xmlns:a="http://schemas.openxmlformats.org/drawingml/2006/main" xmlns:p="http://schemas.openxmlformats.org/presentationml/2006/main" xmlns:r="http://schemas.openxmlformats.org/officeDocument/2006/relationships" xmlns:p14="http://schemas.microsoft.com/office/powerpoint/2010/main" xmlns:p15="http://schemas.microsoft.com/office/powerpoint/2012/main" xmlns:mc="http://schemas.openxmlformats.org/markup-compatibility/2006" type="fourObj" preserve="1">
+<p:sldLayout xmlns:a="http://schemas.openxmlformats.org/drawingml/2006/main" xmlns:r="http://schemas.openxmlformats.org/officeDocument/2006/relationships" xmlns:p="http://schemas.openxmlformats.org/presentationml/2006/main" type="fourObj" preserve="1">
   <p:cSld name="Title, 4 Content">
     <p:spTree>
       <p:nvGrpSpPr>
@@ -216,15 +322,16 @@
           </a:prstGeom>
         </p:spPr>
         <p:txBody>
-          <a:bodyPr lIns="0" rIns="0" tIns="0" bIns="0" anchor="ctr"/>
-          <a:p>
-            <a:endParaRPr b="0" lang="en-US" sz="1400" spc="-1" strike="noStrike">
-              <a:solidFill>
-                <a:srgbClr val="000000"/>
-              </a:solidFill>
-              <a:uFill>
-                <a:solidFill>
-                  <a:srgbClr val="ffffff"/>
+          <a:bodyPr lIns="0" tIns="0" rIns="0" bIns="0" anchor="ctr"/>
+          <a:lstStyle/>
+          <a:p>
+            <a:endParaRPr lang="en-US" sz="1400" b="0" strike="noStrike" spc="-1">
+              <a:solidFill>
+                <a:srgbClr val="000000"/>
+              </a:solidFill>
+              <a:uFill>
+                <a:solidFill>
+                  <a:srgbClr val="FFFFFF"/>
                 </a:solidFill>
               </a:uFill>
               <a:latin typeface="Arial"/>
@@ -252,17 +359,18 @@
           </a:prstGeom>
         </p:spPr>
         <p:txBody>
-          <a:bodyPr lIns="0" rIns="0" tIns="0" bIns="0">
+          <a:bodyPr lIns="0" tIns="0" rIns="0" bIns="0">
             <a:normAutofit/>
           </a:bodyPr>
-          <a:p>
-            <a:endParaRPr b="0" lang="en-US" sz="1400" spc="-1" strike="noStrike">
-              <a:solidFill>
-                <a:srgbClr val="000000"/>
-              </a:solidFill>
-              <a:uFill>
-                <a:solidFill>
-                  <a:srgbClr val="ffffff"/>
+          <a:lstStyle/>
+          <a:p>
+            <a:endParaRPr lang="en-US" sz="1400" b="0" strike="noStrike" spc="-1">
+              <a:solidFill>
+                <a:srgbClr val="000000"/>
+              </a:solidFill>
+              <a:uFill>
+                <a:solidFill>
+                  <a:srgbClr val="FFFFFF"/>
                 </a:solidFill>
               </a:uFill>
               <a:latin typeface="Arial"/>
@@ -290,17 +398,18 @@
           </a:prstGeom>
         </p:spPr>
         <p:txBody>
-          <a:bodyPr lIns="0" rIns="0" tIns="0" bIns="0">
+          <a:bodyPr lIns="0" tIns="0" rIns="0" bIns="0">
             <a:normAutofit/>
           </a:bodyPr>
-          <a:p>
-            <a:endParaRPr b="0" lang="en-US" sz="1400" spc="-1" strike="noStrike">
-              <a:solidFill>
-                <a:srgbClr val="000000"/>
-              </a:solidFill>
-              <a:uFill>
-                <a:solidFill>
-                  <a:srgbClr val="ffffff"/>
+          <a:lstStyle/>
+          <a:p>
+            <a:endParaRPr lang="en-US" sz="1400" b="0" strike="noStrike" spc="-1">
+              <a:solidFill>
+                <a:srgbClr val="000000"/>
+              </a:solidFill>
+              <a:uFill>
+                <a:solidFill>
+                  <a:srgbClr val="FFFFFF"/>
                 </a:solidFill>
               </a:uFill>
               <a:latin typeface="Arial"/>
@@ -328,17 +437,18 @@
           </a:prstGeom>
         </p:spPr>
         <p:txBody>
-          <a:bodyPr lIns="0" rIns="0" tIns="0" bIns="0">
+          <a:bodyPr lIns="0" tIns="0" rIns="0" bIns="0">
             <a:normAutofit/>
           </a:bodyPr>
-          <a:p>
-            <a:endParaRPr b="0" lang="en-US" sz="1400" spc="-1" strike="noStrike">
-              <a:solidFill>
-                <a:srgbClr val="000000"/>
-              </a:solidFill>
-              <a:uFill>
-                <a:solidFill>
-                  <a:srgbClr val="ffffff"/>
+          <a:lstStyle/>
+          <a:p>
+            <a:endParaRPr lang="en-US" sz="1400" b="0" strike="noStrike" spc="-1">
+              <a:solidFill>
+                <a:srgbClr val="000000"/>
+              </a:solidFill>
+              <a:uFill>
+                <a:solidFill>
+                  <a:srgbClr val="FFFFFF"/>
                 </a:solidFill>
               </a:uFill>
               <a:latin typeface="Arial"/>
@@ -366,17 +476,18 @@
           </a:prstGeom>
         </p:spPr>
         <p:txBody>
-          <a:bodyPr lIns="0" rIns="0" tIns="0" bIns="0">
+          <a:bodyPr lIns="0" tIns="0" rIns="0" bIns="0">
             <a:normAutofit/>
           </a:bodyPr>
-          <a:p>
-            <a:endParaRPr b="0" lang="en-US" sz="1400" spc="-1" strike="noStrike">
-              <a:solidFill>
-                <a:srgbClr val="000000"/>
-              </a:solidFill>
-              <a:uFill>
-                <a:solidFill>
-                  <a:srgbClr val="ffffff"/>
+          <a:lstStyle/>
+          <a:p>
+            <a:endParaRPr lang="en-US" sz="1400" b="0" strike="noStrike" spc="-1">
+              <a:solidFill>
+                <a:srgbClr val="000000"/>
+              </a:solidFill>
+              <a:uFill>
+                <a:solidFill>
+                  <a:srgbClr val="FFFFFF"/>
                 </a:solidFill>
               </a:uFill>
               <a:latin typeface="Arial"/>
@@ -386,11 +497,14 @@
       </p:sp>
     </p:spTree>
   </p:cSld>
+  <p:clrMapOvr>
+    <a:masterClrMapping/>
+  </p:clrMapOvr>
 </p:sldLayout>
 </file>
 
 <file path=ppt/slideLayouts/slideLayout12.xml><?xml version="1.0" encoding="utf-8"?>
-<p:sldLayout xmlns:a="http://schemas.openxmlformats.org/drawingml/2006/main" xmlns:p="http://schemas.openxmlformats.org/presentationml/2006/main" xmlns:r="http://schemas.openxmlformats.org/officeDocument/2006/relationships" xmlns:p14="http://schemas.microsoft.com/office/powerpoint/2010/main" xmlns:p15="http://schemas.microsoft.com/office/powerpoint/2012/main" xmlns:mc="http://schemas.openxmlformats.org/markup-compatibility/2006" type="blank" preserve="1">
+<p:sldLayout xmlns:a="http://schemas.openxmlformats.org/drawingml/2006/main" xmlns:r="http://schemas.openxmlformats.org/officeDocument/2006/relationships" xmlns:p="http://schemas.openxmlformats.org/presentationml/2006/main" type="blank" preserve="1">
   <p:cSld name="Title, 6 Content">
     <p:spTree>
       <p:nvGrpSpPr>
@@ -426,15 +540,16 @@
           </a:prstGeom>
         </p:spPr>
         <p:txBody>
-          <a:bodyPr lIns="0" rIns="0" tIns="0" bIns="0" anchor="ctr"/>
-          <a:p>
-            <a:endParaRPr b="0" lang="en-US" sz="1400" spc="-1" strike="noStrike">
-              <a:solidFill>
-                <a:srgbClr val="000000"/>
-              </a:solidFill>
-              <a:uFill>
-                <a:solidFill>
-                  <a:srgbClr val="ffffff"/>
+          <a:bodyPr lIns="0" tIns="0" rIns="0" bIns="0" anchor="ctr"/>
+          <a:lstStyle/>
+          <a:p>
+            <a:endParaRPr lang="en-US" sz="1400" b="0" strike="noStrike" spc="-1">
+              <a:solidFill>
+                <a:srgbClr val="000000"/>
+              </a:solidFill>
+              <a:uFill>
+                <a:solidFill>
+                  <a:srgbClr val="FFFFFF"/>
                 </a:solidFill>
               </a:uFill>
               <a:latin typeface="Arial"/>
@@ -462,17 +577,18 @@
           </a:prstGeom>
         </p:spPr>
         <p:txBody>
-          <a:bodyPr lIns="0" rIns="0" tIns="0" bIns="0">
+          <a:bodyPr lIns="0" tIns="0" rIns="0" bIns="0">
             <a:normAutofit/>
           </a:bodyPr>
-          <a:p>
-            <a:endParaRPr b="0" lang="en-US" sz="1400" spc="-1" strike="noStrike">
-              <a:solidFill>
-                <a:srgbClr val="000000"/>
-              </a:solidFill>
-              <a:uFill>
-                <a:solidFill>
-                  <a:srgbClr val="ffffff"/>
+          <a:lstStyle/>
+          <a:p>
+            <a:endParaRPr lang="en-US" sz="1400" b="0" strike="noStrike" spc="-1">
+              <a:solidFill>
+                <a:srgbClr val="000000"/>
+              </a:solidFill>
+              <a:uFill>
+                <a:solidFill>
+                  <a:srgbClr val="FFFFFF"/>
                 </a:solidFill>
               </a:uFill>
               <a:latin typeface="Arial"/>
@@ -500,17 +616,18 @@
           </a:prstGeom>
         </p:spPr>
         <p:txBody>
-          <a:bodyPr lIns="0" rIns="0" tIns="0" bIns="0">
+          <a:bodyPr lIns="0" tIns="0" rIns="0" bIns="0">
             <a:normAutofit/>
           </a:bodyPr>
-          <a:p>
-            <a:endParaRPr b="0" lang="en-US" sz="1400" spc="-1" strike="noStrike">
-              <a:solidFill>
-                <a:srgbClr val="000000"/>
-              </a:solidFill>
-              <a:uFill>
-                <a:solidFill>
-                  <a:srgbClr val="ffffff"/>
+          <a:lstStyle/>
+          <a:p>
+            <a:endParaRPr lang="en-US" sz="1400" b="0" strike="noStrike" spc="-1">
+              <a:solidFill>
+                <a:srgbClr val="000000"/>
+              </a:solidFill>
+              <a:uFill>
+                <a:solidFill>
+                  <a:srgbClr val="FFFFFF"/>
                 </a:solidFill>
               </a:uFill>
               <a:latin typeface="Arial"/>
@@ -538,17 +655,18 @@
           </a:prstGeom>
         </p:spPr>
         <p:txBody>
-          <a:bodyPr lIns="0" rIns="0" tIns="0" bIns="0">
+          <a:bodyPr lIns="0" tIns="0" rIns="0" bIns="0">
             <a:normAutofit/>
           </a:bodyPr>
-          <a:p>
-            <a:endParaRPr b="0" lang="en-US" sz="1400" spc="-1" strike="noStrike">
-              <a:solidFill>
-                <a:srgbClr val="000000"/>
-              </a:solidFill>
-              <a:uFill>
-                <a:solidFill>
-                  <a:srgbClr val="ffffff"/>
+          <a:lstStyle/>
+          <a:p>
+            <a:endParaRPr lang="en-US" sz="1400" b="0" strike="noStrike" spc="-1">
+              <a:solidFill>
+                <a:srgbClr val="000000"/>
+              </a:solidFill>
+              <a:uFill>
+                <a:solidFill>
+                  <a:srgbClr val="FFFFFF"/>
                 </a:solidFill>
               </a:uFill>
               <a:latin typeface="Arial"/>
@@ -576,17 +694,18 @@
           </a:prstGeom>
         </p:spPr>
         <p:txBody>
-          <a:bodyPr lIns="0" rIns="0" tIns="0" bIns="0">
+          <a:bodyPr lIns="0" tIns="0" rIns="0" bIns="0">
             <a:normAutofit/>
           </a:bodyPr>
-          <a:p>
-            <a:endParaRPr b="0" lang="en-US" sz="1400" spc="-1" strike="noStrike">
-              <a:solidFill>
-                <a:srgbClr val="000000"/>
-              </a:solidFill>
-              <a:uFill>
-                <a:solidFill>
-                  <a:srgbClr val="ffffff"/>
+          <a:lstStyle/>
+          <a:p>
+            <a:endParaRPr lang="en-US" sz="1400" b="0" strike="noStrike" spc="-1">
+              <a:solidFill>
+                <a:srgbClr val="000000"/>
+              </a:solidFill>
+              <a:uFill>
+                <a:solidFill>
+                  <a:srgbClr val="FFFFFF"/>
                 </a:solidFill>
               </a:uFill>
               <a:latin typeface="Arial"/>
@@ -614,17 +733,18 @@
           </a:prstGeom>
         </p:spPr>
         <p:txBody>
-          <a:bodyPr lIns="0" rIns="0" tIns="0" bIns="0">
+          <a:bodyPr lIns="0" tIns="0" rIns="0" bIns="0">
             <a:normAutofit/>
           </a:bodyPr>
-          <a:p>
-            <a:endParaRPr b="0" lang="en-US" sz="1400" spc="-1" strike="noStrike">
-              <a:solidFill>
-                <a:srgbClr val="000000"/>
-              </a:solidFill>
-              <a:uFill>
-                <a:solidFill>
-                  <a:srgbClr val="ffffff"/>
+          <a:lstStyle/>
+          <a:p>
+            <a:endParaRPr lang="en-US" sz="1400" b="0" strike="noStrike" spc="-1">
+              <a:solidFill>
+                <a:srgbClr val="000000"/>
+              </a:solidFill>
+              <a:uFill>
+                <a:solidFill>
+                  <a:srgbClr val="FFFFFF"/>
                 </a:solidFill>
               </a:uFill>
               <a:latin typeface="Arial"/>
@@ -652,17 +772,18 @@
           </a:prstGeom>
         </p:spPr>
         <p:txBody>
-          <a:bodyPr lIns="0" rIns="0" tIns="0" bIns="0">
+          <a:bodyPr lIns="0" tIns="0" rIns="0" bIns="0">
             <a:normAutofit/>
           </a:bodyPr>
-          <a:p>
-            <a:endParaRPr b="0" lang="en-US" sz="1400" spc="-1" strike="noStrike">
-              <a:solidFill>
-                <a:srgbClr val="000000"/>
-              </a:solidFill>
-              <a:uFill>
-                <a:solidFill>
-                  <a:srgbClr val="ffffff"/>
+          <a:lstStyle/>
+          <a:p>
+            <a:endParaRPr lang="en-US" sz="1400" b="0" strike="noStrike" spc="-1">
+              <a:solidFill>
+                <a:srgbClr val="000000"/>
+              </a:solidFill>
+              <a:uFill>
+                <a:solidFill>
+                  <a:srgbClr val="FFFFFF"/>
                 </a:solidFill>
               </a:uFill>
               <a:latin typeface="Arial"/>
@@ -672,11 +793,14 @@
       </p:sp>
     </p:spTree>
   </p:cSld>
+  <p:clrMapOvr>
+    <a:masterClrMapping/>
+  </p:clrMapOvr>
 </p:sldLayout>
 </file>
 
 <file path=ppt/slideLayouts/slideLayout13.xml><?xml version="1.0" encoding="utf-8"?>
-<p:sldLayout xmlns:a="http://schemas.openxmlformats.org/drawingml/2006/main" xmlns:p="http://schemas.openxmlformats.org/presentationml/2006/main" xmlns:r="http://schemas.openxmlformats.org/officeDocument/2006/relationships" xmlns:p14="http://schemas.microsoft.com/office/powerpoint/2010/main" xmlns:p15="http://schemas.microsoft.com/office/powerpoint/2012/main" xmlns:mc="http://schemas.openxmlformats.org/markup-compatibility/2006" type="blank" preserve="1">
+<p:sldLayout xmlns:a="http://schemas.openxmlformats.org/drawingml/2006/main" xmlns:r="http://schemas.openxmlformats.org/officeDocument/2006/relationships" xmlns:p="http://schemas.openxmlformats.org/presentationml/2006/main" type="blank" preserve="1">
   <p:cSld name="Blank Slide">
     <p:spTree>
       <p:nvGrpSpPr>
@@ -694,11 +818,14 @@
       </p:grpSpPr>
     </p:spTree>
   </p:cSld>
+  <p:clrMapOvr>
+    <a:masterClrMapping/>
+  </p:clrMapOvr>
 </p:sldLayout>
 </file>
 
 <file path=ppt/slideLayouts/slideLayout14.xml><?xml version="1.0" encoding="utf-8"?>
-<p:sldLayout xmlns:a="http://schemas.openxmlformats.org/drawingml/2006/main" xmlns:p="http://schemas.openxmlformats.org/presentationml/2006/main" xmlns:r="http://schemas.openxmlformats.org/officeDocument/2006/relationships" xmlns:p14="http://schemas.microsoft.com/office/powerpoint/2010/main" xmlns:p15="http://schemas.microsoft.com/office/powerpoint/2012/main" xmlns:mc="http://schemas.openxmlformats.org/markup-compatibility/2006" type="tx" preserve="1">
+<p:sldLayout xmlns:a="http://schemas.openxmlformats.org/drawingml/2006/main" xmlns:r="http://schemas.openxmlformats.org/officeDocument/2006/relationships" xmlns:p="http://schemas.openxmlformats.org/presentationml/2006/main" type="tx" preserve="1">
   <p:cSld name="Title Slide">
     <p:spTree>
       <p:nvGrpSpPr>
@@ -734,15 +861,16 @@
           </a:prstGeom>
         </p:spPr>
         <p:txBody>
-          <a:bodyPr lIns="0" rIns="0" tIns="0" bIns="0" anchor="ctr"/>
-          <a:p>
-            <a:endParaRPr b="0" lang="en-US" sz="1400" spc="-1" strike="noStrike">
-              <a:solidFill>
-                <a:srgbClr val="000000"/>
-              </a:solidFill>
-              <a:uFill>
-                <a:solidFill>
-                  <a:srgbClr val="ffffff"/>
+          <a:bodyPr lIns="0" tIns="0" rIns="0" bIns="0" anchor="ctr"/>
+          <a:lstStyle/>
+          <a:p>
+            <a:endParaRPr lang="en-US" sz="1400" b="0" strike="noStrike" spc="-1">
+              <a:solidFill>
+                <a:srgbClr val="000000"/>
+              </a:solidFill>
+              <a:uFill>
+                <a:solidFill>
+                  <a:srgbClr val="FFFFFF"/>
                 </a:solidFill>
               </a:uFill>
               <a:latin typeface="Arial"/>
@@ -770,16 +898,17 @@
           </a:prstGeom>
         </p:spPr>
         <p:txBody>
-          <a:bodyPr lIns="0" rIns="0" tIns="0" bIns="0" anchor="ctr"/>
+          <a:bodyPr lIns="0" tIns="0" rIns="0" bIns="0" anchor="ctr"/>
+          <a:lstStyle/>
           <a:p>
             <a:pPr algn="ctr"/>
-            <a:endParaRPr b="0" lang="en-US" sz="3200" spc="-1" strike="noStrike">
-              <a:solidFill>
-                <a:srgbClr val="000000"/>
-              </a:solidFill>
-              <a:uFill>
-                <a:solidFill>
-                  <a:srgbClr val="ffffff"/>
+            <a:endParaRPr lang="en-US" sz="3200" b="0" strike="noStrike" spc="-1">
+              <a:solidFill>
+                <a:srgbClr val="000000"/>
+              </a:solidFill>
+              <a:uFill>
+                <a:solidFill>
+                  <a:srgbClr val="FFFFFF"/>
                 </a:solidFill>
               </a:uFill>
               <a:latin typeface="Arial"/>
@@ -789,11 +918,14 @@
       </p:sp>
     </p:spTree>
   </p:cSld>
+  <p:clrMapOvr>
+    <a:masterClrMapping/>
+  </p:clrMapOvr>
 </p:sldLayout>
 </file>
 
 <file path=ppt/slideLayouts/slideLayout15.xml><?xml version="1.0" encoding="utf-8"?>
-<p:sldLayout xmlns:a="http://schemas.openxmlformats.org/drawingml/2006/main" xmlns:p="http://schemas.openxmlformats.org/presentationml/2006/main" xmlns:r="http://schemas.openxmlformats.org/officeDocument/2006/relationships" xmlns:p14="http://schemas.microsoft.com/office/powerpoint/2010/main" xmlns:p15="http://schemas.microsoft.com/office/powerpoint/2012/main" xmlns:mc="http://schemas.openxmlformats.org/markup-compatibility/2006" type="obj" preserve="1">
+<p:sldLayout xmlns:a="http://schemas.openxmlformats.org/drawingml/2006/main" xmlns:r="http://schemas.openxmlformats.org/officeDocument/2006/relationships" xmlns:p="http://schemas.openxmlformats.org/presentationml/2006/main" type="obj" preserve="1">
   <p:cSld name="Title, Content">
     <p:spTree>
       <p:nvGrpSpPr>
@@ -829,15 +961,16 @@
           </a:prstGeom>
         </p:spPr>
         <p:txBody>
-          <a:bodyPr lIns="0" rIns="0" tIns="0" bIns="0" anchor="ctr"/>
-          <a:p>
-            <a:endParaRPr b="0" lang="en-US" sz="1400" spc="-1" strike="noStrike">
-              <a:solidFill>
-                <a:srgbClr val="000000"/>
-              </a:solidFill>
-              <a:uFill>
-                <a:solidFill>
-                  <a:srgbClr val="ffffff"/>
+          <a:bodyPr lIns="0" tIns="0" rIns="0" bIns="0" anchor="ctr"/>
+          <a:lstStyle/>
+          <a:p>
+            <a:endParaRPr lang="en-US" sz="1400" b="0" strike="noStrike" spc="-1">
+              <a:solidFill>
+                <a:srgbClr val="000000"/>
+              </a:solidFill>
+              <a:uFill>
+                <a:solidFill>
+                  <a:srgbClr val="FFFFFF"/>
                 </a:solidFill>
               </a:uFill>
               <a:latin typeface="Arial"/>
@@ -865,17 +998,18 @@
           </a:prstGeom>
         </p:spPr>
         <p:txBody>
-          <a:bodyPr lIns="0" rIns="0" tIns="0" bIns="0">
+          <a:bodyPr lIns="0" tIns="0" rIns="0" bIns="0">
             <a:normAutofit/>
           </a:bodyPr>
-          <a:p>
-            <a:endParaRPr b="0" lang="en-US" sz="1400" spc="-1" strike="noStrike">
-              <a:solidFill>
-                <a:srgbClr val="000000"/>
-              </a:solidFill>
-              <a:uFill>
-                <a:solidFill>
-                  <a:srgbClr val="ffffff"/>
+          <a:lstStyle/>
+          <a:p>
+            <a:endParaRPr lang="en-US" sz="1400" b="0" strike="noStrike" spc="-1">
+              <a:solidFill>
+                <a:srgbClr val="000000"/>
+              </a:solidFill>
+              <a:uFill>
+                <a:solidFill>
+                  <a:srgbClr val="FFFFFF"/>
                 </a:solidFill>
               </a:uFill>
               <a:latin typeface="Arial"/>
@@ -885,11 +1019,14 @@
       </p:sp>
     </p:spTree>
   </p:cSld>
+  <p:clrMapOvr>
+    <a:masterClrMapping/>
+  </p:clrMapOvr>
 </p:sldLayout>
 </file>
 
 <file path=ppt/slideLayouts/slideLayout16.xml><?xml version="1.0" encoding="utf-8"?>
-<p:sldLayout xmlns:a="http://schemas.openxmlformats.org/drawingml/2006/main" xmlns:p="http://schemas.openxmlformats.org/presentationml/2006/main" xmlns:r="http://schemas.openxmlformats.org/officeDocument/2006/relationships" xmlns:p14="http://schemas.microsoft.com/office/powerpoint/2010/main" xmlns:p15="http://schemas.microsoft.com/office/powerpoint/2012/main" xmlns:mc="http://schemas.openxmlformats.org/markup-compatibility/2006" type="twoObj" preserve="1">
+<p:sldLayout xmlns:a="http://schemas.openxmlformats.org/drawingml/2006/main" xmlns:r="http://schemas.openxmlformats.org/officeDocument/2006/relationships" xmlns:p="http://schemas.openxmlformats.org/presentationml/2006/main" type="twoObj" preserve="1">
   <p:cSld name="Title, 2 Content">
     <p:spTree>
       <p:nvGrpSpPr>
@@ -925,15 +1062,16 @@
           </a:prstGeom>
         </p:spPr>
         <p:txBody>
-          <a:bodyPr lIns="0" rIns="0" tIns="0" bIns="0" anchor="ctr"/>
-          <a:p>
-            <a:endParaRPr b="0" lang="en-US" sz="1400" spc="-1" strike="noStrike">
-              <a:solidFill>
-                <a:srgbClr val="000000"/>
-              </a:solidFill>
-              <a:uFill>
-                <a:solidFill>
-                  <a:srgbClr val="ffffff"/>
+          <a:bodyPr lIns="0" tIns="0" rIns="0" bIns="0" anchor="ctr"/>
+          <a:lstStyle/>
+          <a:p>
+            <a:endParaRPr lang="en-US" sz="1400" b="0" strike="noStrike" spc="-1">
+              <a:solidFill>
+                <a:srgbClr val="000000"/>
+              </a:solidFill>
+              <a:uFill>
+                <a:solidFill>
+                  <a:srgbClr val="FFFFFF"/>
                 </a:solidFill>
               </a:uFill>
               <a:latin typeface="Arial"/>
@@ -961,17 +1099,18 @@
           </a:prstGeom>
         </p:spPr>
         <p:txBody>
-          <a:bodyPr lIns="0" rIns="0" tIns="0" bIns="0">
+          <a:bodyPr lIns="0" tIns="0" rIns="0" bIns="0">
             <a:normAutofit/>
           </a:bodyPr>
-          <a:p>
-            <a:endParaRPr b="0" lang="en-US" sz="1400" spc="-1" strike="noStrike">
-              <a:solidFill>
-                <a:srgbClr val="000000"/>
-              </a:solidFill>
-              <a:uFill>
-                <a:solidFill>
-                  <a:srgbClr val="ffffff"/>
+          <a:lstStyle/>
+          <a:p>
+            <a:endParaRPr lang="en-US" sz="1400" b="0" strike="noStrike" spc="-1">
+              <a:solidFill>
+                <a:srgbClr val="000000"/>
+              </a:solidFill>
+              <a:uFill>
+                <a:solidFill>
+                  <a:srgbClr val="FFFFFF"/>
                 </a:solidFill>
               </a:uFill>
               <a:latin typeface="Arial"/>
@@ -999,17 +1138,18 @@
           </a:prstGeom>
         </p:spPr>
         <p:txBody>
-          <a:bodyPr lIns="0" rIns="0" tIns="0" bIns="0">
+          <a:bodyPr lIns="0" tIns="0" rIns="0" bIns="0">
             <a:normAutofit/>
           </a:bodyPr>
-          <a:p>
-            <a:endParaRPr b="0" lang="en-US" sz="1400" spc="-1" strike="noStrike">
-              <a:solidFill>
-                <a:srgbClr val="000000"/>
-              </a:solidFill>
-              <a:uFill>
-                <a:solidFill>
-                  <a:srgbClr val="ffffff"/>
+          <a:lstStyle/>
+          <a:p>
+            <a:endParaRPr lang="en-US" sz="1400" b="0" strike="noStrike" spc="-1">
+              <a:solidFill>
+                <a:srgbClr val="000000"/>
+              </a:solidFill>
+              <a:uFill>
+                <a:solidFill>
+                  <a:srgbClr val="FFFFFF"/>
                 </a:solidFill>
               </a:uFill>
               <a:latin typeface="Arial"/>
@@ -1019,11 +1159,14 @@
       </p:sp>
     </p:spTree>
   </p:cSld>
+  <p:clrMapOvr>
+    <a:masterClrMapping/>
+  </p:clrMapOvr>
 </p:sldLayout>
 </file>
 
 <file path=ppt/slideLayouts/slideLayout17.xml><?xml version="1.0" encoding="utf-8"?>
-<p:sldLayout xmlns:a="http://schemas.openxmlformats.org/drawingml/2006/main" xmlns:p="http://schemas.openxmlformats.org/presentationml/2006/main" xmlns:r="http://schemas.openxmlformats.org/officeDocument/2006/relationships" xmlns:p14="http://schemas.microsoft.com/office/powerpoint/2010/main" xmlns:p15="http://schemas.microsoft.com/office/powerpoint/2012/main" xmlns:mc="http://schemas.openxmlformats.org/markup-compatibility/2006" type="titleOnly" preserve="1">
+<p:sldLayout xmlns:a="http://schemas.openxmlformats.org/drawingml/2006/main" xmlns:r="http://schemas.openxmlformats.org/officeDocument/2006/relationships" xmlns:p="http://schemas.openxmlformats.org/presentationml/2006/main" type="titleOnly" preserve="1">
   <p:cSld name="Title Only">
     <p:spTree>
       <p:nvGrpSpPr>
@@ -1059,15 +1202,16 @@
           </a:prstGeom>
         </p:spPr>
         <p:txBody>
-          <a:bodyPr lIns="0" rIns="0" tIns="0" bIns="0" anchor="ctr"/>
-          <a:p>
-            <a:endParaRPr b="0" lang="en-US" sz="1400" spc="-1" strike="noStrike">
-              <a:solidFill>
-                <a:srgbClr val="000000"/>
-              </a:solidFill>
-              <a:uFill>
-                <a:solidFill>
-                  <a:srgbClr val="ffffff"/>
+          <a:bodyPr lIns="0" tIns="0" rIns="0" bIns="0" anchor="ctr"/>
+          <a:lstStyle/>
+          <a:p>
+            <a:endParaRPr lang="en-US" sz="1400" b="0" strike="noStrike" spc="-1">
+              <a:solidFill>
+                <a:srgbClr val="000000"/>
+              </a:solidFill>
+              <a:uFill>
+                <a:solidFill>
+                  <a:srgbClr val="FFFFFF"/>
                 </a:solidFill>
               </a:uFill>
               <a:latin typeface="Arial"/>
@@ -1077,11 +1221,14 @@
       </p:sp>
     </p:spTree>
   </p:cSld>
+  <p:clrMapOvr>
+    <a:masterClrMapping/>
+  </p:clrMapOvr>
 </p:sldLayout>
 </file>
 
 <file path=ppt/slideLayouts/slideLayout18.xml><?xml version="1.0" encoding="utf-8"?>
-<p:sldLayout xmlns:a="http://schemas.openxmlformats.org/drawingml/2006/main" xmlns:p="http://schemas.openxmlformats.org/presentationml/2006/main" xmlns:r="http://schemas.openxmlformats.org/officeDocument/2006/relationships" xmlns:p14="http://schemas.microsoft.com/office/powerpoint/2010/main" xmlns:p15="http://schemas.microsoft.com/office/powerpoint/2012/main" xmlns:mc="http://schemas.openxmlformats.org/markup-compatibility/2006" type="objOnly" preserve="1">
+<p:sldLayout xmlns:a="http://schemas.openxmlformats.org/drawingml/2006/main" xmlns:r="http://schemas.openxmlformats.org/officeDocument/2006/relationships" xmlns:p="http://schemas.openxmlformats.org/presentationml/2006/main" type="objOnly" preserve="1">
   <p:cSld name="Centered Text">
     <p:spTree>
       <p:nvGrpSpPr>
@@ -1117,16 +1264,17 @@
           </a:prstGeom>
         </p:spPr>
         <p:txBody>
-          <a:bodyPr lIns="0" rIns="0" tIns="0" bIns="0" anchor="ctr"/>
+          <a:bodyPr lIns="0" tIns="0" rIns="0" bIns="0" anchor="ctr"/>
+          <a:lstStyle/>
           <a:p>
             <a:pPr algn="ctr"/>
-            <a:endParaRPr b="0" lang="en-US" sz="3200" spc="-1" strike="noStrike">
-              <a:solidFill>
-                <a:srgbClr val="000000"/>
-              </a:solidFill>
-              <a:uFill>
-                <a:solidFill>
-                  <a:srgbClr val="ffffff"/>
+            <a:endParaRPr lang="en-US" sz="3200" b="0" strike="noStrike" spc="-1">
+              <a:solidFill>
+                <a:srgbClr val="000000"/>
+              </a:solidFill>
+              <a:uFill>
+                <a:solidFill>
+                  <a:srgbClr val="FFFFFF"/>
                 </a:solidFill>
               </a:uFill>
               <a:latin typeface="Arial"/>
@@ -1136,11 +1284,14 @@
       </p:sp>
     </p:spTree>
   </p:cSld>
+  <p:clrMapOvr>
+    <a:masterClrMapping/>
+  </p:clrMapOvr>
 </p:sldLayout>
 </file>
 
 <file path=ppt/slideLayouts/slideLayout19.xml><?xml version="1.0" encoding="utf-8"?>
-<p:sldLayout xmlns:a="http://schemas.openxmlformats.org/drawingml/2006/main" xmlns:p="http://schemas.openxmlformats.org/presentationml/2006/main" xmlns:r="http://schemas.openxmlformats.org/officeDocument/2006/relationships" xmlns:p14="http://schemas.microsoft.com/office/powerpoint/2010/main" xmlns:p15="http://schemas.microsoft.com/office/powerpoint/2012/main" xmlns:mc="http://schemas.openxmlformats.org/markup-compatibility/2006" type="twoObjAndObj" preserve="1">
+<p:sldLayout xmlns:a="http://schemas.openxmlformats.org/drawingml/2006/main" xmlns:r="http://schemas.openxmlformats.org/officeDocument/2006/relationships" xmlns:p="http://schemas.openxmlformats.org/presentationml/2006/main" type="twoObjAndObj" preserve="1">
   <p:cSld name="Title, 2 Content and Content">
     <p:spTree>
       <p:nvGrpSpPr>
@@ -1176,15 +1327,16 @@
           </a:prstGeom>
         </p:spPr>
         <p:txBody>
-          <a:bodyPr lIns="0" rIns="0" tIns="0" bIns="0" anchor="ctr"/>
-          <a:p>
-            <a:endParaRPr b="0" lang="en-US" sz="1400" spc="-1" strike="noStrike">
-              <a:solidFill>
-                <a:srgbClr val="000000"/>
-              </a:solidFill>
-              <a:uFill>
-                <a:solidFill>
-                  <a:srgbClr val="ffffff"/>
+          <a:bodyPr lIns="0" tIns="0" rIns="0" bIns="0" anchor="ctr"/>
+          <a:lstStyle/>
+          <a:p>
+            <a:endParaRPr lang="en-US" sz="1400" b="0" strike="noStrike" spc="-1">
+              <a:solidFill>
+                <a:srgbClr val="000000"/>
+              </a:solidFill>
+              <a:uFill>
+                <a:solidFill>
+                  <a:srgbClr val="FFFFFF"/>
                 </a:solidFill>
               </a:uFill>
               <a:latin typeface="Arial"/>
@@ -1212,17 +1364,18 @@
           </a:prstGeom>
         </p:spPr>
         <p:txBody>
-          <a:bodyPr lIns="0" rIns="0" tIns="0" bIns="0">
+          <a:bodyPr lIns="0" tIns="0" rIns="0" bIns="0">
             <a:normAutofit/>
           </a:bodyPr>
-          <a:p>
-            <a:endParaRPr b="0" lang="en-US" sz="1400" spc="-1" strike="noStrike">
-              <a:solidFill>
-                <a:srgbClr val="000000"/>
-              </a:solidFill>
-              <a:uFill>
-                <a:solidFill>
-                  <a:srgbClr val="ffffff"/>
+          <a:lstStyle/>
+          <a:p>
+            <a:endParaRPr lang="en-US" sz="1400" b="0" strike="noStrike" spc="-1">
+              <a:solidFill>
+                <a:srgbClr val="000000"/>
+              </a:solidFill>
+              <a:uFill>
+                <a:solidFill>
+                  <a:srgbClr val="FFFFFF"/>
                 </a:solidFill>
               </a:uFill>
               <a:latin typeface="Arial"/>
@@ -1250,17 +1403,18 @@
           </a:prstGeom>
         </p:spPr>
         <p:txBody>
-          <a:bodyPr lIns="0" rIns="0" tIns="0" bIns="0">
+          <a:bodyPr lIns="0" tIns="0" rIns="0" bIns="0">
             <a:normAutofit/>
           </a:bodyPr>
-          <a:p>
-            <a:endParaRPr b="0" lang="en-US" sz="1400" spc="-1" strike="noStrike">
-              <a:solidFill>
-                <a:srgbClr val="000000"/>
-              </a:solidFill>
-              <a:uFill>
-                <a:solidFill>
-                  <a:srgbClr val="ffffff"/>
+          <a:lstStyle/>
+          <a:p>
+            <a:endParaRPr lang="en-US" sz="1400" b="0" strike="noStrike" spc="-1">
+              <a:solidFill>
+                <a:srgbClr val="000000"/>
+              </a:solidFill>
+              <a:uFill>
+                <a:solidFill>
+                  <a:srgbClr val="FFFFFF"/>
                 </a:solidFill>
               </a:uFill>
               <a:latin typeface="Arial"/>
@@ -1288,17 +1442,18 @@
           </a:prstGeom>
         </p:spPr>
         <p:txBody>
-          <a:bodyPr lIns="0" rIns="0" tIns="0" bIns="0">
+          <a:bodyPr lIns="0" tIns="0" rIns="0" bIns="0">
             <a:normAutofit/>
           </a:bodyPr>
-          <a:p>
-            <a:endParaRPr b="0" lang="en-US" sz="1400" spc="-1" strike="noStrike">
-              <a:solidFill>
-                <a:srgbClr val="000000"/>
-              </a:solidFill>
-              <a:uFill>
-                <a:solidFill>
-                  <a:srgbClr val="ffffff"/>
+          <a:lstStyle/>
+          <a:p>
+            <a:endParaRPr lang="en-US" sz="1400" b="0" strike="noStrike" spc="-1">
+              <a:solidFill>
+                <a:srgbClr val="000000"/>
+              </a:solidFill>
+              <a:uFill>
+                <a:solidFill>
+                  <a:srgbClr val="FFFFFF"/>
                 </a:solidFill>
               </a:uFill>
               <a:latin typeface="Arial"/>
@@ -1308,11 +1463,14 @@
       </p:sp>
     </p:spTree>
   </p:cSld>
+  <p:clrMapOvr>
+    <a:masterClrMapping/>
+  </p:clrMapOvr>
 </p:sldLayout>
 </file>
 
 <file path=ppt/slideLayouts/slideLayout2.xml><?xml version="1.0" encoding="utf-8"?>
-<p:sldLayout xmlns:a="http://schemas.openxmlformats.org/drawingml/2006/main" xmlns:p="http://schemas.openxmlformats.org/presentationml/2006/main" xmlns:r="http://schemas.openxmlformats.org/officeDocument/2006/relationships" xmlns:p14="http://schemas.microsoft.com/office/powerpoint/2010/main" xmlns:p15="http://schemas.microsoft.com/office/powerpoint/2012/main" xmlns:mc="http://schemas.openxmlformats.org/markup-compatibility/2006" type="tx" preserve="1">
+<p:sldLayout xmlns:a="http://schemas.openxmlformats.org/drawingml/2006/main" xmlns:r="http://schemas.openxmlformats.org/officeDocument/2006/relationships" xmlns:p="http://schemas.openxmlformats.org/presentationml/2006/main" type="tx" preserve="1">
   <p:cSld name="Title Slide">
     <p:spTree>
       <p:nvGrpSpPr>
@@ -1348,15 +1506,16 @@
           </a:prstGeom>
         </p:spPr>
         <p:txBody>
-          <a:bodyPr lIns="0" rIns="0" tIns="0" bIns="0" anchor="ctr"/>
-          <a:p>
-            <a:endParaRPr b="0" lang="en-US" sz="1400" spc="-1" strike="noStrike">
-              <a:solidFill>
-                <a:srgbClr val="000000"/>
-              </a:solidFill>
-              <a:uFill>
-                <a:solidFill>
-                  <a:srgbClr val="ffffff"/>
+          <a:bodyPr lIns="0" tIns="0" rIns="0" bIns="0" anchor="ctr"/>
+          <a:lstStyle/>
+          <a:p>
+            <a:endParaRPr lang="en-US" sz="1400" b="0" strike="noStrike" spc="-1">
+              <a:solidFill>
+                <a:srgbClr val="000000"/>
+              </a:solidFill>
+              <a:uFill>
+                <a:solidFill>
+                  <a:srgbClr val="FFFFFF"/>
                 </a:solidFill>
               </a:uFill>
               <a:latin typeface="Arial"/>
@@ -1384,16 +1543,17 @@
           </a:prstGeom>
         </p:spPr>
         <p:txBody>
-          <a:bodyPr lIns="0" rIns="0" tIns="0" bIns="0" anchor="ctr"/>
+          <a:bodyPr lIns="0" tIns="0" rIns="0" bIns="0" anchor="ctr"/>
+          <a:lstStyle/>
           <a:p>
             <a:pPr algn="ctr"/>
-            <a:endParaRPr b="0" lang="en-US" sz="3200" spc="-1" strike="noStrike">
-              <a:solidFill>
-                <a:srgbClr val="000000"/>
-              </a:solidFill>
-              <a:uFill>
-                <a:solidFill>
-                  <a:srgbClr val="ffffff"/>
+            <a:endParaRPr lang="en-US" sz="3200" b="0" strike="noStrike" spc="-1">
+              <a:solidFill>
+                <a:srgbClr val="000000"/>
+              </a:solidFill>
+              <a:uFill>
+                <a:solidFill>
+                  <a:srgbClr val="FFFFFF"/>
                 </a:solidFill>
               </a:uFill>
               <a:latin typeface="Arial"/>
@@ -1403,11 +1563,14 @@
       </p:sp>
     </p:spTree>
   </p:cSld>
+  <p:clrMapOvr>
+    <a:masterClrMapping/>
+  </p:clrMapOvr>
 </p:sldLayout>
 </file>
 
 <file path=ppt/slideLayouts/slideLayout20.xml><?xml version="1.0" encoding="utf-8"?>
-<p:sldLayout xmlns:a="http://schemas.openxmlformats.org/drawingml/2006/main" xmlns:p="http://schemas.openxmlformats.org/presentationml/2006/main" xmlns:r="http://schemas.openxmlformats.org/officeDocument/2006/relationships" xmlns:p14="http://schemas.microsoft.com/office/powerpoint/2010/main" xmlns:p15="http://schemas.microsoft.com/office/powerpoint/2012/main" xmlns:mc="http://schemas.openxmlformats.org/markup-compatibility/2006" type="objAndTwoObj" preserve="1">
+<p:sldLayout xmlns:a="http://schemas.openxmlformats.org/drawingml/2006/main" xmlns:r="http://schemas.openxmlformats.org/officeDocument/2006/relationships" xmlns:p="http://schemas.openxmlformats.org/presentationml/2006/main" type="objAndTwoObj" preserve="1">
   <p:cSld name="Title Content and 2 Content">
     <p:spTree>
       <p:nvGrpSpPr>
@@ -1443,15 +1606,16 @@
           </a:prstGeom>
         </p:spPr>
         <p:txBody>
-          <a:bodyPr lIns="0" rIns="0" tIns="0" bIns="0" anchor="ctr"/>
-          <a:p>
-            <a:endParaRPr b="0" lang="en-US" sz="1400" spc="-1" strike="noStrike">
-              <a:solidFill>
-                <a:srgbClr val="000000"/>
-              </a:solidFill>
-              <a:uFill>
-                <a:solidFill>
-                  <a:srgbClr val="ffffff"/>
+          <a:bodyPr lIns="0" tIns="0" rIns="0" bIns="0" anchor="ctr"/>
+          <a:lstStyle/>
+          <a:p>
+            <a:endParaRPr lang="en-US" sz="1400" b="0" strike="noStrike" spc="-1">
+              <a:solidFill>
+                <a:srgbClr val="000000"/>
+              </a:solidFill>
+              <a:uFill>
+                <a:solidFill>
+                  <a:srgbClr val="FFFFFF"/>
                 </a:solidFill>
               </a:uFill>
               <a:latin typeface="Arial"/>
@@ -1479,17 +1643,18 @@
           </a:prstGeom>
         </p:spPr>
         <p:txBody>
-          <a:bodyPr lIns="0" rIns="0" tIns="0" bIns="0">
+          <a:bodyPr lIns="0" tIns="0" rIns="0" bIns="0">
             <a:normAutofit/>
           </a:bodyPr>
-          <a:p>
-            <a:endParaRPr b="0" lang="en-US" sz="1400" spc="-1" strike="noStrike">
-              <a:solidFill>
-                <a:srgbClr val="000000"/>
-              </a:solidFill>
-              <a:uFill>
-                <a:solidFill>
-                  <a:srgbClr val="ffffff"/>
+          <a:lstStyle/>
+          <a:p>
+            <a:endParaRPr lang="en-US" sz="1400" b="0" strike="noStrike" spc="-1">
+              <a:solidFill>
+                <a:srgbClr val="000000"/>
+              </a:solidFill>
+              <a:uFill>
+                <a:solidFill>
+                  <a:srgbClr val="FFFFFF"/>
                 </a:solidFill>
               </a:uFill>
               <a:latin typeface="Arial"/>
@@ -1517,17 +1682,18 @@
           </a:prstGeom>
         </p:spPr>
         <p:txBody>
-          <a:bodyPr lIns="0" rIns="0" tIns="0" bIns="0">
+          <a:bodyPr lIns="0" tIns="0" rIns="0" bIns="0">
             <a:normAutofit/>
           </a:bodyPr>
-          <a:p>
-            <a:endParaRPr b="0" lang="en-US" sz="1400" spc="-1" strike="noStrike">
-              <a:solidFill>
-                <a:srgbClr val="000000"/>
-              </a:solidFill>
-              <a:uFill>
-                <a:solidFill>
-                  <a:srgbClr val="ffffff"/>
+          <a:lstStyle/>
+          <a:p>
+            <a:endParaRPr lang="en-US" sz="1400" b="0" strike="noStrike" spc="-1">
+              <a:solidFill>
+                <a:srgbClr val="000000"/>
+              </a:solidFill>
+              <a:uFill>
+                <a:solidFill>
+                  <a:srgbClr val="FFFFFF"/>
                 </a:solidFill>
               </a:uFill>
               <a:latin typeface="Arial"/>
@@ -1555,17 +1721,18 @@
           </a:prstGeom>
         </p:spPr>
         <p:txBody>
-          <a:bodyPr lIns="0" rIns="0" tIns="0" bIns="0">
+          <a:bodyPr lIns="0" tIns="0" rIns="0" bIns="0">
             <a:normAutofit/>
           </a:bodyPr>
-          <a:p>
-            <a:endParaRPr b="0" lang="en-US" sz="1400" spc="-1" strike="noStrike">
-              <a:solidFill>
-                <a:srgbClr val="000000"/>
-              </a:solidFill>
-              <a:uFill>
-                <a:solidFill>
-                  <a:srgbClr val="ffffff"/>
+          <a:lstStyle/>
+          <a:p>
+            <a:endParaRPr lang="en-US" sz="1400" b="0" strike="noStrike" spc="-1">
+              <a:solidFill>
+                <a:srgbClr val="000000"/>
+              </a:solidFill>
+              <a:uFill>
+                <a:solidFill>
+                  <a:srgbClr val="FFFFFF"/>
                 </a:solidFill>
               </a:uFill>
               <a:latin typeface="Arial"/>
@@ -1575,11 +1742,14 @@
       </p:sp>
     </p:spTree>
   </p:cSld>
+  <p:clrMapOvr>
+    <a:masterClrMapping/>
+  </p:clrMapOvr>
 </p:sldLayout>
 </file>
 
 <file path=ppt/slideLayouts/slideLayout21.xml><?xml version="1.0" encoding="utf-8"?>
-<p:sldLayout xmlns:a="http://schemas.openxmlformats.org/drawingml/2006/main" xmlns:p="http://schemas.openxmlformats.org/presentationml/2006/main" xmlns:r="http://schemas.openxmlformats.org/officeDocument/2006/relationships" xmlns:p14="http://schemas.microsoft.com/office/powerpoint/2010/main" xmlns:p15="http://schemas.microsoft.com/office/powerpoint/2012/main" xmlns:mc="http://schemas.openxmlformats.org/markup-compatibility/2006" type="twoObjOverTx" preserve="1">
+<p:sldLayout xmlns:a="http://schemas.openxmlformats.org/drawingml/2006/main" xmlns:r="http://schemas.openxmlformats.org/officeDocument/2006/relationships" xmlns:p="http://schemas.openxmlformats.org/presentationml/2006/main" type="twoObjOverTx" preserve="1">
   <p:cSld name="Title, 2 Content over Content">
     <p:spTree>
       <p:nvGrpSpPr>
@@ -1615,15 +1785,16 @@
           </a:prstGeom>
         </p:spPr>
         <p:txBody>
-          <a:bodyPr lIns="0" rIns="0" tIns="0" bIns="0" anchor="ctr"/>
-          <a:p>
-            <a:endParaRPr b="0" lang="en-US" sz="1400" spc="-1" strike="noStrike">
-              <a:solidFill>
-                <a:srgbClr val="000000"/>
-              </a:solidFill>
-              <a:uFill>
-                <a:solidFill>
-                  <a:srgbClr val="ffffff"/>
+          <a:bodyPr lIns="0" tIns="0" rIns="0" bIns="0" anchor="ctr"/>
+          <a:lstStyle/>
+          <a:p>
+            <a:endParaRPr lang="en-US" sz="1400" b="0" strike="noStrike" spc="-1">
+              <a:solidFill>
+                <a:srgbClr val="000000"/>
+              </a:solidFill>
+              <a:uFill>
+                <a:solidFill>
+                  <a:srgbClr val="FFFFFF"/>
                 </a:solidFill>
               </a:uFill>
               <a:latin typeface="Arial"/>
@@ -1651,17 +1822,18 @@
           </a:prstGeom>
         </p:spPr>
         <p:txBody>
-          <a:bodyPr lIns="0" rIns="0" tIns="0" bIns="0">
+          <a:bodyPr lIns="0" tIns="0" rIns="0" bIns="0">
             <a:normAutofit/>
           </a:bodyPr>
-          <a:p>
-            <a:endParaRPr b="0" lang="en-US" sz="1400" spc="-1" strike="noStrike">
-              <a:solidFill>
-                <a:srgbClr val="000000"/>
-              </a:solidFill>
-              <a:uFill>
-                <a:solidFill>
-                  <a:srgbClr val="ffffff"/>
+          <a:lstStyle/>
+          <a:p>
+            <a:endParaRPr lang="en-US" sz="1400" b="0" strike="noStrike" spc="-1">
+              <a:solidFill>
+                <a:srgbClr val="000000"/>
+              </a:solidFill>
+              <a:uFill>
+                <a:solidFill>
+                  <a:srgbClr val="FFFFFF"/>
                 </a:solidFill>
               </a:uFill>
               <a:latin typeface="Arial"/>
@@ -1689,17 +1861,18 @@
           </a:prstGeom>
         </p:spPr>
         <p:txBody>
-          <a:bodyPr lIns="0" rIns="0" tIns="0" bIns="0">
+          <a:bodyPr lIns="0" tIns="0" rIns="0" bIns="0">
             <a:normAutofit/>
           </a:bodyPr>
-          <a:p>
-            <a:endParaRPr b="0" lang="en-US" sz="1400" spc="-1" strike="noStrike">
-              <a:solidFill>
-                <a:srgbClr val="000000"/>
-              </a:solidFill>
-              <a:uFill>
-                <a:solidFill>
-                  <a:srgbClr val="ffffff"/>
+          <a:lstStyle/>
+          <a:p>
+            <a:endParaRPr lang="en-US" sz="1400" b="0" strike="noStrike" spc="-1">
+              <a:solidFill>
+                <a:srgbClr val="000000"/>
+              </a:solidFill>
+              <a:uFill>
+                <a:solidFill>
+                  <a:srgbClr val="FFFFFF"/>
                 </a:solidFill>
               </a:uFill>
               <a:latin typeface="Arial"/>
@@ -1727,17 +1900,18 @@
           </a:prstGeom>
         </p:spPr>
         <p:txBody>
-          <a:bodyPr lIns="0" rIns="0" tIns="0" bIns="0">
+          <a:bodyPr lIns="0" tIns="0" rIns="0" bIns="0">
             <a:normAutofit/>
           </a:bodyPr>
-          <a:p>
-            <a:endParaRPr b="0" lang="en-US" sz="1400" spc="-1" strike="noStrike">
-              <a:solidFill>
-                <a:srgbClr val="000000"/>
-              </a:solidFill>
-              <a:uFill>
-                <a:solidFill>
-                  <a:srgbClr val="ffffff"/>
+          <a:lstStyle/>
+          <a:p>
+            <a:endParaRPr lang="en-US" sz="1400" b="0" strike="noStrike" spc="-1">
+              <a:solidFill>
+                <a:srgbClr val="000000"/>
+              </a:solidFill>
+              <a:uFill>
+                <a:solidFill>
+                  <a:srgbClr val="FFFFFF"/>
                 </a:solidFill>
               </a:uFill>
               <a:latin typeface="Arial"/>
@@ -1747,11 +1921,14 @@
       </p:sp>
     </p:spTree>
   </p:cSld>
+  <p:clrMapOvr>
+    <a:masterClrMapping/>
+  </p:clrMapOvr>
 </p:sldLayout>
 </file>
 
 <file path=ppt/slideLayouts/slideLayout22.xml><?xml version="1.0" encoding="utf-8"?>
-<p:sldLayout xmlns:a="http://schemas.openxmlformats.org/drawingml/2006/main" xmlns:p="http://schemas.openxmlformats.org/presentationml/2006/main" xmlns:r="http://schemas.openxmlformats.org/officeDocument/2006/relationships" xmlns:p14="http://schemas.microsoft.com/office/powerpoint/2010/main" xmlns:p15="http://schemas.microsoft.com/office/powerpoint/2012/main" xmlns:mc="http://schemas.openxmlformats.org/markup-compatibility/2006" type="objOverTx" preserve="1">
+<p:sldLayout xmlns:a="http://schemas.openxmlformats.org/drawingml/2006/main" xmlns:r="http://schemas.openxmlformats.org/officeDocument/2006/relationships" xmlns:p="http://schemas.openxmlformats.org/presentationml/2006/main" type="objOverTx" preserve="1">
   <p:cSld name="Title, Content over Content">
     <p:spTree>
       <p:nvGrpSpPr>
@@ -1787,15 +1964,16 @@
           </a:prstGeom>
         </p:spPr>
         <p:txBody>
-          <a:bodyPr lIns="0" rIns="0" tIns="0" bIns="0" anchor="ctr"/>
-          <a:p>
-            <a:endParaRPr b="0" lang="en-US" sz="1400" spc="-1" strike="noStrike">
-              <a:solidFill>
-                <a:srgbClr val="000000"/>
-              </a:solidFill>
-              <a:uFill>
-                <a:solidFill>
-                  <a:srgbClr val="ffffff"/>
+          <a:bodyPr lIns="0" tIns="0" rIns="0" bIns="0" anchor="ctr"/>
+          <a:lstStyle/>
+          <a:p>
+            <a:endParaRPr lang="en-US" sz="1400" b="0" strike="noStrike" spc="-1">
+              <a:solidFill>
+                <a:srgbClr val="000000"/>
+              </a:solidFill>
+              <a:uFill>
+                <a:solidFill>
+                  <a:srgbClr val="FFFFFF"/>
                 </a:solidFill>
               </a:uFill>
               <a:latin typeface="Arial"/>
@@ -1823,17 +2001,18 @@
           </a:prstGeom>
         </p:spPr>
         <p:txBody>
-          <a:bodyPr lIns="0" rIns="0" tIns="0" bIns="0">
+          <a:bodyPr lIns="0" tIns="0" rIns="0" bIns="0">
             <a:normAutofit/>
           </a:bodyPr>
-          <a:p>
-            <a:endParaRPr b="0" lang="en-US" sz="1400" spc="-1" strike="noStrike">
-              <a:solidFill>
-                <a:srgbClr val="000000"/>
-              </a:solidFill>
-              <a:uFill>
-                <a:solidFill>
-                  <a:srgbClr val="ffffff"/>
+          <a:lstStyle/>
+          <a:p>
+            <a:endParaRPr lang="en-US" sz="1400" b="0" strike="noStrike" spc="-1">
+              <a:solidFill>
+                <a:srgbClr val="000000"/>
+              </a:solidFill>
+              <a:uFill>
+                <a:solidFill>
+                  <a:srgbClr val="FFFFFF"/>
                 </a:solidFill>
               </a:uFill>
               <a:latin typeface="Arial"/>
@@ -1861,17 +2040,18 @@
           </a:prstGeom>
         </p:spPr>
         <p:txBody>
-          <a:bodyPr lIns="0" rIns="0" tIns="0" bIns="0">
+          <a:bodyPr lIns="0" tIns="0" rIns="0" bIns="0">
             <a:normAutofit/>
           </a:bodyPr>
-          <a:p>
-            <a:endParaRPr b="0" lang="en-US" sz="1400" spc="-1" strike="noStrike">
-              <a:solidFill>
-                <a:srgbClr val="000000"/>
-              </a:solidFill>
-              <a:uFill>
-                <a:solidFill>
-                  <a:srgbClr val="ffffff"/>
+          <a:lstStyle/>
+          <a:p>
+            <a:endParaRPr lang="en-US" sz="1400" b="0" strike="noStrike" spc="-1">
+              <a:solidFill>
+                <a:srgbClr val="000000"/>
+              </a:solidFill>
+              <a:uFill>
+                <a:solidFill>
+                  <a:srgbClr val="FFFFFF"/>
                 </a:solidFill>
               </a:uFill>
               <a:latin typeface="Arial"/>
@@ -1881,11 +2061,14 @@
       </p:sp>
     </p:spTree>
   </p:cSld>
+  <p:clrMapOvr>
+    <a:masterClrMapping/>
+  </p:clrMapOvr>
 </p:sldLayout>
 </file>
 
 <file path=ppt/slideLayouts/slideLayout23.xml><?xml version="1.0" encoding="utf-8"?>
-<p:sldLayout xmlns:a="http://schemas.openxmlformats.org/drawingml/2006/main" xmlns:p="http://schemas.openxmlformats.org/presentationml/2006/main" xmlns:r="http://schemas.openxmlformats.org/officeDocument/2006/relationships" xmlns:p14="http://schemas.microsoft.com/office/powerpoint/2010/main" xmlns:p15="http://schemas.microsoft.com/office/powerpoint/2012/main" xmlns:mc="http://schemas.openxmlformats.org/markup-compatibility/2006" type="fourObj" preserve="1">
+<p:sldLayout xmlns:a="http://schemas.openxmlformats.org/drawingml/2006/main" xmlns:r="http://schemas.openxmlformats.org/officeDocument/2006/relationships" xmlns:p="http://schemas.openxmlformats.org/presentationml/2006/main" type="fourObj" preserve="1">
   <p:cSld name="Title, 4 Content">
     <p:spTree>
       <p:nvGrpSpPr>
@@ -1921,15 +2104,16 @@
           </a:prstGeom>
         </p:spPr>
         <p:txBody>
-          <a:bodyPr lIns="0" rIns="0" tIns="0" bIns="0" anchor="ctr"/>
-          <a:p>
-            <a:endParaRPr b="0" lang="en-US" sz="1400" spc="-1" strike="noStrike">
-              <a:solidFill>
-                <a:srgbClr val="000000"/>
-              </a:solidFill>
-              <a:uFill>
-                <a:solidFill>
-                  <a:srgbClr val="ffffff"/>
+          <a:bodyPr lIns="0" tIns="0" rIns="0" bIns="0" anchor="ctr"/>
+          <a:lstStyle/>
+          <a:p>
+            <a:endParaRPr lang="en-US" sz="1400" b="0" strike="noStrike" spc="-1">
+              <a:solidFill>
+                <a:srgbClr val="000000"/>
+              </a:solidFill>
+              <a:uFill>
+                <a:solidFill>
+                  <a:srgbClr val="FFFFFF"/>
                 </a:solidFill>
               </a:uFill>
               <a:latin typeface="Arial"/>
@@ -1957,17 +2141,18 @@
           </a:prstGeom>
         </p:spPr>
         <p:txBody>
-          <a:bodyPr lIns="0" rIns="0" tIns="0" bIns="0">
+          <a:bodyPr lIns="0" tIns="0" rIns="0" bIns="0">
             <a:normAutofit/>
           </a:bodyPr>
-          <a:p>
-            <a:endParaRPr b="0" lang="en-US" sz="1400" spc="-1" strike="noStrike">
-              <a:solidFill>
-                <a:srgbClr val="000000"/>
-              </a:solidFill>
-              <a:uFill>
-                <a:solidFill>
-                  <a:srgbClr val="ffffff"/>
+          <a:lstStyle/>
+          <a:p>
+            <a:endParaRPr lang="en-US" sz="1400" b="0" strike="noStrike" spc="-1">
+              <a:solidFill>
+                <a:srgbClr val="000000"/>
+              </a:solidFill>
+              <a:uFill>
+                <a:solidFill>
+                  <a:srgbClr val="FFFFFF"/>
                 </a:solidFill>
               </a:uFill>
               <a:latin typeface="Arial"/>
@@ -1995,17 +2180,18 @@
           </a:prstGeom>
         </p:spPr>
         <p:txBody>
-          <a:bodyPr lIns="0" rIns="0" tIns="0" bIns="0">
+          <a:bodyPr lIns="0" tIns="0" rIns="0" bIns="0">
             <a:normAutofit/>
           </a:bodyPr>
-          <a:p>
-            <a:endParaRPr b="0" lang="en-US" sz="1400" spc="-1" strike="noStrike">
-              <a:solidFill>
-                <a:srgbClr val="000000"/>
-              </a:solidFill>
-              <a:uFill>
-                <a:solidFill>
-                  <a:srgbClr val="ffffff"/>
+          <a:lstStyle/>
+          <a:p>
+            <a:endParaRPr lang="en-US" sz="1400" b="0" strike="noStrike" spc="-1">
+              <a:solidFill>
+                <a:srgbClr val="000000"/>
+              </a:solidFill>
+              <a:uFill>
+                <a:solidFill>
+                  <a:srgbClr val="FFFFFF"/>
                 </a:solidFill>
               </a:uFill>
               <a:latin typeface="Arial"/>
@@ -2033,17 +2219,18 @@
           </a:prstGeom>
         </p:spPr>
         <p:txBody>
-          <a:bodyPr lIns="0" rIns="0" tIns="0" bIns="0">
+          <a:bodyPr lIns="0" tIns="0" rIns="0" bIns="0">
             <a:normAutofit/>
           </a:bodyPr>
-          <a:p>
-            <a:endParaRPr b="0" lang="en-US" sz="1400" spc="-1" strike="noStrike">
-              <a:solidFill>
-                <a:srgbClr val="000000"/>
-              </a:solidFill>
-              <a:uFill>
-                <a:solidFill>
-                  <a:srgbClr val="ffffff"/>
+          <a:lstStyle/>
+          <a:p>
+            <a:endParaRPr lang="en-US" sz="1400" b="0" strike="noStrike" spc="-1">
+              <a:solidFill>
+                <a:srgbClr val="000000"/>
+              </a:solidFill>
+              <a:uFill>
+                <a:solidFill>
+                  <a:srgbClr val="FFFFFF"/>
                 </a:solidFill>
               </a:uFill>
               <a:latin typeface="Arial"/>
@@ -2071,17 +2258,18 @@
           </a:prstGeom>
         </p:spPr>
         <p:txBody>
-          <a:bodyPr lIns="0" rIns="0" tIns="0" bIns="0">
+          <a:bodyPr lIns="0" tIns="0" rIns="0" bIns="0">
             <a:normAutofit/>
           </a:bodyPr>
-          <a:p>
-            <a:endParaRPr b="0" lang="en-US" sz="1400" spc="-1" strike="noStrike">
-              <a:solidFill>
-                <a:srgbClr val="000000"/>
-              </a:solidFill>
-              <a:uFill>
-                <a:solidFill>
-                  <a:srgbClr val="ffffff"/>
+          <a:lstStyle/>
+          <a:p>
+            <a:endParaRPr lang="en-US" sz="1400" b="0" strike="noStrike" spc="-1">
+              <a:solidFill>
+                <a:srgbClr val="000000"/>
+              </a:solidFill>
+              <a:uFill>
+                <a:solidFill>
+                  <a:srgbClr val="FFFFFF"/>
                 </a:solidFill>
               </a:uFill>
               <a:latin typeface="Arial"/>
@@ -2091,11 +2279,14 @@
       </p:sp>
     </p:spTree>
   </p:cSld>
+  <p:clrMapOvr>
+    <a:masterClrMapping/>
+  </p:clrMapOvr>
 </p:sldLayout>
 </file>
 
 <file path=ppt/slideLayouts/slideLayout24.xml><?xml version="1.0" encoding="utf-8"?>
-<p:sldLayout xmlns:a="http://schemas.openxmlformats.org/drawingml/2006/main" xmlns:p="http://schemas.openxmlformats.org/presentationml/2006/main" xmlns:r="http://schemas.openxmlformats.org/officeDocument/2006/relationships" xmlns:p14="http://schemas.microsoft.com/office/powerpoint/2010/main" xmlns:p15="http://schemas.microsoft.com/office/powerpoint/2012/main" xmlns:mc="http://schemas.openxmlformats.org/markup-compatibility/2006" type="blank" preserve="1">
+<p:sldLayout xmlns:a="http://schemas.openxmlformats.org/drawingml/2006/main" xmlns:r="http://schemas.openxmlformats.org/officeDocument/2006/relationships" xmlns:p="http://schemas.openxmlformats.org/presentationml/2006/main" type="blank" preserve="1">
   <p:cSld name="Title, 6 Content">
     <p:spTree>
       <p:nvGrpSpPr>
@@ -2131,15 +2322,16 @@
           </a:prstGeom>
         </p:spPr>
         <p:txBody>
-          <a:bodyPr lIns="0" rIns="0" tIns="0" bIns="0" anchor="ctr"/>
-          <a:p>
-            <a:endParaRPr b="0" lang="en-US" sz="1400" spc="-1" strike="noStrike">
-              <a:solidFill>
-                <a:srgbClr val="000000"/>
-              </a:solidFill>
-              <a:uFill>
-                <a:solidFill>
-                  <a:srgbClr val="ffffff"/>
+          <a:bodyPr lIns="0" tIns="0" rIns="0" bIns="0" anchor="ctr"/>
+          <a:lstStyle/>
+          <a:p>
+            <a:endParaRPr lang="en-US" sz="1400" b="0" strike="noStrike" spc="-1">
+              <a:solidFill>
+                <a:srgbClr val="000000"/>
+              </a:solidFill>
+              <a:uFill>
+                <a:solidFill>
+                  <a:srgbClr val="FFFFFF"/>
                 </a:solidFill>
               </a:uFill>
               <a:latin typeface="Arial"/>
@@ -2167,17 +2359,18 @@
           </a:prstGeom>
         </p:spPr>
         <p:txBody>
-          <a:bodyPr lIns="0" rIns="0" tIns="0" bIns="0">
+          <a:bodyPr lIns="0" tIns="0" rIns="0" bIns="0">
             <a:normAutofit/>
           </a:bodyPr>
-          <a:p>
-            <a:endParaRPr b="0" lang="en-US" sz="1400" spc="-1" strike="noStrike">
-              <a:solidFill>
-                <a:srgbClr val="000000"/>
-              </a:solidFill>
-              <a:uFill>
-                <a:solidFill>
-                  <a:srgbClr val="ffffff"/>
+          <a:lstStyle/>
+          <a:p>
+            <a:endParaRPr lang="en-US" sz="1400" b="0" strike="noStrike" spc="-1">
+              <a:solidFill>
+                <a:srgbClr val="000000"/>
+              </a:solidFill>
+              <a:uFill>
+                <a:solidFill>
+                  <a:srgbClr val="FFFFFF"/>
                 </a:solidFill>
               </a:uFill>
               <a:latin typeface="Arial"/>
@@ -2205,17 +2398,18 @@
           </a:prstGeom>
         </p:spPr>
         <p:txBody>
-          <a:bodyPr lIns="0" rIns="0" tIns="0" bIns="0">
+          <a:bodyPr lIns="0" tIns="0" rIns="0" bIns="0">
             <a:normAutofit/>
           </a:bodyPr>
-          <a:p>
-            <a:endParaRPr b="0" lang="en-US" sz="1400" spc="-1" strike="noStrike">
-              <a:solidFill>
-                <a:srgbClr val="000000"/>
-              </a:solidFill>
-              <a:uFill>
-                <a:solidFill>
-                  <a:srgbClr val="ffffff"/>
+          <a:lstStyle/>
+          <a:p>
+            <a:endParaRPr lang="en-US" sz="1400" b="0" strike="noStrike" spc="-1">
+              <a:solidFill>
+                <a:srgbClr val="000000"/>
+              </a:solidFill>
+              <a:uFill>
+                <a:solidFill>
+                  <a:srgbClr val="FFFFFF"/>
                 </a:solidFill>
               </a:uFill>
               <a:latin typeface="Arial"/>
@@ -2243,17 +2437,18 @@
           </a:prstGeom>
         </p:spPr>
         <p:txBody>
-          <a:bodyPr lIns="0" rIns="0" tIns="0" bIns="0">
+          <a:bodyPr lIns="0" tIns="0" rIns="0" bIns="0">
             <a:normAutofit/>
           </a:bodyPr>
-          <a:p>
-            <a:endParaRPr b="0" lang="en-US" sz="1400" spc="-1" strike="noStrike">
-              <a:solidFill>
-                <a:srgbClr val="000000"/>
-              </a:solidFill>
-              <a:uFill>
-                <a:solidFill>
-                  <a:srgbClr val="ffffff"/>
+          <a:lstStyle/>
+          <a:p>
+            <a:endParaRPr lang="en-US" sz="1400" b="0" strike="noStrike" spc="-1">
+              <a:solidFill>
+                <a:srgbClr val="000000"/>
+              </a:solidFill>
+              <a:uFill>
+                <a:solidFill>
+                  <a:srgbClr val="FFFFFF"/>
                 </a:solidFill>
               </a:uFill>
               <a:latin typeface="Arial"/>
@@ -2281,17 +2476,18 @@
           </a:prstGeom>
         </p:spPr>
         <p:txBody>
-          <a:bodyPr lIns="0" rIns="0" tIns="0" bIns="0">
+          <a:bodyPr lIns="0" tIns="0" rIns="0" bIns="0">
             <a:normAutofit/>
           </a:bodyPr>
-          <a:p>
-            <a:endParaRPr b="0" lang="en-US" sz="1400" spc="-1" strike="noStrike">
-              <a:solidFill>
-                <a:srgbClr val="000000"/>
-              </a:solidFill>
-              <a:uFill>
-                <a:solidFill>
-                  <a:srgbClr val="ffffff"/>
+          <a:lstStyle/>
+          <a:p>
+            <a:endParaRPr lang="en-US" sz="1400" b="0" strike="noStrike" spc="-1">
+              <a:solidFill>
+                <a:srgbClr val="000000"/>
+              </a:solidFill>
+              <a:uFill>
+                <a:solidFill>
+                  <a:srgbClr val="FFFFFF"/>
                 </a:solidFill>
               </a:uFill>
               <a:latin typeface="Arial"/>
@@ -2319,17 +2515,18 @@
           </a:prstGeom>
         </p:spPr>
         <p:txBody>
-          <a:bodyPr lIns="0" rIns="0" tIns="0" bIns="0">
+          <a:bodyPr lIns="0" tIns="0" rIns="0" bIns="0">
             <a:normAutofit/>
           </a:bodyPr>
-          <a:p>
-            <a:endParaRPr b="0" lang="en-US" sz="1400" spc="-1" strike="noStrike">
-              <a:solidFill>
-                <a:srgbClr val="000000"/>
-              </a:solidFill>
-              <a:uFill>
-                <a:solidFill>
-                  <a:srgbClr val="ffffff"/>
+          <a:lstStyle/>
+          <a:p>
+            <a:endParaRPr lang="en-US" sz="1400" b="0" strike="noStrike" spc="-1">
+              <a:solidFill>
+                <a:srgbClr val="000000"/>
+              </a:solidFill>
+              <a:uFill>
+                <a:solidFill>
+                  <a:srgbClr val="FFFFFF"/>
                 </a:solidFill>
               </a:uFill>
               <a:latin typeface="Arial"/>
@@ -2357,17 +2554,18 @@
           </a:prstGeom>
         </p:spPr>
         <p:txBody>
-          <a:bodyPr lIns="0" rIns="0" tIns="0" bIns="0">
+          <a:bodyPr lIns="0" tIns="0" rIns="0" bIns="0">
             <a:normAutofit/>
           </a:bodyPr>
-          <a:p>
-            <a:endParaRPr b="0" lang="en-US" sz="1400" spc="-1" strike="noStrike">
-              <a:solidFill>
-                <a:srgbClr val="000000"/>
-              </a:solidFill>
-              <a:uFill>
-                <a:solidFill>
-                  <a:srgbClr val="ffffff"/>
+          <a:lstStyle/>
+          <a:p>
+            <a:endParaRPr lang="en-US" sz="1400" b="0" strike="noStrike" spc="-1">
+              <a:solidFill>
+                <a:srgbClr val="000000"/>
+              </a:solidFill>
+              <a:uFill>
+                <a:solidFill>
+                  <a:srgbClr val="FFFFFF"/>
                 </a:solidFill>
               </a:uFill>
               <a:latin typeface="Arial"/>
@@ -2377,11 +2575,14 @@
       </p:sp>
     </p:spTree>
   </p:cSld>
+  <p:clrMapOvr>
+    <a:masterClrMapping/>
+  </p:clrMapOvr>
 </p:sldLayout>
 </file>
 
 <file path=ppt/slideLayouts/slideLayout3.xml><?xml version="1.0" encoding="utf-8"?>
-<p:sldLayout xmlns:a="http://schemas.openxmlformats.org/drawingml/2006/main" xmlns:p="http://schemas.openxmlformats.org/presentationml/2006/main" xmlns:r="http://schemas.openxmlformats.org/officeDocument/2006/relationships" xmlns:p14="http://schemas.microsoft.com/office/powerpoint/2010/main" xmlns:p15="http://schemas.microsoft.com/office/powerpoint/2012/main" xmlns:mc="http://schemas.openxmlformats.org/markup-compatibility/2006" type="obj" preserve="1">
+<p:sldLayout xmlns:a="http://schemas.openxmlformats.org/drawingml/2006/main" xmlns:r="http://schemas.openxmlformats.org/officeDocument/2006/relationships" xmlns:p="http://schemas.openxmlformats.org/presentationml/2006/main" type="obj" preserve="1">
   <p:cSld name="Title, Content">
     <p:spTree>
       <p:nvGrpSpPr>
@@ -2417,15 +2618,16 @@
           </a:prstGeom>
         </p:spPr>
         <p:txBody>
-          <a:bodyPr lIns="0" rIns="0" tIns="0" bIns="0" anchor="ctr"/>
-          <a:p>
-            <a:endParaRPr b="0" lang="en-US" sz="1400" spc="-1" strike="noStrike">
-              <a:solidFill>
-                <a:srgbClr val="000000"/>
-              </a:solidFill>
-              <a:uFill>
-                <a:solidFill>
-                  <a:srgbClr val="ffffff"/>
+          <a:bodyPr lIns="0" tIns="0" rIns="0" bIns="0" anchor="ctr"/>
+          <a:lstStyle/>
+          <a:p>
+            <a:endParaRPr lang="en-US" sz="1400" b="0" strike="noStrike" spc="-1">
+              <a:solidFill>
+                <a:srgbClr val="000000"/>
+              </a:solidFill>
+              <a:uFill>
+                <a:solidFill>
+                  <a:srgbClr val="FFFFFF"/>
                 </a:solidFill>
               </a:uFill>
               <a:latin typeface="Arial"/>
@@ -2453,17 +2655,18 @@
           </a:prstGeom>
         </p:spPr>
         <p:txBody>
-          <a:bodyPr lIns="0" rIns="0" tIns="0" bIns="0">
+          <a:bodyPr lIns="0" tIns="0" rIns="0" bIns="0">
             <a:normAutofit/>
           </a:bodyPr>
-          <a:p>
-            <a:endParaRPr b="0" lang="en-US" sz="1400" spc="-1" strike="noStrike">
-              <a:solidFill>
-                <a:srgbClr val="000000"/>
-              </a:solidFill>
-              <a:uFill>
-                <a:solidFill>
-                  <a:srgbClr val="ffffff"/>
+          <a:lstStyle/>
+          <a:p>
+            <a:endParaRPr lang="en-US" sz="1400" b="0" strike="noStrike" spc="-1">
+              <a:solidFill>
+                <a:srgbClr val="000000"/>
+              </a:solidFill>
+              <a:uFill>
+                <a:solidFill>
+                  <a:srgbClr val="FFFFFF"/>
                 </a:solidFill>
               </a:uFill>
               <a:latin typeface="Arial"/>
@@ -2473,11 +2676,14 @@
       </p:sp>
     </p:spTree>
   </p:cSld>
+  <p:clrMapOvr>
+    <a:masterClrMapping/>
+  </p:clrMapOvr>
 </p:sldLayout>
 </file>
 
 <file path=ppt/slideLayouts/slideLayout4.xml><?xml version="1.0" encoding="utf-8"?>
-<p:sldLayout xmlns:a="http://schemas.openxmlformats.org/drawingml/2006/main" xmlns:p="http://schemas.openxmlformats.org/presentationml/2006/main" xmlns:r="http://schemas.openxmlformats.org/officeDocument/2006/relationships" xmlns:p14="http://schemas.microsoft.com/office/powerpoint/2010/main" xmlns:p15="http://schemas.microsoft.com/office/powerpoint/2012/main" xmlns:mc="http://schemas.openxmlformats.org/markup-compatibility/2006" type="twoObj" preserve="1">
+<p:sldLayout xmlns:a="http://schemas.openxmlformats.org/drawingml/2006/main" xmlns:r="http://schemas.openxmlformats.org/officeDocument/2006/relationships" xmlns:p="http://schemas.openxmlformats.org/presentationml/2006/main" type="twoObj" preserve="1">
   <p:cSld name="Title, 2 Content">
     <p:spTree>
       <p:nvGrpSpPr>
@@ -2513,15 +2719,16 @@
           </a:prstGeom>
         </p:spPr>
         <p:txBody>
-          <a:bodyPr lIns="0" rIns="0" tIns="0" bIns="0" anchor="ctr"/>
-          <a:p>
-            <a:endParaRPr b="0" lang="en-US" sz="1400" spc="-1" strike="noStrike">
-              <a:solidFill>
-                <a:srgbClr val="000000"/>
-              </a:solidFill>
-              <a:uFill>
-                <a:solidFill>
-                  <a:srgbClr val="ffffff"/>
+          <a:bodyPr lIns="0" tIns="0" rIns="0" bIns="0" anchor="ctr"/>
+          <a:lstStyle/>
+          <a:p>
+            <a:endParaRPr lang="en-US" sz="1400" b="0" strike="noStrike" spc="-1">
+              <a:solidFill>
+                <a:srgbClr val="000000"/>
+              </a:solidFill>
+              <a:uFill>
+                <a:solidFill>
+                  <a:srgbClr val="FFFFFF"/>
                 </a:solidFill>
               </a:uFill>
               <a:latin typeface="Arial"/>
@@ -2549,17 +2756,18 @@
           </a:prstGeom>
         </p:spPr>
         <p:txBody>
-          <a:bodyPr lIns="0" rIns="0" tIns="0" bIns="0">
+          <a:bodyPr lIns="0" tIns="0" rIns="0" bIns="0">
             <a:normAutofit/>
           </a:bodyPr>
-          <a:p>
-            <a:endParaRPr b="0" lang="en-US" sz="1400" spc="-1" strike="noStrike">
-              <a:solidFill>
-                <a:srgbClr val="000000"/>
-              </a:solidFill>
-              <a:uFill>
-                <a:solidFill>
-                  <a:srgbClr val="ffffff"/>
+          <a:lstStyle/>
+          <a:p>
+            <a:endParaRPr lang="en-US" sz="1400" b="0" strike="noStrike" spc="-1">
+              <a:solidFill>
+                <a:srgbClr val="000000"/>
+              </a:solidFill>
+              <a:uFill>
+                <a:solidFill>
+                  <a:srgbClr val="FFFFFF"/>
                 </a:solidFill>
               </a:uFill>
               <a:latin typeface="Arial"/>
@@ -2587,17 +2795,18 @@
           </a:prstGeom>
         </p:spPr>
         <p:txBody>
-          <a:bodyPr lIns="0" rIns="0" tIns="0" bIns="0">
+          <a:bodyPr lIns="0" tIns="0" rIns="0" bIns="0">
             <a:normAutofit/>
           </a:bodyPr>
-          <a:p>
-            <a:endParaRPr b="0" lang="en-US" sz="1400" spc="-1" strike="noStrike">
-              <a:solidFill>
-                <a:srgbClr val="000000"/>
-              </a:solidFill>
-              <a:uFill>
-                <a:solidFill>
-                  <a:srgbClr val="ffffff"/>
+          <a:lstStyle/>
+          <a:p>
+            <a:endParaRPr lang="en-US" sz="1400" b="0" strike="noStrike" spc="-1">
+              <a:solidFill>
+                <a:srgbClr val="000000"/>
+              </a:solidFill>
+              <a:uFill>
+                <a:solidFill>
+                  <a:srgbClr val="FFFFFF"/>
                 </a:solidFill>
               </a:uFill>
               <a:latin typeface="Arial"/>
@@ -2607,11 +2816,14 @@
       </p:sp>
     </p:spTree>
   </p:cSld>
+  <p:clrMapOvr>
+    <a:masterClrMapping/>
+  </p:clrMapOvr>
 </p:sldLayout>
 </file>
 
 <file path=ppt/slideLayouts/slideLayout5.xml><?xml version="1.0" encoding="utf-8"?>
-<p:sldLayout xmlns:a="http://schemas.openxmlformats.org/drawingml/2006/main" xmlns:p="http://schemas.openxmlformats.org/presentationml/2006/main" xmlns:r="http://schemas.openxmlformats.org/officeDocument/2006/relationships" xmlns:p14="http://schemas.microsoft.com/office/powerpoint/2010/main" xmlns:p15="http://schemas.microsoft.com/office/powerpoint/2012/main" xmlns:mc="http://schemas.openxmlformats.org/markup-compatibility/2006" type="titleOnly" preserve="1">
+<p:sldLayout xmlns:a="http://schemas.openxmlformats.org/drawingml/2006/main" xmlns:r="http://schemas.openxmlformats.org/officeDocument/2006/relationships" xmlns:p="http://schemas.openxmlformats.org/presentationml/2006/main" type="titleOnly" preserve="1">
   <p:cSld name="Title Only">
     <p:spTree>
       <p:nvGrpSpPr>
@@ -2647,15 +2859,16 @@
           </a:prstGeom>
         </p:spPr>
         <p:txBody>
-          <a:bodyPr lIns="0" rIns="0" tIns="0" bIns="0" anchor="ctr"/>
-          <a:p>
-            <a:endParaRPr b="0" lang="en-US" sz="1400" spc="-1" strike="noStrike">
-              <a:solidFill>
-                <a:srgbClr val="000000"/>
-              </a:solidFill>
-              <a:uFill>
-                <a:solidFill>
-                  <a:srgbClr val="ffffff"/>
+          <a:bodyPr lIns="0" tIns="0" rIns="0" bIns="0" anchor="ctr"/>
+          <a:lstStyle/>
+          <a:p>
+            <a:endParaRPr lang="en-US" sz="1400" b="0" strike="noStrike" spc="-1">
+              <a:solidFill>
+                <a:srgbClr val="000000"/>
+              </a:solidFill>
+              <a:uFill>
+                <a:solidFill>
+                  <a:srgbClr val="FFFFFF"/>
                 </a:solidFill>
               </a:uFill>
               <a:latin typeface="Arial"/>
@@ -2665,11 +2878,14 @@
       </p:sp>
     </p:spTree>
   </p:cSld>
+  <p:clrMapOvr>
+    <a:masterClrMapping/>
+  </p:clrMapOvr>
 </p:sldLayout>
 </file>
 
 <file path=ppt/slideLayouts/slideLayout6.xml><?xml version="1.0" encoding="utf-8"?>
-<p:sldLayout xmlns:a="http://schemas.openxmlformats.org/drawingml/2006/main" xmlns:p="http://schemas.openxmlformats.org/presentationml/2006/main" xmlns:r="http://schemas.openxmlformats.org/officeDocument/2006/relationships" xmlns:p14="http://schemas.microsoft.com/office/powerpoint/2010/main" xmlns:p15="http://schemas.microsoft.com/office/powerpoint/2012/main" xmlns:mc="http://schemas.openxmlformats.org/markup-compatibility/2006" type="objOnly" preserve="1">
+<p:sldLayout xmlns:a="http://schemas.openxmlformats.org/drawingml/2006/main" xmlns:r="http://schemas.openxmlformats.org/officeDocument/2006/relationships" xmlns:p="http://schemas.openxmlformats.org/presentationml/2006/main" type="objOnly" preserve="1">
   <p:cSld name="Centered Text">
     <p:spTree>
       <p:nvGrpSpPr>
@@ -2705,16 +2921,17 @@
           </a:prstGeom>
         </p:spPr>
         <p:txBody>
-          <a:bodyPr lIns="0" rIns="0" tIns="0" bIns="0" anchor="ctr"/>
+          <a:bodyPr lIns="0" tIns="0" rIns="0" bIns="0" anchor="ctr"/>
+          <a:lstStyle/>
           <a:p>
             <a:pPr algn="ctr"/>
-            <a:endParaRPr b="0" lang="en-US" sz="3200" spc="-1" strike="noStrike">
-              <a:solidFill>
-                <a:srgbClr val="000000"/>
-              </a:solidFill>
-              <a:uFill>
-                <a:solidFill>
-                  <a:srgbClr val="ffffff"/>
+            <a:endParaRPr lang="en-US" sz="3200" b="0" strike="noStrike" spc="-1">
+              <a:solidFill>
+                <a:srgbClr val="000000"/>
+              </a:solidFill>
+              <a:uFill>
+                <a:solidFill>
+                  <a:srgbClr val="FFFFFF"/>
                 </a:solidFill>
               </a:uFill>
               <a:latin typeface="Arial"/>
@@ -2724,11 +2941,14 @@
       </p:sp>
     </p:spTree>
   </p:cSld>
+  <p:clrMapOvr>
+    <a:masterClrMapping/>
+  </p:clrMapOvr>
 </p:sldLayout>
 </file>
 
 <file path=ppt/slideLayouts/slideLayout7.xml><?xml version="1.0" encoding="utf-8"?>
-<p:sldLayout xmlns:a="http://schemas.openxmlformats.org/drawingml/2006/main" xmlns:p="http://schemas.openxmlformats.org/presentationml/2006/main" xmlns:r="http://schemas.openxmlformats.org/officeDocument/2006/relationships" xmlns:p14="http://schemas.microsoft.com/office/powerpoint/2010/main" xmlns:p15="http://schemas.microsoft.com/office/powerpoint/2012/main" xmlns:mc="http://schemas.openxmlformats.org/markup-compatibility/2006" type="twoObjAndObj" preserve="1">
+<p:sldLayout xmlns:a="http://schemas.openxmlformats.org/drawingml/2006/main" xmlns:r="http://schemas.openxmlformats.org/officeDocument/2006/relationships" xmlns:p="http://schemas.openxmlformats.org/presentationml/2006/main" type="twoObjAndObj" preserve="1">
   <p:cSld name="Title, 2 Content and Content">
     <p:spTree>
       <p:nvGrpSpPr>
@@ -2764,15 +2984,16 @@
           </a:prstGeom>
         </p:spPr>
         <p:txBody>
-          <a:bodyPr lIns="0" rIns="0" tIns="0" bIns="0" anchor="ctr"/>
-          <a:p>
-            <a:endParaRPr b="0" lang="en-US" sz="1400" spc="-1" strike="noStrike">
-              <a:solidFill>
-                <a:srgbClr val="000000"/>
-              </a:solidFill>
-              <a:uFill>
-                <a:solidFill>
-                  <a:srgbClr val="ffffff"/>
+          <a:bodyPr lIns="0" tIns="0" rIns="0" bIns="0" anchor="ctr"/>
+          <a:lstStyle/>
+          <a:p>
+            <a:endParaRPr lang="en-US" sz="1400" b="0" strike="noStrike" spc="-1">
+              <a:solidFill>
+                <a:srgbClr val="000000"/>
+              </a:solidFill>
+              <a:uFill>
+                <a:solidFill>
+                  <a:srgbClr val="FFFFFF"/>
                 </a:solidFill>
               </a:uFill>
               <a:latin typeface="Arial"/>
@@ -2800,17 +3021,18 @@
           </a:prstGeom>
         </p:spPr>
         <p:txBody>
-          <a:bodyPr lIns="0" rIns="0" tIns="0" bIns="0">
+          <a:bodyPr lIns="0" tIns="0" rIns="0" bIns="0">
             <a:normAutofit/>
           </a:bodyPr>
-          <a:p>
-            <a:endParaRPr b="0" lang="en-US" sz="1400" spc="-1" strike="noStrike">
-              <a:solidFill>
-                <a:srgbClr val="000000"/>
-              </a:solidFill>
-              <a:uFill>
-                <a:solidFill>
-                  <a:srgbClr val="ffffff"/>
+          <a:lstStyle/>
+          <a:p>
+            <a:endParaRPr lang="en-US" sz="1400" b="0" strike="noStrike" spc="-1">
+              <a:solidFill>
+                <a:srgbClr val="000000"/>
+              </a:solidFill>
+              <a:uFill>
+                <a:solidFill>
+                  <a:srgbClr val="FFFFFF"/>
                 </a:solidFill>
               </a:uFill>
               <a:latin typeface="Arial"/>
@@ -2838,17 +3060,18 @@
           </a:prstGeom>
         </p:spPr>
         <p:txBody>
-          <a:bodyPr lIns="0" rIns="0" tIns="0" bIns="0">
+          <a:bodyPr lIns="0" tIns="0" rIns="0" bIns="0">
             <a:normAutofit/>
           </a:bodyPr>
-          <a:p>
-            <a:endParaRPr b="0" lang="en-US" sz="1400" spc="-1" strike="noStrike">
-              <a:solidFill>
-                <a:srgbClr val="000000"/>
-              </a:solidFill>
-              <a:uFill>
-                <a:solidFill>
-                  <a:srgbClr val="ffffff"/>
+          <a:lstStyle/>
+          <a:p>
+            <a:endParaRPr lang="en-US" sz="1400" b="0" strike="noStrike" spc="-1">
+              <a:solidFill>
+                <a:srgbClr val="000000"/>
+              </a:solidFill>
+              <a:uFill>
+                <a:solidFill>
+                  <a:srgbClr val="FFFFFF"/>
                 </a:solidFill>
               </a:uFill>
               <a:latin typeface="Arial"/>
@@ -2876,17 +3099,18 @@
           </a:prstGeom>
         </p:spPr>
         <p:txBody>
-          <a:bodyPr lIns="0" rIns="0" tIns="0" bIns="0">
+          <a:bodyPr lIns="0" tIns="0" rIns="0" bIns="0">
             <a:normAutofit/>
           </a:bodyPr>
-          <a:p>
-            <a:endParaRPr b="0" lang="en-US" sz="1400" spc="-1" strike="noStrike">
-              <a:solidFill>
-                <a:srgbClr val="000000"/>
-              </a:solidFill>
-              <a:uFill>
-                <a:solidFill>
-                  <a:srgbClr val="ffffff"/>
+          <a:lstStyle/>
+          <a:p>
+            <a:endParaRPr lang="en-US" sz="1400" b="0" strike="noStrike" spc="-1">
+              <a:solidFill>
+                <a:srgbClr val="000000"/>
+              </a:solidFill>
+              <a:uFill>
+                <a:solidFill>
+                  <a:srgbClr val="FFFFFF"/>
                 </a:solidFill>
               </a:uFill>
               <a:latin typeface="Arial"/>
@@ -2896,11 +3120,14 @@
       </p:sp>
     </p:spTree>
   </p:cSld>
+  <p:clrMapOvr>
+    <a:masterClrMapping/>
+  </p:clrMapOvr>
 </p:sldLayout>
 </file>
 
 <file path=ppt/slideLayouts/slideLayout8.xml><?xml version="1.0" encoding="utf-8"?>
-<p:sldLayout xmlns:a="http://schemas.openxmlformats.org/drawingml/2006/main" xmlns:p="http://schemas.openxmlformats.org/presentationml/2006/main" xmlns:r="http://schemas.openxmlformats.org/officeDocument/2006/relationships" xmlns:p14="http://schemas.microsoft.com/office/powerpoint/2010/main" xmlns:p15="http://schemas.microsoft.com/office/powerpoint/2012/main" xmlns:mc="http://schemas.openxmlformats.org/markup-compatibility/2006" type="objAndTwoObj" preserve="1">
+<p:sldLayout xmlns:a="http://schemas.openxmlformats.org/drawingml/2006/main" xmlns:r="http://schemas.openxmlformats.org/officeDocument/2006/relationships" xmlns:p="http://schemas.openxmlformats.org/presentationml/2006/main" type="objAndTwoObj" preserve="1">
   <p:cSld name="Title Content and 2 Content">
     <p:spTree>
       <p:nvGrpSpPr>
@@ -2936,15 +3163,16 @@
           </a:prstGeom>
         </p:spPr>
         <p:txBody>
-          <a:bodyPr lIns="0" rIns="0" tIns="0" bIns="0" anchor="ctr"/>
-          <a:p>
-            <a:endParaRPr b="0" lang="en-US" sz="1400" spc="-1" strike="noStrike">
-              <a:solidFill>
-                <a:srgbClr val="000000"/>
-              </a:solidFill>
-              <a:uFill>
-                <a:solidFill>
-                  <a:srgbClr val="ffffff"/>
+          <a:bodyPr lIns="0" tIns="0" rIns="0" bIns="0" anchor="ctr"/>
+          <a:lstStyle/>
+          <a:p>
+            <a:endParaRPr lang="en-US" sz="1400" b="0" strike="noStrike" spc="-1">
+              <a:solidFill>
+                <a:srgbClr val="000000"/>
+              </a:solidFill>
+              <a:uFill>
+                <a:solidFill>
+                  <a:srgbClr val="FFFFFF"/>
                 </a:solidFill>
               </a:uFill>
               <a:latin typeface="Arial"/>
@@ -2972,17 +3200,18 @@
           </a:prstGeom>
         </p:spPr>
         <p:txBody>
-          <a:bodyPr lIns="0" rIns="0" tIns="0" bIns="0">
+          <a:bodyPr lIns="0" tIns="0" rIns="0" bIns="0">
             <a:normAutofit/>
           </a:bodyPr>
-          <a:p>
-            <a:endParaRPr b="0" lang="en-US" sz="1400" spc="-1" strike="noStrike">
-              <a:solidFill>
-                <a:srgbClr val="000000"/>
-              </a:solidFill>
-              <a:uFill>
-                <a:solidFill>
-                  <a:srgbClr val="ffffff"/>
+          <a:lstStyle/>
+          <a:p>
+            <a:endParaRPr lang="en-US" sz="1400" b="0" strike="noStrike" spc="-1">
+              <a:solidFill>
+                <a:srgbClr val="000000"/>
+              </a:solidFill>
+              <a:uFill>
+                <a:solidFill>
+                  <a:srgbClr val="FFFFFF"/>
                 </a:solidFill>
               </a:uFill>
               <a:latin typeface="Arial"/>
@@ -3010,17 +3239,18 @@
           </a:prstGeom>
         </p:spPr>
         <p:txBody>
-          <a:bodyPr lIns="0" rIns="0" tIns="0" bIns="0">
+          <a:bodyPr lIns="0" tIns="0" rIns="0" bIns="0">
             <a:normAutofit/>
           </a:bodyPr>
-          <a:p>
-            <a:endParaRPr b="0" lang="en-US" sz="1400" spc="-1" strike="noStrike">
-              <a:solidFill>
-                <a:srgbClr val="000000"/>
-              </a:solidFill>
-              <a:uFill>
-                <a:solidFill>
-                  <a:srgbClr val="ffffff"/>
+          <a:lstStyle/>
+          <a:p>
+            <a:endParaRPr lang="en-US" sz="1400" b="0" strike="noStrike" spc="-1">
+              <a:solidFill>
+                <a:srgbClr val="000000"/>
+              </a:solidFill>
+              <a:uFill>
+                <a:solidFill>
+                  <a:srgbClr val="FFFFFF"/>
                 </a:solidFill>
               </a:uFill>
               <a:latin typeface="Arial"/>
@@ -3048,17 +3278,18 @@
           </a:prstGeom>
         </p:spPr>
         <p:txBody>
-          <a:bodyPr lIns="0" rIns="0" tIns="0" bIns="0">
+          <a:bodyPr lIns="0" tIns="0" rIns="0" bIns="0">
             <a:normAutofit/>
           </a:bodyPr>
-          <a:p>
-            <a:endParaRPr b="0" lang="en-US" sz="1400" spc="-1" strike="noStrike">
-              <a:solidFill>
-                <a:srgbClr val="000000"/>
-              </a:solidFill>
-              <a:uFill>
-                <a:solidFill>
-                  <a:srgbClr val="ffffff"/>
+          <a:lstStyle/>
+          <a:p>
+            <a:endParaRPr lang="en-US" sz="1400" b="0" strike="noStrike" spc="-1">
+              <a:solidFill>
+                <a:srgbClr val="000000"/>
+              </a:solidFill>
+              <a:uFill>
+                <a:solidFill>
+                  <a:srgbClr val="FFFFFF"/>
                 </a:solidFill>
               </a:uFill>
               <a:latin typeface="Arial"/>
@@ -3068,11 +3299,14 @@
       </p:sp>
     </p:spTree>
   </p:cSld>
+  <p:clrMapOvr>
+    <a:masterClrMapping/>
+  </p:clrMapOvr>
 </p:sldLayout>
 </file>
 
 <file path=ppt/slideLayouts/slideLayout9.xml><?xml version="1.0" encoding="utf-8"?>
-<p:sldLayout xmlns:a="http://schemas.openxmlformats.org/drawingml/2006/main" xmlns:p="http://schemas.openxmlformats.org/presentationml/2006/main" xmlns:r="http://schemas.openxmlformats.org/officeDocument/2006/relationships" xmlns:p14="http://schemas.microsoft.com/office/powerpoint/2010/main" xmlns:p15="http://schemas.microsoft.com/office/powerpoint/2012/main" xmlns:mc="http://schemas.openxmlformats.org/markup-compatibility/2006" type="twoObjOverTx" preserve="1">
+<p:sldLayout xmlns:a="http://schemas.openxmlformats.org/drawingml/2006/main" xmlns:r="http://schemas.openxmlformats.org/officeDocument/2006/relationships" xmlns:p="http://schemas.openxmlformats.org/presentationml/2006/main" type="twoObjOverTx" preserve="1">
   <p:cSld name="Title, 2 Content over Content">
     <p:spTree>
       <p:nvGrpSpPr>
@@ -3108,15 +3342,16 @@
           </a:prstGeom>
         </p:spPr>
         <p:txBody>
-          <a:bodyPr lIns="0" rIns="0" tIns="0" bIns="0" anchor="ctr"/>
-          <a:p>
-            <a:endParaRPr b="0" lang="en-US" sz="1400" spc="-1" strike="noStrike">
-              <a:solidFill>
-                <a:srgbClr val="000000"/>
-              </a:solidFill>
-              <a:uFill>
-                <a:solidFill>
-                  <a:srgbClr val="ffffff"/>
+          <a:bodyPr lIns="0" tIns="0" rIns="0" bIns="0" anchor="ctr"/>
+          <a:lstStyle/>
+          <a:p>
+            <a:endParaRPr lang="en-US" sz="1400" b="0" strike="noStrike" spc="-1">
+              <a:solidFill>
+                <a:srgbClr val="000000"/>
+              </a:solidFill>
+              <a:uFill>
+                <a:solidFill>
+                  <a:srgbClr val="FFFFFF"/>
                 </a:solidFill>
               </a:uFill>
               <a:latin typeface="Arial"/>
@@ -3144,17 +3379,18 @@
           </a:prstGeom>
         </p:spPr>
         <p:txBody>
-          <a:bodyPr lIns="0" rIns="0" tIns="0" bIns="0">
+          <a:bodyPr lIns="0" tIns="0" rIns="0" bIns="0">
             <a:normAutofit/>
           </a:bodyPr>
-          <a:p>
-            <a:endParaRPr b="0" lang="en-US" sz="1400" spc="-1" strike="noStrike">
-              <a:solidFill>
-                <a:srgbClr val="000000"/>
-              </a:solidFill>
-              <a:uFill>
-                <a:solidFill>
-                  <a:srgbClr val="ffffff"/>
+          <a:lstStyle/>
+          <a:p>
+            <a:endParaRPr lang="en-US" sz="1400" b="0" strike="noStrike" spc="-1">
+              <a:solidFill>
+                <a:srgbClr val="000000"/>
+              </a:solidFill>
+              <a:uFill>
+                <a:solidFill>
+                  <a:srgbClr val="FFFFFF"/>
                 </a:solidFill>
               </a:uFill>
               <a:latin typeface="Arial"/>
@@ -3182,17 +3418,18 @@
           </a:prstGeom>
         </p:spPr>
         <p:txBody>
-          <a:bodyPr lIns="0" rIns="0" tIns="0" bIns="0">
+          <a:bodyPr lIns="0" tIns="0" rIns="0" bIns="0">
             <a:normAutofit/>
           </a:bodyPr>
-          <a:p>
-            <a:endParaRPr b="0" lang="en-US" sz="1400" spc="-1" strike="noStrike">
-              <a:solidFill>
-                <a:srgbClr val="000000"/>
-              </a:solidFill>
-              <a:uFill>
-                <a:solidFill>
-                  <a:srgbClr val="ffffff"/>
+          <a:lstStyle/>
+          <a:p>
+            <a:endParaRPr lang="en-US" sz="1400" b="0" strike="noStrike" spc="-1">
+              <a:solidFill>
+                <a:srgbClr val="000000"/>
+              </a:solidFill>
+              <a:uFill>
+                <a:solidFill>
+                  <a:srgbClr val="FFFFFF"/>
                 </a:solidFill>
               </a:uFill>
               <a:latin typeface="Arial"/>
@@ -3220,17 +3457,18 @@
           </a:prstGeom>
         </p:spPr>
         <p:txBody>
-          <a:bodyPr lIns="0" rIns="0" tIns="0" bIns="0">
+          <a:bodyPr lIns="0" tIns="0" rIns="0" bIns="0">
             <a:normAutofit/>
           </a:bodyPr>
-          <a:p>
-            <a:endParaRPr b="0" lang="en-US" sz="1400" spc="-1" strike="noStrike">
-              <a:solidFill>
-                <a:srgbClr val="000000"/>
-              </a:solidFill>
-              <a:uFill>
-                <a:solidFill>
-                  <a:srgbClr val="ffffff"/>
+          <a:lstStyle/>
+          <a:p>
+            <a:endParaRPr lang="en-US" sz="1400" b="0" strike="noStrike" spc="-1">
+              <a:solidFill>
+                <a:srgbClr val="000000"/>
+              </a:solidFill>
+              <a:uFill>
+                <a:solidFill>
+                  <a:srgbClr val="FFFFFF"/>
                 </a:solidFill>
               </a:uFill>
               <a:latin typeface="Arial"/>
@@ -3240,17 +3478,21 @@
       </p:sp>
     </p:spTree>
   </p:cSld>
+  <p:clrMapOvr>
+    <a:masterClrMapping/>
+  </p:clrMapOvr>
 </p:sldLayout>
 </file>
 
 <file path=ppt/slideMasters/slideMaster1.xml><?xml version="1.0" encoding="utf-8"?>
-<p:sldMaster xmlns:a="http://schemas.openxmlformats.org/drawingml/2006/main" xmlns:p="http://schemas.openxmlformats.org/presentationml/2006/main" xmlns:r="http://schemas.openxmlformats.org/officeDocument/2006/relationships" xmlns:p14="http://schemas.microsoft.com/office/powerpoint/2010/main" xmlns:p15="http://schemas.microsoft.com/office/powerpoint/2012/main" xmlns:mc="http://schemas.openxmlformats.org/markup-compatibility/2006">
+<p:sldMaster xmlns:a="http://schemas.openxmlformats.org/drawingml/2006/main" xmlns:r="http://schemas.openxmlformats.org/officeDocument/2006/relationships" xmlns:p="http://schemas.openxmlformats.org/presentationml/2006/main">
   <p:cSld>
     <p:bg>
       <p:bgPr>
         <a:solidFill>
-          <a:srgbClr val="f46524"/>
+          <a:srgbClr val="F46524"/>
         </a:solidFill>
+        <a:effectLst/>
       </p:bgPr>
     </p:bg>
     <p:spTree>
@@ -3269,7 +3511,7 @@
       </p:grpSpPr>
       <p:sp>
         <p:nvSpPr>
-          <p:cNvPr id="0" name="CustomShape 1"/>
+          <p:cNvPr id="6" name="CustomShape 1"/>
           <p:cNvSpPr/>
           <p:nvPr/>
         </p:nvSpPr>
@@ -3282,6 +3524,7 @@
             <a:avLst/>
             <a:gdLst/>
             <a:ahLst/>
+            <a:cxnLst/>
             <a:rect l="l" t="t" r="r" b="b"/>
             <a:pathLst>
               <a:path w="21600" h="21600">
@@ -3303,15 +3546,21 @@
           </a:ln>
         </p:spPr>
         <p:style>
-          <a:lnRef idx="0"/>
-          <a:fillRef idx="0"/>
-          <a:effectRef idx="0"/>
+          <a:lnRef idx="0">
+            <a:scrgbClr r="0" g="0" b="0"/>
+          </a:lnRef>
+          <a:fillRef idx="0">
+            <a:scrgbClr r="0" g="0" b="0"/>
+          </a:fillRef>
+          <a:effectRef idx="0">
+            <a:scrgbClr r="0" g="0" b="0"/>
+          </a:effectRef>
           <a:fontRef idx="minor"/>
         </p:style>
       </p:sp>
       <p:sp>
         <p:nvSpPr>
-          <p:cNvPr id="1" name="CustomShape 2"/>
+          <p:cNvPr id="7" name="CustomShape 2"/>
           <p:cNvSpPr/>
           <p:nvPr/>
         </p:nvSpPr>
@@ -3324,6 +3573,7 @@
             <a:avLst/>
             <a:gdLst/>
             <a:ahLst/>
+            <a:cxnLst/>
             <a:rect l="l" t="t" r="r" b="b"/>
             <a:pathLst>
               <a:path w="21600" h="21600">
@@ -3345,9 +3595,15 @@
           </a:ln>
         </p:spPr>
         <p:style>
-          <a:lnRef idx="0"/>
-          <a:fillRef idx="0"/>
-          <a:effectRef idx="0"/>
+          <a:lnRef idx="0">
+            <a:scrgbClr r="0" g="0" b="0"/>
+          </a:lnRef>
+          <a:fillRef idx="0">
+            <a:scrgbClr r="0" g="0" b="0"/>
+          </a:fillRef>
+          <a:effectRef idx="0">
+            <a:scrgbClr r="0" g="0" b="0"/>
+          </a:effectRef>
           <a:fontRef idx="minor"/>
         </p:style>
       </p:sp>
@@ -3366,6 +3622,7 @@
             <a:avLst/>
             <a:gdLst/>
             <a:ahLst/>
+            <a:cxnLst/>
             <a:rect l="l" t="t" r="r" b="b"/>
             <a:pathLst>
               <a:path w="21600" h="21600">
@@ -3387,9 +3644,15 @@
           </a:ln>
         </p:spPr>
         <p:style>
-          <a:lnRef idx="0"/>
-          <a:fillRef idx="0"/>
-          <a:effectRef idx="0"/>
+          <a:lnRef idx="0">
+            <a:scrgbClr r="0" g="0" b="0"/>
+          </a:lnRef>
+          <a:fillRef idx="0">
+            <a:scrgbClr r="0" g="0" b="0"/>
+          </a:fillRef>
+          <a:effectRef idx="0">
+            <a:scrgbClr r="0" g="0" b="0"/>
+          </a:effectRef>
           <a:fontRef idx="minor"/>
         </p:style>
       </p:sp>
@@ -3414,32 +3677,22 @@
         </p:spPr>
         <p:txBody>
           <a:bodyPr tIns="91440" bIns="91440"/>
-          <a:p>
-            <a:r>
-              <a:rPr b="0" lang="en-US" sz="4800" spc="-1" strike="noStrike">
+          <a:lstStyle/>
+          <a:p>
+            <a:r>
+              <a:rPr lang="en-US" sz="4800" b="0" strike="noStrike" spc="-1">
                 <a:solidFill>
                   <a:srgbClr val="000000"/>
                 </a:solidFill>
                 <a:uFill>
                   <a:solidFill>
-                    <a:srgbClr val="ffffff"/>
+                    <a:srgbClr val="FFFFFF"/>
                   </a:solidFill>
                 </a:uFill>
                 <a:latin typeface="Arial"/>
               </a:rPr>
               <a:t>Click to edit the title text format</a:t>
             </a:r>
-            <a:endParaRPr b="0" lang="en-US" sz="4800" spc="-1" strike="noStrike">
-              <a:solidFill>
-                <a:srgbClr val="000000"/>
-              </a:solidFill>
-              <a:uFill>
-                <a:solidFill>
-                  <a:srgbClr val="ffffff"/>
-                </a:solidFill>
-              </a:uFill>
-              <a:latin typeface="Arial"/>
-            </a:endParaRPr>
           </a:p>
         </p:txBody>
       </p:sp>
@@ -3464,6 +3717,7 @@
         </p:spPr>
         <p:txBody>
           <a:bodyPr tIns="91440" bIns="91440" anchor="ctr"/>
+          <a:lstStyle/>
           <a:p>
             <a:pPr>
               <a:lnSpc>
@@ -3471,27 +3725,27 @@
               </a:lnSpc>
             </a:pPr>
             <a:fld id="{62059CCB-4748-4CFA-A30F-59DE5EB9279A}" type="slidenum">
-              <a:rPr b="0" lang="en-US" sz="1400" spc="-1" strike="noStrike">
-                <a:solidFill>
-                  <a:srgbClr val="ffffff"/>
-                </a:solidFill>
-                <a:uFill>
-                  <a:solidFill>
-                    <a:srgbClr val="ffffff"/>
+              <a:rPr lang="en-US" sz="1400" b="0" strike="noStrike" spc="-1">
+                <a:solidFill>
+                  <a:srgbClr val="FFFFFF"/>
+                </a:solidFill>
+                <a:uFill>
+                  <a:solidFill>
+                    <a:srgbClr val="FFFFFF"/>
                   </a:solidFill>
                 </a:uFill>
                 <a:latin typeface="Arial"/>
                 <a:ea typeface="Arial"/>
               </a:rPr>
-              <a:t>&lt;number&gt;</a:t>
+              <a:t>‹#›</a:t>
             </a:fld>
-            <a:endParaRPr b="0" lang="en-US" sz="1400" spc="-1" strike="noStrike">
-              <a:solidFill>
-                <a:srgbClr val="000000"/>
-              </a:solidFill>
-              <a:uFill>
-                <a:solidFill>
-                  <a:srgbClr val="ffffff"/>
+            <a:endParaRPr lang="en-US" sz="1400" b="0" strike="noStrike" spc="-1">
+              <a:solidFill>
+                <a:srgbClr val="000000"/>
+              </a:solidFill>
+              <a:uFill>
+                <a:solidFill>
+                  <a:srgbClr val="FFFFFF"/>
                 </a:solidFill>
               </a:uFill>
               <a:latin typeface="Times New Roman"/>
@@ -3519,9 +3773,10 @@
           </a:prstGeom>
         </p:spPr>
         <p:txBody>
-          <a:bodyPr lIns="0" rIns="0" tIns="0" bIns="0">
+          <a:bodyPr lIns="0" tIns="0" rIns="0" bIns="0">
             <a:normAutofit/>
           </a:bodyPr>
+          <a:lstStyle/>
           <a:p>
             <a:pPr marL="432000" indent="-324000">
               <a:spcBef>
@@ -3535,33 +3790,22 @@
               <a:buChar char=""/>
             </a:pPr>
             <a:r>
-              <a:rPr b="0" lang="en-US" sz="1400" spc="-1" strike="noStrike">
+              <a:rPr lang="en-US" sz="1400" b="0" strike="noStrike" spc="-1">
                 <a:solidFill>
                   <a:srgbClr val="000000"/>
                 </a:solidFill>
                 <a:uFill>
                   <a:solidFill>
-                    <a:srgbClr val="ffffff"/>
+                    <a:srgbClr val="FFFFFF"/>
                   </a:solidFill>
                 </a:uFill>
                 <a:latin typeface="Arial"/>
               </a:rPr>
               <a:t>Click to edit the outline text format</a:t>
             </a:r>
-            <a:endParaRPr b="0" lang="en-US" sz="1400" spc="-1" strike="noStrike">
-              <a:solidFill>
-                <a:srgbClr val="000000"/>
-              </a:solidFill>
-              <a:uFill>
-                <a:solidFill>
-                  <a:srgbClr val="ffffff"/>
-                </a:solidFill>
-              </a:uFill>
-              <a:latin typeface="Arial"/>
-            </a:endParaRPr>
-          </a:p>
-          <a:p>
-            <a:pPr lvl="1" marL="864000" indent="-324000">
+          </a:p>
+          <a:p>
+            <a:pPr marL="864000" lvl="1" indent="-324000">
               <a:spcBef>
                 <a:spcPts val="1134"/>
               </a:spcBef>
@@ -3573,33 +3817,22 @@
               <a:buChar char=""/>
             </a:pPr>
             <a:r>
-              <a:rPr b="0" lang="en-US" sz="1400" spc="-1" strike="noStrike">
+              <a:rPr lang="en-US" sz="1400" b="0" strike="noStrike" spc="-1">
                 <a:solidFill>
                   <a:srgbClr val="000000"/>
                 </a:solidFill>
                 <a:uFill>
                   <a:solidFill>
-                    <a:srgbClr val="ffffff"/>
+                    <a:srgbClr val="FFFFFF"/>
                   </a:solidFill>
                 </a:uFill>
                 <a:latin typeface="Arial"/>
               </a:rPr>
               <a:t>Second Outline Level</a:t>
             </a:r>
-            <a:endParaRPr b="0" lang="en-US" sz="1400" spc="-1" strike="noStrike">
-              <a:solidFill>
-                <a:srgbClr val="000000"/>
-              </a:solidFill>
-              <a:uFill>
-                <a:solidFill>
-                  <a:srgbClr val="ffffff"/>
-                </a:solidFill>
-              </a:uFill>
-              <a:latin typeface="Arial"/>
-            </a:endParaRPr>
-          </a:p>
-          <a:p>
-            <a:pPr lvl="2" marL="1296000" indent="-288000">
+          </a:p>
+          <a:p>
+            <a:pPr marL="1296000" lvl="2" indent="-288000">
               <a:spcBef>
                 <a:spcPts val="850"/>
               </a:spcBef>
@@ -3611,33 +3844,22 @@
               <a:buChar char=""/>
             </a:pPr>
             <a:r>
-              <a:rPr b="0" lang="en-US" sz="1400" spc="-1" strike="noStrike">
+              <a:rPr lang="en-US" sz="1400" b="0" strike="noStrike" spc="-1">
                 <a:solidFill>
                   <a:srgbClr val="000000"/>
                 </a:solidFill>
                 <a:uFill>
                   <a:solidFill>
-                    <a:srgbClr val="ffffff"/>
+                    <a:srgbClr val="FFFFFF"/>
                   </a:solidFill>
                 </a:uFill>
                 <a:latin typeface="Arial"/>
               </a:rPr>
               <a:t>Third Outline Level</a:t>
             </a:r>
-            <a:endParaRPr b="0" lang="en-US" sz="1400" spc="-1" strike="noStrike">
-              <a:solidFill>
-                <a:srgbClr val="000000"/>
-              </a:solidFill>
-              <a:uFill>
-                <a:solidFill>
-                  <a:srgbClr val="ffffff"/>
-                </a:solidFill>
-              </a:uFill>
-              <a:latin typeface="Arial"/>
-            </a:endParaRPr>
-          </a:p>
-          <a:p>
-            <a:pPr lvl="3" marL="1728000" indent="-216000">
+          </a:p>
+          <a:p>
+            <a:pPr marL="1728000" lvl="3" indent="-216000">
               <a:spcBef>
                 <a:spcPts val="567"/>
               </a:spcBef>
@@ -3649,33 +3871,22 @@
               <a:buChar char=""/>
             </a:pPr>
             <a:r>
-              <a:rPr b="0" lang="en-US" sz="1400" spc="-1" strike="noStrike">
+              <a:rPr lang="en-US" sz="1400" b="0" strike="noStrike" spc="-1">
                 <a:solidFill>
                   <a:srgbClr val="000000"/>
                 </a:solidFill>
                 <a:uFill>
                   <a:solidFill>
-                    <a:srgbClr val="ffffff"/>
+                    <a:srgbClr val="FFFFFF"/>
                   </a:solidFill>
                 </a:uFill>
                 <a:latin typeface="Arial"/>
               </a:rPr>
               <a:t>Fourth Outline Level</a:t>
             </a:r>
-            <a:endParaRPr b="0" lang="en-US" sz="1400" spc="-1" strike="noStrike">
-              <a:solidFill>
-                <a:srgbClr val="000000"/>
-              </a:solidFill>
-              <a:uFill>
-                <a:solidFill>
-                  <a:srgbClr val="ffffff"/>
-                </a:solidFill>
-              </a:uFill>
-              <a:latin typeface="Arial"/>
-            </a:endParaRPr>
-          </a:p>
-          <a:p>
-            <a:pPr lvl="4" marL="2160000" indent="-216000">
+          </a:p>
+          <a:p>
+            <a:pPr marL="2160000" lvl="4" indent="-216000">
               <a:spcBef>
                 <a:spcPts val="283"/>
               </a:spcBef>
@@ -3687,33 +3898,22 @@
               <a:buChar char=""/>
             </a:pPr>
             <a:r>
-              <a:rPr b="0" lang="en-US" sz="2000" spc="-1" strike="noStrike">
+              <a:rPr lang="en-US" sz="2000" b="0" strike="noStrike" spc="-1">
                 <a:solidFill>
                   <a:srgbClr val="000000"/>
                 </a:solidFill>
                 <a:uFill>
                   <a:solidFill>
-                    <a:srgbClr val="ffffff"/>
+                    <a:srgbClr val="FFFFFF"/>
                   </a:solidFill>
                 </a:uFill>
                 <a:latin typeface="Arial"/>
               </a:rPr>
               <a:t>Fifth Outline Level</a:t>
             </a:r>
-            <a:endParaRPr b="0" lang="en-US" sz="2000" spc="-1" strike="noStrike">
-              <a:solidFill>
-                <a:srgbClr val="000000"/>
-              </a:solidFill>
-              <a:uFill>
-                <a:solidFill>
-                  <a:srgbClr val="ffffff"/>
-                </a:solidFill>
-              </a:uFill>
-              <a:latin typeface="Arial"/>
-            </a:endParaRPr>
-          </a:p>
-          <a:p>
-            <a:pPr lvl="5" marL="2592000" indent="-216000">
+          </a:p>
+          <a:p>
+            <a:pPr marL="2592000" lvl="5" indent="-216000">
               <a:spcBef>
                 <a:spcPts val="283"/>
               </a:spcBef>
@@ -3725,33 +3925,22 @@
               <a:buChar char=""/>
             </a:pPr>
             <a:r>
-              <a:rPr b="0" lang="en-US" sz="2000" spc="-1" strike="noStrike">
+              <a:rPr lang="en-US" sz="2000" b="0" strike="noStrike" spc="-1">
                 <a:solidFill>
                   <a:srgbClr val="000000"/>
                 </a:solidFill>
                 <a:uFill>
                   <a:solidFill>
-                    <a:srgbClr val="ffffff"/>
+                    <a:srgbClr val="FFFFFF"/>
                   </a:solidFill>
                 </a:uFill>
                 <a:latin typeface="Arial"/>
               </a:rPr>
               <a:t>Sixth Outline Level</a:t>
             </a:r>
-            <a:endParaRPr b="0" lang="en-US" sz="2000" spc="-1" strike="noStrike">
-              <a:solidFill>
-                <a:srgbClr val="000000"/>
-              </a:solidFill>
-              <a:uFill>
-                <a:solidFill>
-                  <a:srgbClr val="ffffff"/>
-                </a:solidFill>
-              </a:uFill>
-              <a:latin typeface="Arial"/>
-            </a:endParaRPr>
-          </a:p>
-          <a:p>
-            <a:pPr lvl="6" marL="3024000" indent="-216000">
+          </a:p>
+          <a:p>
+            <a:pPr marL="3024000" lvl="6" indent="-216000">
               <a:spcBef>
                 <a:spcPts val="283"/>
               </a:spcBef>
@@ -3763,61 +3952,331 @@
               <a:buChar char=""/>
             </a:pPr>
             <a:r>
-              <a:rPr b="0" lang="en-US" sz="2000" spc="-1" strike="noStrike">
+              <a:rPr lang="en-US" sz="2000" b="0" strike="noStrike" spc="-1">
                 <a:solidFill>
                   <a:srgbClr val="000000"/>
                 </a:solidFill>
                 <a:uFill>
                   <a:solidFill>
-                    <a:srgbClr val="ffffff"/>
+                    <a:srgbClr val="FFFFFF"/>
                   </a:solidFill>
                 </a:uFill>
                 <a:latin typeface="Arial"/>
               </a:rPr>
               <a:t>Seventh Outline Level</a:t>
             </a:r>
-            <a:endParaRPr b="0" lang="en-US" sz="2000" spc="-1" strike="noStrike">
-              <a:solidFill>
-                <a:srgbClr val="000000"/>
-              </a:solidFill>
-              <a:uFill>
-                <a:solidFill>
-                  <a:srgbClr val="ffffff"/>
-                </a:solidFill>
-              </a:uFill>
-              <a:latin typeface="Arial"/>
-            </a:endParaRPr>
           </a:p>
         </p:txBody>
       </p:sp>
     </p:spTree>
   </p:cSld>
-  <p:clrMap bg1="lt1" bg2="lt2" tx1="dk1" tx2="dk2" accent1="accent1" accent2="accent2" accent3="accent3" accent4="accent4" accent5="accent5" accent6="accent6" hlink="hlink" folHlink="folHlink"/>
+  <p:clrMap bg1="lt1" tx1="dk1" bg2="lt2" tx2="dk2" accent1="accent1" accent2="accent2" accent3="accent3" accent4="accent4" accent5="accent5" accent6="accent6" hlink="hlink" folHlink="folHlink"/>
   <p:sldLayoutIdLst>
-    <p:sldLayoutId id="2147483649" r:id="rId2"/>
-    <p:sldLayoutId id="2147483650" r:id="rId3"/>
-    <p:sldLayoutId id="2147483651" r:id="rId4"/>
-    <p:sldLayoutId id="2147483652" r:id="rId5"/>
-    <p:sldLayoutId id="2147483653" r:id="rId6"/>
-    <p:sldLayoutId id="2147483654" r:id="rId7"/>
-    <p:sldLayoutId id="2147483655" r:id="rId8"/>
-    <p:sldLayoutId id="2147483656" r:id="rId9"/>
-    <p:sldLayoutId id="2147483657" r:id="rId10"/>
-    <p:sldLayoutId id="2147483658" r:id="rId11"/>
-    <p:sldLayoutId id="2147483659" r:id="rId12"/>
-    <p:sldLayoutId id="2147483660" r:id="rId13"/>
+    <p:sldLayoutId id="2147483649" r:id="rId1"/>
+    <p:sldLayoutId id="2147483650" r:id="rId2"/>
+    <p:sldLayoutId id="2147483651" r:id="rId3"/>
+    <p:sldLayoutId id="2147483652" r:id="rId4"/>
+    <p:sldLayoutId id="2147483653" r:id="rId5"/>
+    <p:sldLayoutId id="2147483654" r:id="rId6"/>
+    <p:sldLayoutId id="2147483655" r:id="rId7"/>
+    <p:sldLayoutId id="2147483656" r:id="rId8"/>
+    <p:sldLayoutId id="2147483657" r:id="rId9"/>
+    <p:sldLayoutId id="2147483658" r:id="rId10"/>
+    <p:sldLayoutId id="2147483659" r:id="rId11"/>
+    <p:sldLayoutId id="2147483660" r:id="rId12"/>
   </p:sldLayoutIdLst>
+  <p:txStyles>
+    <p:titleStyle>
+      <a:lvl1pPr algn="l" defTabSz="914400" rtl="0" eaLnBrk="1" latinLnBrk="0" hangingPunct="1">
+        <a:lnSpc>
+          <a:spcPct val="90000"/>
+        </a:lnSpc>
+        <a:spcBef>
+          <a:spcPct val="0"/>
+        </a:spcBef>
+        <a:buNone/>
+        <a:defRPr sz="4400" kern="1200">
+          <a:solidFill>
+            <a:schemeClr val="tx1"/>
+          </a:solidFill>
+          <a:latin typeface="+mj-lt"/>
+          <a:ea typeface="+mj-ea"/>
+          <a:cs typeface="+mj-cs"/>
+        </a:defRPr>
+      </a:lvl1pPr>
+    </p:titleStyle>
+    <p:bodyStyle>
+      <a:lvl1pPr marL="228600" indent="-228600" algn="l" defTabSz="914400" rtl="0" eaLnBrk="1" latinLnBrk="0" hangingPunct="1">
+        <a:lnSpc>
+          <a:spcPct val="90000"/>
+        </a:lnSpc>
+        <a:spcBef>
+          <a:spcPts val="1000"/>
+        </a:spcBef>
+        <a:buFont typeface="Arial" panose="020B0604020202020204" pitchFamily="34" charset="0"/>
+        <a:buChar char="•"/>
+        <a:defRPr sz="2800" kern="1200">
+          <a:solidFill>
+            <a:schemeClr val="tx1"/>
+          </a:solidFill>
+          <a:latin typeface="+mn-lt"/>
+          <a:ea typeface="+mn-ea"/>
+          <a:cs typeface="+mn-cs"/>
+        </a:defRPr>
+      </a:lvl1pPr>
+      <a:lvl2pPr marL="685800" indent="-228600" algn="l" defTabSz="914400" rtl="0" eaLnBrk="1" latinLnBrk="0" hangingPunct="1">
+        <a:lnSpc>
+          <a:spcPct val="90000"/>
+        </a:lnSpc>
+        <a:spcBef>
+          <a:spcPts val="500"/>
+        </a:spcBef>
+        <a:buFont typeface="Arial" panose="020B0604020202020204" pitchFamily="34" charset="0"/>
+        <a:buChar char="•"/>
+        <a:defRPr sz="2400" kern="1200">
+          <a:solidFill>
+            <a:schemeClr val="tx1"/>
+          </a:solidFill>
+          <a:latin typeface="+mn-lt"/>
+          <a:ea typeface="+mn-ea"/>
+          <a:cs typeface="+mn-cs"/>
+        </a:defRPr>
+      </a:lvl2pPr>
+      <a:lvl3pPr marL="1143000" indent="-228600" algn="l" defTabSz="914400" rtl="0" eaLnBrk="1" latinLnBrk="0" hangingPunct="1">
+        <a:lnSpc>
+          <a:spcPct val="90000"/>
+        </a:lnSpc>
+        <a:spcBef>
+          <a:spcPts val="500"/>
+        </a:spcBef>
+        <a:buFont typeface="Arial" panose="020B0604020202020204" pitchFamily="34" charset="0"/>
+        <a:buChar char="•"/>
+        <a:defRPr sz="2000" kern="1200">
+          <a:solidFill>
+            <a:schemeClr val="tx1"/>
+          </a:solidFill>
+          <a:latin typeface="+mn-lt"/>
+          <a:ea typeface="+mn-ea"/>
+          <a:cs typeface="+mn-cs"/>
+        </a:defRPr>
+      </a:lvl3pPr>
+      <a:lvl4pPr marL="1600200" indent="-228600" algn="l" defTabSz="914400" rtl="0" eaLnBrk="1" latinLnBrk="0" hangingPunct="1">
+        <a:lnSpc>
+          <a:spcPct val="90000"/>
+        </a:lnSpc>
+        <a:spcBef>
+          <a:spcPts val="500"/>
+        </a:spcBef>
+        <a:buFont typeface="Arial" panose="020B0604020202020204" pitchFamily="34" charset="0"/>
+        <a:buChar char="•"/>
+        <a:defRPr sz="1800" kern="1200">
+          <a:solidFill>
+            <a:schemeClr val="tx1"/>
+          </a:solidFill>
+          <a:latin typeface="+mn-lt"/>
+          <a:ea typeface="+mn-ea"/>
+          <a:cs typeface="+mn-cs"/>
+        </a:defRPr>
+      </a:lvl4pPr>
+      <a:lvl5pPr marL="2057400" indent="-228600" algn="l" defTabSz="914400" rtl="0" eaLnBrk="1" latinLnBrk="0" hangingPunct="1">
+        <a:lnSpc>
+          <a:spcPct val="90000"/>
+        </a:lnSpc>
+        <a:spcBef>
+          <a:spcPts val="500"/>
+        </a:spcBef>
+        <a:buFont typeface="Arial" panose="020B0604020202020204" pitchFamily="34" charset="0"/>
+        <a:buChar char="•"/>
+        <a:defRPr sz="1800" kern="1200">
+          <a:solidFill>
+            <a:schemeClr val="tx1"/>
+          </a:solidFill>
+          <a:latin typeface="+mn-lt"/>
+          <a:ea typeface="+mn-ea"/>
+          <a:cs typeface="+mn-cs"/>
+        </a:defRPr>
+      </a:lvl5pPr>
+      <a:lvl6pPr marL="2514600" indent="-228600" algn="l" defTabSz="914400" rtl="0" eaLnBrk="1" latinLnBrk="0" hangingPunct="1">
+        <a:lnSpc>
+          <a:spcPct val="90000"/>
+        </a:lnSpc>
+        <a:spcBef>
+          <a:spcPts val="500"/>
+        </a:spcBef>
+        <a:buFont typeface="Arial" panose="020B0604020202020204" pitchFamily="34" charset="0"/>
+        <a:buChar char="•"/>
+        <a:defRPr sz="1800" kern="1200">
+          <a:solidFill>
+            <a:schemeClr val="tx1"/>
+          </a:solidFill>
+          <a:latin typeface="+mn-lt"/>
+          <a:ea typeface="+mn-ea"/>
+          <a:cs typeface="+mn-cs"/>
+        </a:defRPr>
+      </a:lvl6pPr>
+      <a:lvl7pPr marL="2971800" indent="-228600" algn="l" defTabSz="914400" rtl="0" eaLnBrk="1" latinLnBrk="0" hangingPunct="1">
+        <a:lnSpc>
+          <a:spcPct val="90000"/>
+        </a:lnSpc>
+        <a:spcBef>
+          <a:spcPts val="500"/>
+        </a:spcBef>
+        <a:buFont typeface="Arial" panose="020B0604020202020204" pitchFamily="34" charset="0"/>
+        <a:buChar char="•"/>
+        <a:defRPr sz="1800" kern="1200">
+          <a:solidFill>
+            <a:schemeClr val="tx1"/>
+          </a:solidFill>
+          <a:latin typeface="+mn-lt"/>
+          <a:ea typeface="+mn-ea"/>
+          <a:cs typeface="+mn-cs"/>
+        </a:defRPr>
+      </a:lvl7pPr>
+      <a:lvl8pPr marL="3429000" indent="-228600" algn="l" defTabSz="914400" rtl="0" eaLnBrk="1" latinLnBrk="0" hangingPunct="1">
+        <a:lnSpc>
+          <a:spcPct val="90000"/>
+        </a:lnSpc>
+        <a:spcBef>
+          <a:spcPts val="500"/>
+        </a:spcBef>
+        <a:buFont typeface="Arial" panose="020B0604020202020204" pitchFamily="34" charset="0"/>
+        <a:buChar char="•"/>
+        <a:defRPr sz="1800" kern="1200">
+          <a:solidFill>
+            <a:schemeClr val="tx1"/>
+          </a:solidFill>
+          <a:latin typeface="+mn-lt"/>
+          <a:ea typeface="+mn-ea"/>
+          <a:cs typeface="+mn-cs"/>
+        </a:defRPr>
+      </a:lvl8pPr>
+      <a:lvl9pPr marL="3886200" indent="-228600" algn="l" defTabSz="914400" rtl="0" eaLnBrk="1" latinLnBrk="0" hangingPunct="1">
+        <a:lnSpc>
+          <a:spcPct val="90000"/>
+        </a:lnSpc>
+        <a:spcBef>
+          <a:spcPts val="500"/>
+        </a:spcBef>
+        <a:buFont typeface="Arial" panose="020B0604020202020204" pitchFamily="34" charset="0"/>
+        <a:buChar char="•"/>
+        <a:defRPr sz="1800" kern="1200">
+          <a:solidFill>
+            <a:schemeClr val="tx1"/>
+          </a:solidFill>
+          <a:latin typeface="+mn-lt"/>
+          <a:ea typeface="+mn-ea"/>
+          <a:cs typeface="+mn-cs"/>
+        </a:defRPr>
+      </a:lvl9pPr>
+    </p:bodyStyle>
+    <p:otherStyle>
+      <a:defPPr>
+        <a:defRPr lang="en-US"/>
+      </a:defPPr>
+      <a:lvl1pPr marL="0" algn="l" defTabSz="914400" rtl="0" eaLnBrk="1" latinLnBrk="0" hangingPunct="1">
+        <a:defRPr sz="1800" kern="1200">
+          <a:solidFill>
+            <a:schemeClr val="tx1"/>
+          </a:solidFill>
+          <a:latin typeface="+mn-lt"/>
+          <a:ea typeface="+mn-ea"/>
+          <a:cs typeface="+mn-cs"/>
+        </a:defRPr>
+      </a:lvl1pPr>
+      <a:lvl2pPr marL="457200" algn="l" defTabSz="914400" rtl="0" eaLnBrk="1" latinLnBrk="0" hangingPunct="1">
+        <a:defRPr sz="1800" kern="1200">
+          <a:solidFill>
+            <a:schemeClr val="tx1"/>
+          </a:solidFill>
+          <a:latin typeface="+mn-lt"/>
+          <a:ea typeface="+mn-ea"/>
+          <a:cs typeface="+mn-cs"/>
+        </a:defRPr>
+      </a:lvl2pPr>
+      <a:lvl3pPr marL="914400" algn="l" defTabSz="914400" rtl="0" eaLnBrk="1" latinLnBrk="0" hangingPunct="1">
+        <a:defRPr sz="1800" kern="1200">
+          <a:solidFill>
+            <a:schemeClr val="tx1"/>
+          </a:solidFill>
+          <a:latin typeface="+mn-lt"/>
+          <a:ea typeface="+mn-ea"/>
+          <a:cs typeface="+mn-cs"/>
+        </a:defRPr>
+      </a:lvl3pPr>
+      <a:lvl4pPr marL="1371600" algn="l" defTabSz="914400" rtl="0" eaLnBrk="1" latinLnBrk="0" hangingPunct="1">
+        <a:defRPr sz="1800" kern="1200">
+          <a:solidFill>
+            <a:schemeClr val="tx1"/>
+          </a:solidFill>
+          <a:latin typeface="+mn-lt"/>
+          <a:ea typeface="+mn-ea"/>
+          <a:cs typeface="+mn-cs"/>
+        </a:defRPr>
+      </a:lvl4pPr>
+      <a:lvl5pPr marL="1828800" algn="l" defTabSz="914400" rtl="0" eaLnBrk="1" latinLnBrk="0" hangingPunct="1">
+        <a:defRPr sz="1800" kern="1200">
+          <a:solidFill>
+            <a:schemeClr val="tx1"/>
+          </a:solidFill>
+          <a:latin typeface="+mn-lt"/>
+          <a:ea typeface="+mn-ea"/>
+          <a:cs typeface="+mn-cs"/>
+        </a:defRPr>
+      </a:lvl5pPr>
+      <a:lvl6pPr marL="2286000" algn="l" defTabSz="914400" rtl="0" eaLnBrk="1" latinLnBrk="0" hangingPunct="1">
+        <a:defRPr sz="1800" kern="1200">
+          <a:solidFill>
+            <a:schemeClr val="tx1"/>
+          </a:solidFill>
+          <a:latin typeface="+mn-lt"/>
+          <a:ea typeface="+mn-ea"/>
+          <a:cs typeface="+mn-cs"/>
+        </a:defRPr>
+      </a:lvl6pPr>
+      <a:lvl7pPr marL="2743200" algn="l" defTabSz="914400" rtl="0" eaLnBrk="1" latinLnBrk="0" hangingPunct="1">
+        <a:defRPr sz="1800" kern="1200">
+          <a:solidFill>
+            <a:schemeClr val="tx1"/>
+          </a:solidFill>
+          <a:latin typeface="+mn-lt"/>
+          <a:ea typeface="+mn-ea"/>
+          <a:cs typeface="+mn-cs"/>
+        </a:defRPr>
+      </a:lvl7pPr>
+      <a:lvl8pPr marL="3200400" algn="l" defTabSz="914400" rtl="0" eaLnBrk="1" latinLnBrk="0" hangingPunct="1">
+        <a:defRPr sz="1800" kern="1200">
+          <a:solidFill>
+            <a:schemeClr val="tx1"/>
+          </a:solidFill>
+          <a:latin typeface="+mn-lt"/>
+          <a:ea typeface="+mn-ea"/>
+          <a:cs typeface="+mn-cs"/>
+        </a:defRPr>
+      </a:lvl8pPr>
+      <a:lvl9pPr marL="3657600" algn="l" defTabSz="914400" rtl="0" eaLnBrk="1" latinLnBrk="0" hangingPunct="1">
+        <a:defRPr sz="1800" kern="1200">
+          <a:solidFill>
+            <a:schemeClr val="tx1"/>
+          </a:solidFill>
+          <a:latin typeface="+mn-lt"/>
+          <a:ea typeface="+mn-ea"/>
+          <a:cs typeface="+mn-cs"/>
+        </a:defRPr>
+      </a:lvl9pPr>
+    </p:otherStyle>
+  </p:txStyles>
 </p:sldMaster>
 </file>
 
 <file path=ppt/slideMasters/slideMaster2.xml><?xml version="1.0" encoding="utf-8"?>
-<p:sldMaster xmlns:a="http://schemas.openxmlformats.org/drawingml/2006/main" xmlns:p="http://schemas.openxmlformats.org/presentationml/2006/main" xmlns:r="http://schemas.openxmlformats.org/officeDocument/2006/relationships" xmlns:p14="http://schemas.microsoft.com/office/powerpoint/2010/main" xmlns:p15="http://schemas.microsoft.com/office/powerpoint/2012/main" xmlns:mc="http://schemas.openxmlformats.org/markup-compatibility/2006">
+<p:sldMaster xmlns:a="http://schemas.openxmlformats.org/drawingml/2006/main" xmlns:r="http://schemas.openxmlformats.org/officeDocument/2006/relationships" xmlns:p="http://schemas.openxmlformats.org/presentationml/2006/main">
   <p:cSld>
     <p:bg>
       <p:bgPr>
         <a:solidFill>
-          <a:srgbClr val="ffffff"/>
+          <a:srgbClr val="FFFFFF"/>
         </a:solidFill>
+        <a:effectLst/>
       </p:bgPr>
     </p:bg>
     <p:spTree>
@@ -3849,16 +4308,22 @@
             <a:avLst/>
           </a:prstGeom>
           <a:solidFill>
-            <a:srgbClr val="ffffff"/>
+            <a:srgbClr val="FFFFFF"/>
           </a:solidFill>
           <a:ln>
             <a:noFill/>
           </a:ln>
         </p:spPr>
         <p:style>
-          <a:lnRef idx="0"/>
-          <a:fillRef idx="0"/>
-          <a:effectRef idx="0"/>
+          <a:lnRef idx="0">
+            <a:scrgbClr r="0" g="0" b="0"/>
+          </a:lnRef>
+          <a:fillRef idx="0">
+            <a:scrgbClr r="0" g="0" b="0"/>
+          </a:fillRef>
+          <a:effectRef idx="0">
+            <a:scrgbClr r="0" g="0" b="0"/>
+          </a:effectRef>
           <a:fontRef idx="minor"/>
         </p:style>
       </p:sp>
@@ -3877,16 +4342,22 @@
             <a:avLst/>
           </a:prstGeom>
           <a:solidFill>
-            <a:srgbClr val="0f9d58"/>
+            <a:srgbClr val="0F9D58"/>
           </a:solidFill>
           <a:ln>
             <a:noFill/>
           </a:ln>
         </p:spPr>
         <p:style>
-          <a:lnRef idx="0"/>
-          <a:fillRef idx="0"/>
-          <a:effectRef idx="0"/>
+          <a:lnRef idx="0">
+            <a:scrgbClr r="0" g="0" b="0"/>
+          </a:lnRef>
+          <a:fillRef idx="0">
+            <a:scrgbClr r="0" g="0" b="0"/>
+          </a:fillRef>
+          <a:effectRef idx="0">
+            <a:scrgbClr r="0" g="0" b="0"/>
+          </a:effectRef>
           <a:fontRef idx="minor"/>
         </p:style>
       </p:sp>
@@ -3905,16 +4376,22 @@
             <a:avLst/>
           </a:prstGeom>
           <a:solidFill>
-            <a:srgbClr val="57bb8a"/>
+            <a:srgbClr val="57BB8A"/>
           </a:solidFill>
           <a:ln>
             <a:noFill/>
           </a:ln>
         </p:spPr>
         <p:style>
-          <a:lnRef idx="0"/>
-          <a:fillRef idx="0"/>
-          <a:effectRef idx="0"/>
+          <a:lnRef idx="0">
+            <a:scrgbClr r="0" g="0" b="0"/>
+          </a:lnRef>
+          <a:fillRef idx="0">
+            <a:scrgbClr r="0" g="0" b="0"/>
+          </a:fillRef>
+          <a:effectRef idx="0">
+            <a:scrgbClr r="0" g="0" b="0"/>
+          </a:effectRef>
           <a:fontRef idx="minor"/>
         </p:style>
       </p:sp>
@@ -3933,16 +4410,22 @@
             <a:avLst/>
           </a:prstGeom>
           <a:solidFill>
-            <a:srgbClr val="33ac71"/>
+            <a:srgbClr val="33AC71"/>
           </a:solidFill>
           <a:ln>
             <a:noFill/>
           </a:ln>
         </p:spPr>
         <p:style>
-          <a:lnRef idx="0"/>
-          <a:fillRef idx="0"/>
-          <a:effectRef idx="0"/>
+          <a:lnRef idx="0">
+            <a:scrgbClr r="0" g="0" b="0"/>
+          </a:lnRef>
+          <a:fillRef idx="0">
+            <a:scrgbClr r="0" g="0" b="0"/>
+          </a:fillRef>
+          <a:effectRef idx="0">
+            <a:scrgbClr r="0" g="0" b="0"/>
+          </a:effectRef>
           <a:fontRef idx="minor"/>
         </p:style>
       </p:sp>
@@ -3953,7 +4436,7 @@
           <p:nvPr/>
         </p:nvSpPr>
         <p:spPr>
-          <a:xfrm flipH="1" rot="10800000">
+          <a:xfrm rot="10800000" flipH="1">
             <a:off x="9143280" y="1741320"/>
             <a:ext cx="484200" cy="1741320"/>
           </a:xfrm>
@@ -3961,16 +4444,22 @@
             <a:avLst/>
           </a:prstGeom>
           <a:solidFill>
-            <a:srgbClr val="87ceac"/>
+            <a:srgbClr val="87CEAC"/>
           </a:solidFill>
           <a:ln>
             <a:noFill/>
           </a:ln>
         </p:spPr>
         <p:style>
-          <a:lnRef idx="0"/>
-          <a:fillRef idx="0"/>
-          <a:effectRef idx="0"/>
+          <a:lnRef idx="0">
+            <a:scrgbClr r="0" g="0" b="0"/>
+          </a:lnRef>
+          <a:fillRef idx="0">
+            <a:scrgbClr r="0" g="0" b="0"/>
+          </a:fillRef>
+          <a:effectRef idx="0">
+            <a:scrgbClr r="0" g="0" b="0"/>
+          </a:effectRef>
           <a:fontRef idx="minor"/>
         </p:style>
       </p:sp>
@@ -3995,32 +4484,22 @@
         </p:spPr>
         <p:txBody>
           <a:bodyPr tIns="91440" bIns="91440" anchor="b"/>
-          <a:p>
-            <a:r>
-              <a:rPr b="0" lang="en-US" sz="2800" spc="-1" strike="noStrike">
+          <a:lstStyle/>
+          <a:p>
+            <a:r>
+              <a:rPr lang="en-US" sz="2800" b="0" strike="noStrike" spc="-1">
                 <a:solidFill>
                   <a:srgbClr val="000000"/>
                 </a:solidFill>
                 <a:uFill>
                   <a:solidFill>
-                    <a:srgbClr val="ffffff"/>
+                    <a:srgbClr val="FFFFFF"/>
                   </a:solidFill>
                 </a:uFill>
                 <a:latin typeface="Arial"/>
               </a:rPr>
               <a:t>Click to edit the title text format</a:t>
             </a:r>
-            <a:endParaRPr b="0" lang="en-US" sz="2800" spc="-1" strike="noStrike">
-              <a:solidFill>
-                <a:srgbClr val="000000"/>
-              </a:solidFill>
-              <a:uFill>
-                <a:solidFill>
-                  <a:srgbClr val="ffffff"/>
-                </a:solidFill>
-              </a:uFill>
-              <a:latin typeface="Arial"/>
-            </a:endParaRPr>
           </a:p>
         </p:txBody>
       </p:sp>
@@ -4045,6 +4524,7 @@
         </p:spPr>
         <p:txBody>
           <a:bodyPr tIns="91440" bIns="91440"/>
+          <a:lstStyle/>
           <a:p>
             <a:pPr marL="432000" indent="-324000">
               <a:spcBef>
@@ -4058,33 +4538,22 @@
               <a:buChar char=""/>
             </a:pPr>
             <a:r>
-              <a:rPr b="0" lang="en-US" sz="1800" spc="-1" strike="noStrike">
+              <a:rPr lang="en-US" sz="1800" b="0" strike="noStrike" spc="-1">
                 <a:solidFill>
                   <a:srgbClr val="000000"/>
                 </a:solidFill>
                 <a:uFill>
                   <a:solidFill>
-                    <a:srgbClr val="ffffff"/>
+                    <a:srgbClr val="FFFFFF"/>
                   </a:solidFill>
                 </a:uFill>
                 <a:latin typeface="Arial"/>
               </a:rPr>
               <a:t>Click to edit the outline text format</a:t>
             </a:r>
-            <a:endParaRPr b="0" lang="en-US" sz="1800" spc="-1" strike="noStrike">
-              <a:solidFill>
-                <a:srgbClr val="000000"/>
-              </a:solidFill>
-              <a:uFill>
-                <a:solidFill>
-                  <a:srgbClr val="ffffff"/>
-                </a:solidFill>
-              </a:uFill>
-              <a:latin typeface="Arial"/>
-            </a:endParaRPr>
-          </a:p>
-          <a:p>
-            <a:pPr lvl="1" marL="864000" indent="-324000">
+          </a:p>
+          <a:p>
+            <a:pPr marL="864000" lvl="1" indent="-324000">
               <a:spcBef>
                 <a:spcPts val="1134"/>
               </a:spcBef>
@@ -4096,33 +4565,22 @@
               <a:buChar char=""/>
             </a:pPr>
             <a:r>
-              <a:rPr b="0" lang="en-US" sz="1800" spc="-1" strike="noStrike">
+              <a:rPr lang="en-US" sz="1800" b="0" strike="noStrike" spc="-1">
                 <a:solidFill>
                   <a:srgbClr val="000000"/>
                 </a:solidFill>
                 <a:uFill>
                   <a:solidFill>
-                    <a:srgbClr val="ffffff"/>
+                    <a:srgbClr val="FFFFFF"/>
                   </a:solidFill>
                 </a:uFill>
                 <a:latin typeface="Arial"/>
               </a:rPr>
               <a:t>Second Outline Level</a:t>
             </a:r>
-            <a:endParaRPr b="0" lang="en-US" sz="1800" spc="-1" strike="noStrike">
-              <a:solidFill>
-                <a:srgbClr val="000000"/>
-              </a:solidFill>
-              <a:uFill>
-                <a:solidFill>
-                  <a:srgbClr val="ffffff"/>
-                </a:solidFill>
-              </a:uFill>
-              <a:latin typeface="Arial"/>
-            </a:endParaRPr>
-          </a:p>
-          <a:p>
-            <a:pPr lvl="2" marL="1296000" indent="-288000">
+          </a:p>
+          <a:p>
+            <a:pPr marL="1296000" lvl="2" indent="-288000">
               <a:spcBef>
                 <a:spcPts val="850"/>
               </a:spcBef>
@@ -4134,33 +4592,22 @@
               <a:buChar char=""/>
             </a:pPr>
             <a:r>
-              <a:rPr b="0" lang="en-US" sz="1800" spc="-1" strike="noStrike">
+              <a:rPr lang="en-US" sz="1800" b="0" strike="noStrike" spc="-1">
                 <a:solidFill>
                   <a:srgbClr val="000000"/>
                 </a:solidFill>
                 <a:uFill>
                   <a:solidFill>
-                    <a:srgbClr val="ffffff"/>
+                    <a:srgbClr val="FFFFFF"/>
                   </a:solidFill>
                 </a:uFill>
                 <a:latin typeface="Arial"/>
               </a:rPr>
               <a:t>Third Outline Level</a:t>
             </a:r>
-            <a:endParaRPr b="0" lang="en-US" sz="1800" spc="-1" strike="noStrike">
-              <a:solidFill>
-                <a:srgbClr val="000000"/>
-              </a:solidFill>
-              <a:uFill>
-                <a:solidFill>
-                  <a:srgbClr val="ffffff"/>
-                </a:solidFill>
-              </a:uFill>
-              <a:latin typeface="Arial"/>
-            </a:endParaRPr>
-          </a:p>
-          <a:p>
-            <a:pPr lvl="3" marL="1728000" indent="-216000">
+          </a:p>
+          <a:p>
+            <a:pPr marL="1728000" lvl="3" indent="-216000">
               <a:spcBef>
                 <a:spcPts val="567"/>
               </a:spcBef>
@@ -4172,33 +4619,22 @@
               <a:buChar char=""/>
             </a:pPr>
             <a:r>
-              <a:rPr b="0" lang="en-US" sz="1800" spc="-1" strike="noStrike">
+              <a:rPr lang="en-US" sz="1800" b="0" strike="noStrike" spc="-1">
                 <a:solidFill>
                   <a:srgbClr val="000000"/>
                 </a:solidFill>
                 <a:uFill>
                   <a:solidFill>
-                    <a:srgbClr val="ffffff"/>
+                    <a:srgbClr val="FFFFFF"/>
                   </a:solidFill>
                 </a:uFill>
                 <a:latin typeface="Arial"/>
               </a:rPr>
               <a:t>Fourth Outline Level</a:t>
             </a:r>
-            <a:endParaRPr b="0" lang="en-US" sz="1800" spc="-1" strike="noStrike">
-              <a:solidFill>
-                <a:srgbClr val="000000"/>
-              </a:solidFill>
-              <a:uFill>
-                <a:solidFill>
-                  <a:srgbClr val="ffffff"/>
-                </a:solidFill>
-              </a:uFill>
-              <a:latin typeface="Arial"/>
-            </a:endParaRPr>
-          </a:p>
-          <a:p>
-            <a:pPr lvl="4" marL="2160000" indent="-216000">
+          </a:p>
+          <a:p>
+            <a:pPr marL="2160000" lvl="4" indent="-216000">
               <a:spcBef>
                 <a:spcPts val="283"/>
               </a:spcBef>
@@ -4210,33 +4646,22 @@
               <a:buChar char=""/>
             </a:pPr>
             <a:r>
-              <a:rPr b="0" lang="en-US" sz="1800" spc="-1" strike="noStrike">
+              <a:rPr lang="en-US" sz="1800" b="0" strike="noStrike" spc="-1">
                 <a:solidFill>
                   <a:srgbClr val="000000"/>
                 </a:solidFill>
                 <a:uFill>
                   <a:solidFill>
-                    <a:srgbClr val="ffffff"/>
+                    <a:srgbClr val="FFFFFF"/>
                   </a:solidFill>
                 </a:uFill>
                 <a:latin typeface="Arial"/>
               </a:rPr>
               <a:t>Fifth Outline Level</a:t>
             </a:r>
-            <a:endParaRPr b="0" lang="en-US" sz="1800" spc="-1" strike="noStrike">
-              <a:solidFill>
-                <a:srgbClr val="000000"/>
-              </a:solidFill>
-              <a:uFill>
-                <a:solidFill>
-                  <a:srgbClr val="ffffff"/>
-                </a:solidFill>
-              </a:uFill>
-              <a:latin typeface="Arial"/>
-            </a:endParaRPr>
-          </a:p>
-          <a:p>
-            <a:pPr lvl="5" marL="2592000" indent="-216000">
+          </a:p>
+          <a:p>
+            <a:pPr marL="2592000" lvl="5" indent="-216000">
               <a:spcBef>
                 <a:spcPts val="283"/>
               </a:spcBef>
@@ -4248,33 +4673,22 @@
               <a:buChar char=""/>
             </a:pPr>
             <a:r>
-              <a:rPr b="0" lang="en-US" sz="1800" spc="-1" strike="noStrike">
+              <a:rPr lang="en-US" sz="1800" b="0" strike="noStrike" spc="-1">
                 <a:solidFill>
                   <a:srgbClr val="000000"/>
                 </a:solidFill>
                 <a:uFill>
                   <a:solidFill>
-                    <a:srgbClr val="ffffff"/>
+                    <a:srgbClr val="FFFFFF"/>
                   </a:solidFill>
                 </a:uFill>
                 <a:latin typeface="Arial"/>
               </a:rPr>
               <a:t>Sixth Outline Level</a:t>
             </a:r>
-            <a:endParaRPr b="0" lang="en-US" sz="1800" spc="-1" strike="noStrike">
-              <a:solidFill>
-                <a:srgbClr val="000000"/>
-              </a:solidFill>
-              <a:uFill>
-                <a:solidFill>
-                  <a:srgbClr val="ffffff"/>
-                </a:solidFill>
-              </a:uFill>
-              <a:latin typeface="Arial"/>
-            </a:endParaRPr>
-          </a:p>
-          <a:p>
-            <a:pPr lvl="6" marL="3024000" indent="-216000">
+          </a:p>
+          <a:p>
+            <a:pPr marL="3024000" lvl="6" indent="-216000">
               <a:spcBef>
                 <a:spcPts val="283"/>
               </a:spcBef>
@@ -4286,30 +4700,19 @@
               <a:buChar char=""/>
             </a:pPr>
             <a:r>
-              <a:rPr b="0" lang="en-US" sz="1800" spc="-1" strike="noStrike">
+              <a:rPr lang="en-US" sz="1800" b="0" strike="noStrike" spc="-1">
                 <a:solidFill>
                   <a:srgbClr val="000000"/>
                 </a:solidFill>
                 <a:uFill>
                   <a:solidFill>
-                    <a:srgbClr val="ffffff"/>
+                    <a:srgbClr val="FFFFFF"/>
                   </a:solidFill>
                 </a:uFill>
                 <a:latin typeface="Arial"/>
               </a:rPr>
               <a:t>Seventh Outline Level</a:t>
             </a:r>
-            <a:endParaRPr b="0" lang="en-US" sz="1800" spc="-1" strike="noStrike">
-              <a:solidFill>
-                <a:srgbClr val="000000"/>
-              </a:solidFill>
-              <a:uFill>
-                <a:solidFill>
-                  <a:srgbClr val="ffffff"/>
-                </a:solidFill>
-              </a:uFill>
-              <a:latin typeface="Arial"/>
-            </a:endParaRPr>
           </a:p>
         </p:txBody>
       </p:sp>
@@ -4334,6 +4737,7 @@
         </p:spPr>
         <p:txBody>
           <a:bodyPr tIns="91440" bIns="91440" anchor="ctr"/>
+          <a:lstStyle/>
           <a:p>
             <a:pPr algn="r">
               <a:lnSpc>
@@ -4341,27 +4745,27 @@
               </a:lnSpc>
             </a:pPr>
             <a:fld id="{8E1DC084-BBCB-4318-B109-259CFC4FD87C}" type="slidenum">
-              <a:rPr b="0" lang="en-US" sz="1000" spc="-1" strike="noStrike">
+              <a:rPr lang="en-US" sz="1000" b="0" strike="noStrike" spc="-1">
                 <a:solidFill>
                   <a:srgbClr val="616161"/>
                 </a:solidFill>
                 <a:uFill>
                   <a:solidFill>
-                    <a:srgbClr val="ffffff"/>
+                    <a:srgbClr val="FFFFFF"/>
                   </a:solidFill>
                 </a:uFill>
                 <a:latin typeface="Arial"/>
                 <a:ea typeface="Arial"/>
               </a:rPr>
-              <a:t>1</a:t>
+              <a:t>‹#›</a:t>
             </a:fld>
-            <a:endParaRPr b="0" lang="en-US" sz="1000" spc="-1" strike="noStrike">
-              <a:solidFill>
-                <a:srgbClr val="000000"/>
-              </a:solidFill>
-              <a:uFill>
-                <a:solidFill>
-                  <a:srgbClr val="ffffff"/>
+            <a:endParaRPr lang="en-US" sz="1000" b="0" strike="noStrike" spc="-1">
+              <a:solidFill>
+                <a:srgbClr val="000000"/>
+              </a:solidFill>
+              <a:uFill>
+                <a:solidFill>
+                  <a:srgbClr val="FFFFFF"/>
                 </a:solidFill>
               </a:uFill>
               <a:latin typeface="Times New Roman"/>
@@ -4371,26 +4775,306 @@
       </p:sp>
     </p:spTree>
   </p:cSld>
-  <p:clrMap bg1="lt1" bg2="lt2" tx1="dk1" tx2="dk2" accent1="accent1" accent2="accent2" accent3="accent3" accent4="accent4" accent5="accent5" accent6="accent6" hlink="hlink" folHlink="folHlink"/>
+  <p:clrMap bg1="lt1" tx1="dk1" bg2="lt2" tx2="dk2" accent1="accent1" accent2="accent2" accent3="accent3" accent4="accent4" accent5="accent5" accent6="accent6" hlink="hlink" folHlink="folHlink"/>
   <p:sldLayoutIdLst>
-    <p:sldLayoutId id="2147483662" r:id="rId2"/>
-    <p:sldLayoutId id="2147483663" r:id="rId3"/>
-    <p:sldLayoutId id="2147483664" r:id="rId4"/>
-    <p:sldLayoutId id="2147483665" r:id="rId5"/>
-    <p:sldLayoutId id="2147483666" r:id="rId6"/>
-    <p:sldLayoutId id="2147483667" r:id="rId7"/>
-    <p:sldLayoutId id="2147483668" r:id="rId8"/>
-    <p:sldLayoutId id="2147483669" r:id="rId9"/>
-    <p:sldLayoutId id="2147483670" r:id="rId10"/>
-    <p:sldLayoutId id="2147483671" r:id="rId11"/>
-    <p:sldLayoutId id="2147483672" r:id="rId12"/>
-    <p:sldLayoutId id="2147483673" r:id="rId13"/>
+    <p:sldLayoutId id="2147483662" r:id="rId1"/>
+    <p:sldLayoutId id="2147483663" r:id="rId2"/>
+    <p:sldLayoutId id="2147483664" r:id="rId3"/>
+    <p:sldLayoutId id="2147483665" r:id="rId4"/>
+    <p:sldLayoutId id="2147483666" r:id="rId5"/>
+    <p:sldLayoutId id="2147483667" r:id="rId6"/>
+    <p:sldLayoutId id="2147483668" r:id="rId7"/>
+    <p:sldLayoutId id="2147483669" r:id="rId8"/>
+    <p:sldLayoutId id="2147483670" r:id="rId9"/>
+    <p:sldLayoutId id="2147483671" r:id="rId10"/>
+    <p:sldLayoutId id="2147483672" r:id="rId11"/>
+    <p:sldLayoutId id="2147483673" r:id="rId12"/>
   </p:sldLayoutIdLst>
+  <p:txStyles>
+    <p:titleStyle>
+      <a:lvl1pPr algn="l" defTabSz="914400" rtl="0" eaLnBrk="1" latinLnBrk="0" hangingPunct="1">
+        <a:lnSpc>
+          <a:spcPct val="90000"/>
+        </a:lnSpc>
+        <a:spcBef>
+          <a:spcPct val="0"/>
+        </a:spcBef>
+        <a:buNone/>
+        <a:defRPr sz="4400" kern="1200">
+          <a:solidFill>
+            <a:schemeClr val="tx1"/>
+          </a:solidFill>
+          <a:latin typeface="+mj-lt"/>
+          <a:ea typeface="+mj-ea"/>
+          <a:cs typeface="+mj-cs"/>
+        </a:defRPr>
+      </a:lvl1pPr>
+    </p:titleStyle>
+    <p:bodyStyle>
+      <a:lvl1pPr marL="228600" indent="-228600" algn="l" defTabSz="914400" rtl="0" eaLnBrk="1" latinLnBrk="0" hangingPunct="1">
+        <a:lnSpc>
+          <a:spcPct val="90000"/>
+        </a:lnSpc>
+        <a:spcBef>
+          <a:spcPts val="1000"/>
+        </a:spcBef>
+        <a:buFont typeface="Arial" panose="020B0604020202020204" pitchFamily="34" charset="0"/>
+        <a:buChar char="•"/>
+        <a:defRPr sz="2800" kern="1200">
+          <a:solidFill>
+            <a:schemeClr val="tx1"/>
+          </a:solidFill>
+          <a:latin typeface="+mn-lt"/>
+          <a:ea typeface="+mn-ea"/>
+          <a:cs typeface="+mn-cs"/>
+        </a:defRPr>
+      </a:lvl1pPr>
+      <a:lvl2pPr marL="685800" indent="-228600" algn="l" defTabSz="914400" rtl="0" eaLnBrk="1" latinLnBrk="0" hangingPunct="1">
+        <a:lnSpc>
+          <a:spcPct val="90000"/>
+        </a:lnSpc>
+        <a:spcBef>
+          <a:spcPts val="500"/>
+        </a:spcBef>
+        <a:buFont typeface="Arial" panose="020B0604020202020204" pitchFamily="34" charset="0"/>
+        <a:buChar char="•"/>
+        <a:defRPr sz="2400" kern="1200">
+          <a:solidFill>
+            <a:schemeClr val="tx1"/>
+          </a:solidFill>
+          <a:latin typeface="+mn-lt"/>
+          <a:ea typeface="+mn-ea"/>
+          <a:cs typeface="+mn-cs"/>
+        </a:defRPr>
+      </a:lvl2pPr>
+      <a:lvl3pPr marL="1143000" indent="-228600" algn="l" defTabSz="914400" rtl="0" eaLnBrk="1" latinLnBrk="0" hangingPunct="1">
+        <a:lnSpc>
+          <a:spcPct val="90000"/>
+        </a:lnSpc>
+        <a:spcBef>
+          <a:spcPts val="500"/>
+        </a:spcBef>
+        <a:buFont typeface="Arial" panose="020B0604020202020204" pitchFamily="34" charset="0"/>
+        <a:buChar char="•"/>
+        <a:defRPr sz="2000" kern="1200">
+          <a:solidFill>
+            <a:schemeClr val="tx1"/>
+          </a:solidFill>
+          <a:latin typeface="+mn-lt"/>
+          <a:ea typeface="+mn-ea"/>
+          <a:cs typeface="+mn-cs"/>
+        </a:defRPr>
+      </a:lvl3pPr>
+      <a:lvl4pPr marL="1600200" indent="-228600" algn="l" defTabSz="914400" rtl="0" eaLnBrk="1" latinLnBrk="0" hangingPunct="1">
+        <a:lnSpc>
+          <a:spcPct val="90000"/>
+        </a:lnSpc>
+        <a:spcBef>
+          <a:spcPts val="500"/>
+        </a:spcBef>
+        <a:buFont typeface="Arial" panose="020B0604020202020204" pitchFamily="34" charset="0"/>
+        <a:buChar char="•"/>
+        <a:defRPr sz="1800" kern="1200">
+          <a:solidFill>
+            <a:schemeClr val="tx1"/>
+          </a:solidFill>
+          <a:latin typeface="+mn-lt"/>
+          <a:ea typeface="+mn-ea"/>
+          <a:cs typeface="+mn-cs"/>
+        </a:defRPr>
+      </a:lvl4pPr>
+      <a:lvl5pPr marL="2057400" indent="-228600" algn="l" defTabSz="914400" rtl="0" eaLnBrk="1" latinLnBrk="0" hangingPunct="1">
+        <a:lnSpc>
+          <a:spcPct val="90000"/>
+        </a:lnSpc>
+        <a:spcBef>
+          <a:spcPts val="500"/>
+        </a:spcBef>
+        <a:buFont typeface="Arial" panose="020B0604020202020204" pitchFamily="34" charset="0"/>
+        <a:buChar char="•"/>
+        <a:defRPr sz="1800" kern="1200">
+          <a:solidFill>
+            <a:schemeClr val="tx1"/>
+          </a:solidFill>
+          <a:latin typeface="+mn-lt"/>
+          <a:ea typeface="+mn-ea"/>
+          <a:cs typeface="+mn-cs"/>
+        </a:defRPr>
+      </a:lvl5pPr>
+      <a:lvl6pPr marL="2514600" indent="-228600" algn="l" defTabSz="914400" rtl="0" eaLnBrk="1" latinLnBrk="0" hangingPunct="1">
+        <a:lnSpc>
+          <a:spcPct val="90000"/>
+        </a:lnSpc>
+        <a:spcBef>
+          <a:spcPts val="500"/>
+        </a:spcBef>
+        <a:buFont typeface="Arial" panose="020B0604020202020204" pitchFamily="34" charset="0"/>
+        <a:buChar char="•"/>
+        <a:defRPr sz="1800" kern="1200">
+          <a:solidFill>
+            <a:schemeClr val="tx1"/>
+          </a:solidFill>
+          <a:latin typeface="+mn-lt"/>
+          <a:ea typeface="+mn-ea"/>
+          <a:cs typeface="+mn-cs"/>
+        </a:defRPr>
+      </a:lvl6pPr>
+      <a:lvl7pPr marL="2971800" indent="-228600" algn="l" defTabSz="914400" rtl="0" eaLnBrk="1" latinLnBrk="0" hangingPunct="1">
+        <a:lnSpc>
+          <a:spcPct val="90000"/>
+        </a:lnSpc>
+        <a:spcBef>
+          <a:spcPts val="500"/>
+        </a:spcBef>
+        <a:buFont typeface="Arial" panose="020B0604020202020204" pitchFamily="34" charset="0"/>
+        <a:buChar char="•"/>
+        <a:defRPr sz="1800" kern="1200">
+          <a:solidFill>
+            <a:schemeClr val="tx1"/>
+          </a:solidFill>
+          <a:latin typeface="+mn-lt"/>
+          <a:ea typeface="+mn-ea"/>
+          <a:cs typeface="+mn-cs"/>
+        </a:defRPr>
+      </a:lvl7pPr>
+      <a:lvl8pPr marL="3429000" indent="-228600" algn="l" defTabSz="914400" rtl="0" eaLnBrk="1" latinLnBrk="0" hangingPunct="1">
+        <a:lnSpc>
+          <a:spcPct val="90000"/>
+        </a:lnSpc>
+        <a:spcBef>
+          <a:spcPts val="500"/>
+        </a:spcBef>
+        <a:buFont typeface="Arial" panose="020B0604020202020204" pitchFamily="34" charset="0"/>
+        <a:buChar char="•"/>
+        <a:defRPr sz="1800" kern="1200">
+          <a:solidFill>
+            <a:schemeClr val="tx1"/>
+          </a:solidFill>
+          <a:latin typeface="+mn-lt"/>
+          <a:ea typeface="+mn-ea"/>
+          <a:cs typeface="+mn-cs"/>
+        </a:defRPr>
+      </a:lvl8pPr>
+      <a:lvl9pPr marL="3886200" indent="-228600" algn="l" defTabSz="914400" rtl="0" eaLnBrk="1" latinLnBrk="0" hangingPunct="1">
+        <a:lnSpc>
+          <a:spcPct val="90000"/>
+        </a:lnSpc>
+        <a:spcBef>
+          <a:spcPts val="500"/>
+        </a:spcBef>
+        <a:buFont typeface="Arial" panose="020B0604020202020204" pitchFamily="34" charset="0"/>
+        <a:buChar char="•"/>
+        <a:defRPr sz="1800" kern="1200">
+          <a:solidFill>
+            <a:schemeClr val="tx1"/>
+          </a:solidFill>
+          <a:latin typeface="+mn-lt"/>
+          <a:ea typeface="+mn-ea"/>
+          <a:cs typeface="+mn-cs"/>
+        </a:defRPr>
+      </a:lvl9pPr>
+    </p:bodyStyle>
+    <p:otherStyle>
+      <a:defPPr>
+        <a:defRPr lang="en-US"/>
+      </a:defPPr>
+      <a:lvl1pPr marL="0" algn="l" defTabSz="914400" rtl="0" eaLnBrk="1" latinLnBrk="0" hangingPunct="1">
+        <a:defRPr sz="1800" kern="1200">
+          <a:solidFill>
+            <a:schemeClr val="tx1"/>
+          </a:solidFill>
+          <a:latin typeface="+mn-lt"/>
+          <a:ea typeface="+mn-ea"/>
+          <a:cs typeface="+mn-cs"/>
+        </a:defRPr>
+      </a:lvl1pPr>
+      <a:lvl2pPr marL="457200" algn="l" defTabSz="914400" rtl="0" eaLnBrk="1" latinLnBrk="0" hangingPunct="1">
+        <a:defRPr sz="1800" kern="1200">
+          <a:solidFill>
+            <a:schemeClr val="tx1"/>
+          </a:solidFill>
+          <a:latin typeface="+mn-lt"/>
+          <a:ea typeface="+mn-ea"/>
+          <a:cs typeface="+mn-cs"/>
+        </a:defRPr>
+      </a:lvl2pPr>
+      <a:lvl3pPr marL="914400" algn="l" defTabSz="914400" rtl="0" eaLnBrk="1" latinLnBrk="0" hangingPunct="1">
+        <a:defRPr sz="1800" kern="1200">
+          <a:solidFill>
+            <a:schemeClr val="tx1"/>
+          </a:solidFill>
+          <a:latin typeface="+mn-lt"/>
+          <a:ea typeface="+mn-ea"/>
+          <a:cs typeface="+mn-cs"/>
+        </a:defRPr>
+      </a:lvl3pPr>
+      <a:lvl4pPr marL="1371600" algn="l" defTabSz="914400" rtl="0" eaLnBrk="1" latinLnBrk="0" hangingPunct="1">
+        <a:defRPr sz="1800" kern="1200">
+          <a:solidFill>
+            <a:schemeClr val="tx1"/>
+          </a:solidFill>
+          <a:latin typeface="+mn-lt"/>
+          <a:ea typeface="+mn-ea"/>
+          <a:cs typeface="+mn-cs"/>
+        </a:defRPr>
+      </a:lvl4pPr>
+      <a:lvl5pPr marL="1828800" algn="l" defTabSz="914400" rtl="0" eaLnBrk="1" latinLnBrk="0" hangingPunct="1">
+        <a:defRPr sz="1800" kern="1200">
+          <a:solidFill>
+            <a:schemeClr val="tx1"/>
+          </a:solidFill>
+          <a:latin typeface="+mn-lt"/>
+          <a:ea typeface="+mn-ea"/>
+          <a:cs typeface="+mn-cs"/>
+        </a:defRPr>
+      </a:lvl5pPr>
+      <a:lvl6pPr marL="2286000" algn="l" defTabSz="914400" rtl="0" eaLnBrk="1" latinLnBrk="0" hangingPunct="1">
+        <a:defRPr sz="1800" kern="1200">
+          <a:solidFill>
+            <a:schemeClr val="tx1"/>
+          </a:solidFill>
+          <a:latin typeface="+mn-lt"/>
+          <a:ea typeface="+mn-ea"/>
+          <a:cs typeface="+mn-cs"/>
+        </a:defRPr>
+      </a:lvl6pPr>
+      <a:lvl7pPr marL="2743200" algn="l" defTabSz="914400" rtl="0" eaLnBrk="1" latinLnBrk="0" hangingPunct="1">
+        <a:defRPr sz="1800" kern="1200">
+          <a:solidFill>
+            <a:schemeClr val="tx1"/>
+          </a:solidFill>
+          <a:latin typeface="+mn-lt"/>
+          <a:ea typeface="+mn-ea"/>
+          <a:cs typeface="+mn-cs"/>
+        </a:defRPr>
+      </a:lvl7pPr>
+      <a:lvl8pPr marL="3200400" algn="l" defTabSz="914400" rtl="0" eaLnBrk="1" latinLnBrk="0" hangingPunct="1">
+        <a:defRPr sz="1800" kern="1200">
+          <a:solidFill>
+            <a:schemeClr val="tx1"/>
+          </a:solidFill>
+          <a:latin typeface="+mn-lt"/>
+          <a:ea typeface="+mn-ea"/>
+          <a:cs typeface="+mn-cs"/>
+        </a:defRPr>
+      </a:lvl8pPr>
+      <a:lvl9pPr marL="3657600" algn="l" defTabSz="914400" rtl="0" eaLnBrk="1" latinLnBrk="0" hangingPunct="1">
+        <a:defRPr sz="1800" kern="1200">
+          <a:solidFill>
+            <a:schemeClr val="tx1"/>
+          </a:solidFill>
+          <a:latin typeface="+mn-lt"/>
+          <a:ea typeface="+mn-ea"/>
+          <a:cs typeface="+mn-cs"/>
+        </a:defRPr>
+      </a:lvl9pPr>
+    </p:otherStyle>
+  </p:txStyles>
 </p:sldMaster>
 </file>
 
 <file path=ppt/slides/slide1.xml><?xml version="1.0" encoding="utf-8"?>
-<p:sld xmlns:a="http://schemas.openxmlformats.org/drawingml/2006/main" xmlns:p="http://schemas.openxmlformats.org/presentationml/2006/main" xmlns:r="http://schemas.openxmlformats.org/officeDocument/2006/relationships" xmlns:p14="http://schemas.microsoft.com/office/powerpoint/2010/main" xmlns:p15="http://schemas.microsoft.com/office/powerpoint/2012/main" xmlns:mc="http://schemas.openxmlformats.org/markup-compatibility/2006">
+<p:sld xmlns:a="http://schemas.openxmlformats.org/drawingml/2006/main" xmlns:r="http://schemas.openxmlformats.org/officeDocument/2006/relationships" xmlns:p="http://schemas.openxmlformats.org/presentationml/2006/main">
   <p:cSld>
     <p:spTree>
       <p:nvGrpSpPr>
@@ -4427,6 +5111,7 @@
         </p:spPr>
         <p:txBody>
           <a:bodyPr tIns="91440" bIns="91440"/>
+          <a:lstStyle/>
           <a:p>
             <a:pPr>
               <a:lnSpc>
@@ -4434,13 +5119,13 @@
               </a:lnSpc>
             </a:pPr>
             <a:r>
-              <a:rPr b="1" lang="en-US" sz="4800" spc="-1" strike="noStrike">
-                <a:solidFill>
-                  <a:srgbClr val="ffffff"/>
-                </a:solidFill>
-                <a:uFill>
-                  <a:solidFill>
-                    <a:srgbClr val="ffffff"/>
+              <a:rPr lang="en-US" sz="4800" b="1" strike="noStrike" spc="-1">
+                <a:solidFill>
+                  <a:srgbClr val="FFFFFF"/>
+                </a:solidFill>
+                <a:uFill>
+                  <a:solidFill>
+                    <a:srgbClr val="FFFFFF"/>
                   </a:solidFill>
                 </a:uFill>
                 <a:latin typeface="Raleway"/>
@@ -4448,13 +5133,13 @@
               </a:rPr>
               <a:t>Profiling QML </a:t>
             </a:r>
-            <a:endParaRPr b="0" lang="en-US" sz="4800" spc="-1" strike="noStrike">
-              <a:solidFill>
-                <a:srgbClr val="000000"/>
-              </a:solidFill>
-              <a:uFill>
-                <a:solidFill>
-                  <a:srgbClr val="ffffff"/>
+            <a:endParaRPr lang="en-US" sz="4800" b="0" strike="noStrike" spc="-1">
+              <a:solidFill>
+                <a:srgbClr val="000000"/>
+              </a:solidFill>
+              <a:uFill>
+                <a:solidFill>
+                  <a:srgbClr val="FFFFFF"/>
                 </a:solidFill>
               </a:uFill>
               <a:latin typeface="Arial"/>
@@ -4483,6 +5168,7 @@
         </p:spPr>
         <p:txBody>
           <a:bodyPr tIns="91440" bIns="91440" anchor="b"/>
+          <a:lstStyle/>
           <a:p>
             <a:pPr>
               <a:lnSpc>
@@ -4490,13 +5176,13 @@
               </a:lnSpc>
             </a:pPr>
             <a:r>
-              <a:rPr b="0" lang="en-US" sz="1800" spc="-1" strike="noStrike">
-                <a:solidFill>
-                  <a:srgbClr val="ffffff"/>
-                </a:solidFill>
-                <a:uFill>
-                  <a:solidFill>
-                    <a:srgbClr val="ffffff"/>
+              <a:rPr lang="en-US" sz="1800" b="0" strike="noStrike" spc="-1">
+                <a:solidFill>
+                  <a:srgbClr val="FFFFFF"/>
+                </a:solidFill>
+                <a:uFill>
+                  <a:solidFill>
+                    <a:srgbClr val="FFFFFF"/>
                   </a:solidFill>
                 </a:uFill>
                 <a:latin typeface="Lato"/>
@@ -4504,13 +5190,13 @@
               </a:rPr>
               <a:t>Stanley Morris / OC Qt/QML Meetup</a:t>
             </a:r>
-            <a:endParaRPr b="0" lang="en-US" sz="1800" spc="-1" strike="noStrike">
-              <a:solidFill>
-                <a:srgbClr val="000000"/>
-              </a:solidFill>
-              <a:uFill>
-                <a:solidFill>
-                  <a:srgbClr val="ffffff"/>
+            <a:endParaRPr lang="en-US" sz="1800" b="0" strike="noStrike" spc="-1">
+              <a:solidFill>
+                <a:srgbClr val="000000"/>
+              </a:solidFill>
+              <a:uFill>
+                <a:solidFill>
+                  <a:srgbClr val="FFFFFF"/>
                 </a:solidFill>
               </a:uFill>
               <a:latin typeface="Arial"/>
@@ -4520,6 +5206,9 @@
       </p:sp>
     </p:spTree>
   </p:cSld>
+  <p:clrMapOvr>
+    <a:masterClrMapping/>
+  </p:clrMapOvr>
   <p:timing>
     <p:tnLst>
       <p:par>
@@ -4528,14 +5217,14 @@
             <p:seq>
               <p:cTn id="2" nodeType="mainSeq"/>
               <p:prevCondLst>
-                <p:cond delay="0" evt="onPrev">
+                <p:cond evt="onPrev" delay="0">
                   <p:tgtEl>
                     <p:sldTgt/>
                   </p:tgtEl>
                 </p:cond>
               </p:prevCondLst>
               <p:nextCondLst>
-                <p:cond delay="0" evt="onNext">
+                <p:cond evt="onNext" delay="0">
                   <p:tgtEl>
                     <p:sldTgt/>
                   </p:tgtEl>
@@ -4551,7 +5240,7 @@
 </file>
 
 <file path=ppt/slides/slide10.xml><?xml version="1.0" encoding="utf-8"?>
-<p:sld xmlns:a="http://schemas.openxmlformats.org/drawingml/2006/main" xmlns:p="http://schemas.openxmlformats.org/presentationml/2006/main" xmlns:r="http://schemas.openxmlformats.org/officeDocument/2006/relationships" xmlns:p14="http://schemas.microsoft.com/office/powerpoint/2010/main" xmlns:p15="http://schemas.microsoft.com/office/powerpoint/2012/main" xmlns:mc="http://schemas.openxmlformats.org/markup-compatibility/2006">
+<p:sld xmlns:a="http://schemas.openxmlformats.org/drawingml/2006/main" xmlns:r="http://schemas.openxmlformats.org/officeDocument/2006/relationships" xmlns:p="http://schemas.openxmlformats.org/presentationml/2006/main">
   <p:cSld>
     <p:spTree>
       <p:nvGrpSpPr>
@@ -4588,6 +5277,7 @@
         </p:spPr>
         <p:txBody>
           <a:bodyPr tIns="91440" bIns="91440" anchor="b"/>
+          <a:lstStyle/>
           <a:p>
             <a:pPr>
               <a:lnSpc>
@@ -4595,43 +5285,27 @@
               </a:lnSpc>
             </a:pPr>
             <a:r>
-              <a:rPr b="1" lang="en-US" sz="2800" spc="-1" strike="noStrike">
-                <a:solidFill>
-                  <a:srgbClr val="ffffff"/>
-                </a:solidFill>
-                <a:uFill>
-                  <a:solidFill>
-                    <a:srgbClr val="ffffff"/>
+              <a:rPr lang="en-US" sz="2800" b="1" strike="noStrike" spc="-1" dirty="0" smtClean="0">
+                <a:solidFill>
+                  <a:srgbClr val="FFFFFF"/>
+                </a:solidFill>
+                <a:uFill>
+                  <a:solidFill>
+                    <a:srgbClr val="FFFFFF"/>
                   </a:solidFill>
                 </a:uFill>
                 <a:latin typeface="Raleway"/>
                 <a:ea typeface="Raleway"/>
               </a:rPr>
-              <a:t>Environment Variables:</a:t>
-            </a:r>
-            <a:br/>
-            <a:r>
-              <a:rPr b="1" lang="en-US" sz="2800" spc="-1" strike="noStrike">
-                <a:solidFill>
-                  <a:srgbClr val="ffffff"/>
-                </a:solidFill>
-                <a:uFill>
-                  <a:solidFill>
-                    <a:srgbClr val="ffffff"/>
-                  </a:solidFill>
-                </a:uFill>
-                <a:latin typeface="Raleway"/>
-                <a:ea typeface="Raleway"/>
-              </a:rPr>
               <a:t>QSG_RENDERER_DEBUG=render</a:t>
             </a:r>
-            <a:endParaRPr b="0" lang="en-US" sz="2800" spc="-1" strike="noStrike">
-              <a:solidFill>
-                <a:srgbClr val="000000"/>
-              </a:solidFill>
-              <a:uFill>
-                <a:solidFill>
-                  <a:srgbClr val="ffffff"/>
+            <a:endParaRPr lang="en-US" sz="2800" b="0" strike="noStrike" spc="-1" dirty="0">
+              <a:solidFill>
+                <a:srgbClr val="000000"/>
+              </a:solidFill>
+              <a:uFill>
+                <a:solidFill>
+                  <a:srgbClr val="FFFFFF"/>
                 </a:solidFill>
               </a:uFill>
               <a:latin typeface="Arial"/>
@@ -4647,8 +5321,8 @@
         </p:nvSpPr>
         <p:spPr>
           <a:xfrm>
-            <a:off x="324360" y="1920600"/>
-            <a:ext cx="8597880" cy="2703960"/>
+            <a:off x="199785" y="1920600"/>
+            <a:ext cx="8805901" cy="2703960"/>
           </a:xfrm>
           <a:prstGeom prst="rect">
             <a:avLst/>
@@ -4660,6 +5334,7 @@
         </p:spPr>
         <p:txBody>
           <a:bodyPr tIns="91440" bIns="91440"/>
+          <a:lstStyle/>
           <a:p>
             <a:pPr>
               <a:lnSpc>
@@ -4670,210 +5345,261 @@
               </a:spcAft>
             </a:pPr>
             <a:r>
-              <a:rPr b="0" lang="en-US" sz="1900" spc="-1" strike="noStrike" u="sng">
-                <a:solidFill>
-                  <a:srgbClr val="0277bd"/>
-                </a:solidFill>
-                <a:uFill>
-                  <a:solidFill>
-                    <a:srgbClr val="ffffff"/>
-                  </a:solidFill>
-                </a:uFill>
-                <a:latin typeface="Lato"/>
-                <a:ea typeface="Lato"/>
-                <a:hlinkClick r:id="rId1"/>
-              </a:rPr>
-              <a:t>http://doc.qt.io/qt-5/qtquick-visualcanvas-scenegraph-renderer.html</a:t>
-            </a:r>
-            <a:r>
-              <a:rPr b="0" lang="en-US" sz="1900" spc="-1" strike="noStrike" u="sng">
-                <a:solidFill>
-                  <a:srgbClr val="0277bd"/>
-                </a:solidFill>
-                <a:uFill>
-                  <a:solidFill>
-                    <a:srgbClr val="ffffff"/>
+              <a:rPr lang="en-US" sz="1900" b="0" u="sng" strike="noStrike" spc="-1" dirty="0">
+                <a:solidFill>
+                  <a:srgbClr val="0277BD"/>
+                </a:solidFill>
+                <a:uFill>
+                  <a:solidFill>
+                    <a:srgbClr val="FFFFFF"/>
                   </a:solidFill>
                 </a:uFill>
                 <a:latin typeface="Lato"/>
                 <a:ea typeface="Lato"/>
                 <a:hlinkClick r:id="rId2"/>
               </a:rPr>
-              <a:t>#performance</a:t>
-            </a:r>
-            <a:endParaRPr b="0" lang="en-US" sz="1900" spc="-1" strike="noStrike">
-              <a:solidFill>
-                <a:srgbClr val="000000"/>
-              </a:solidFill>
-              <a:uFill>
-                <a:solidFill>
-                  <a:srgbClr val="ffffff"/>
-                </a:solidFill>
-              </a:uFill>
-              <a:latin typeface="Arial"/>
-            </a:endParaRPr>
-          </a:p>
-          <a:p>
-            <a:pPr marL="457200" indent="-228240">
+              <a:t>http://</a:t>
+            </a:r>
+            <a:r>
+              <a:rPr lang="en-US" sz="1900" b="0" u="sng" strike="noStrike" spc="-1" dirty="0" smtClean="0">
+                <a:solidFill>
+                  <a:srgbClr val="0277BD"/>
+                </a:solidFill>
+                <a:uFill>
+                  <a:solidFill>
+                    <a:srgbClr val="FFFFFF"/>
+                  </a:solidFill>
+                </a:uFill>
+                <a:latin typeface="Lato"/>
+                <a:ea typeface="Lato"/>
+                <a:hlinkClick r:id="rId2"/>
+              </a:rPr>
+              <a:t>doc.qt.io/qt-5/qtquick-visualcanvas-scenegraph-renderer.html#performance</a:t>
+            </a:r>
+            <a:endParaRPr lang="en-US" sz="1900" b="0" strike="noStrike" spc="-1" dirty="0" smtClean="0">
+              <a:solidFill>
+                <a:srgbClr val="000000"/>
+              </a:solidFill>
+              <a:uFill>
+                <a:solidFill>
+                  <a:srgbClr val="FFFFFF"/>
+                </a:solidFill>
+              </a:uFill>
+              <a:latin typeface="Arial"/>
+            </a:endParaRPr>
+          </a:p>
+          <a:p>
+            <a:pPr marL="228960">
               <a:lnSpc>
                 <a:spcPct val="100000"/>
               </a:lnSpc>
               <a:spcAft>
-                <a:spcPts val="1599"/>
+                <a:spcPts val="1200"/>
               </a:spcAft>
             </a:pPr>
             <a:r>
-              <a:rPr b="0" lang="en-US" sz="1800" spc="-1" strike="noStrike">
+              <a:rPr lang="en-US" sz="1800" b="0" strike="noStrike" spc="-1" dirty="0" smtClean="0">
                 <a:solidFill>
                   <a:srgbClr val="616161"/>
                 </a:solidFill>
                 <a:uFill>
                   <a:solidFill>
-                    <a:srgbClr val="ffffff"/>
+                    <a:srgbClr val="FFFFFF"/>
                   </a:solidFill>
                 </a:uFill>
                 <a:latin typeface="Lato"/>
                 <a:ea typeface="Lato"/>
               </a:rPr>
-              <a:t>Statistics on how well the batching goes</a:t>
-            </a:r>
-            <a:endParaRPr b="0" lang="en-US" sz="1800" spc="-1" strike="noStrike">
-              <a:solidFill>
-                <a:srgbClr val="000000"/>
-              </a:solidFill>
-              <a:uFill>
-                <a:solidFill>
-                  <a:srgbClr val="ffffff"/>
-                </a:solidFill>
-              </a:uFill>
-              <a:latin typeface="Arial"/>
-            </a:endParaRPr>
-          </a:p>
-          <a:p>
-            <a:pPr marL="457200" indent="-228240">
+              <a:t>Statistics on how well the batching goes:</a:t>
+            </a:r>
+            <a:endParaRPr lang="en-US" sz="1800" b="0" strike="noStrike" spc="-1" dirty="0" smtClean="0">
+              <a:solidFill>
+                <a:srgbClr val="000000"/>
+              </a:solidFill>
+              <a:uFill>
+                <a:solidFill>
+                  <a:srgbClr val="FFFFFF"/>
+                </a:solidFill>
+              </a:uFill>
+              <a:latin typeface="Arial"/>
+            </a:endParaRPr>
+          </a:p>
+          <a:p>
+            <a:pPr marL="514710" indent="-285750">
               <a:lnSpc>
                 <a:spcPct val="100000"/>
               </a:lnSpc>
               <a:spcAft>
-                <a:spcPts val="1599"/>
+                <a:spcPts val="1200"/>
               </a:spcAft>
+              <a:buFont typeface="Arial" panose="020B0604020202020204" pitchFamily="34" charset="0"/>
+              <a:buChar char="•"/>
             </a:pPr>
             <a:r>
-              <a:rPr b="0" lang="en-US" sz="1800" spc="-1" strike="noStrike">
+              <a:rPr lang="en-US" sz="1800" b="0" strike="noStrike" spc="-1" dirty="0" smtClean="0">
                 <a:solidFill>
                   <a:srgbClr val="616161"/>
                 </a:solidFill>
                 <a:uFill>
                   <a:solidFill>
-                    <a:srgbClr val="ffffff"/>
+                    <a:srgbClr val="FFFFFF"/>
                   </a:solidFill>
                 </a:uFill>
                 <a:latin typeface="Lato"/>
                 <a:ea typeface="Lato"/>
               </a:rPr>
-              <a:t>How many batches</a:t>
-            </a:r>
-            <a:endParaRPr b="0" lang="en-US" sz="1800" spc="-1" strike="noStrike">
-              <a:solidFill>
-                <a:srgbClr val="000000"/>
-              </a:solidFill>
-              <a:uFill>
-                <a:solidFill>
-                  <a:srgbClr val="ffffff"/>
-                </a:solidFill>
-              </a:uFill>
-              <a:latin typeface="Arial"/>
-            </a:endParaRPr>
-          </a:p>
-          <a:p>
-            <a:pPr marL="457200" indent="-228240">
+              <a:t>How </a:t>
+            </a:r>
+            <a:r>
+              <a:rPr lang="en-US" sz="1800" b="0" strike="noStrike" spc="-1" dirty="0">
+                <a:solidFill>
+                  <a:srgbClr val="616161"/>
+                </a:solidFill>
+                <a:uFill>
+                  <a:solidFill>
+                    <a:srgbClr val="FFFFFF"/>
+                  </a:solidFill>
+                </a:uFill>
+                <a:latin typeface="Lato"/>
+                <a:ea typeface="Lato"/>
+              </a:rPr>
+              <a:t>many batches</a:t>
+            </a:r>
+            <a:endParaRPr lang="en-US" sz="1800" b="0" strike="noStrike" spc="-1" dirty="0">
+              <a:solidFill>
+                <a:srgbClr val="000000"/>
+              </a:solidFill>
+              <a:uFill>
+                <a:solidFill>
+                  <a:srgbClr val="FFFFFF"/>
+                </a:solidFill>
+              </a:uFill>
+              <a:latin typeface="Arial"/>
+            </a:endParaRPr>
+          </a:p>
+          <a:p>
+            <a:pPr marL="514710" indent="-285750">
               <a:lnSpc>
                 <a:spcPct val="100000"/>
               </a:lnSpc>
               <a:spcAft>
-                <a:spcPts val="1599"/>
+                <a:spcPts val="1200"/>
               </a:spcAft>
+              <a:buFont typeface="Arial" panose="020B0604020202020204" pitchFamily="34" charset="0"/>
+              <a:buChar char="•"/>
             </a:pPr>
             <a:r>
-              <a:rPr b="0" lang="en-US" sz="1800" spc="-1" strike="noStrike">
+              <a:rPr lang="en-US" sz="1800" b="0" strike="noStrike" spc="-1" dirty="0">
                 <a:solidFill>
                   <a:srgbClr val="616161"/>
                 </a:solidFill>
                 <a:uFill>
                   <a:solidFill>
-                    <a:srgbClr val="ffffff"/>
+                    <a:srgbClr val="FFFFFF"/>
                   </a:solidFill>
                 </a:uFill>
                 <a:latin typeface="Lato"/>
                 <a:ea typeface="Lato"/>
               </a:rPr>
-              <a:t>Which batches are retained</a:t>
-            </a:r>
-            <a:endParaRPr b="0" lang="en-US" sz="1800" spc="-1" strike="noStrike">
-              <a:solidFill>
-                <a:srgbClr val="000000"/>
-              </a:solidFill>
-              <a:uFill>
-                <a:solidFill>
-                  <a:srgbClr val="ffffff"/>
-                </a:solidFill>
-              </a:uFill>
-              <a:latin typeface="Arial"/>
-            </a:endParaRPr>
-          </a:p>
-          <a:p>
-            <a:pPr marL="457200" indent="-228240">
+              <a:t>Which batches are </a:t>
+            </a:r>
+            <a:r>
+              <a:rPr lang="en-US" sz="1800" b="0" strike="noStrike" spc="-1" dirty="0" smtClean="0">
+                <a:solidFill>
+                  <a:srgbClr val="616161"/>
+                </a:solidFill>
+                <a:uFill>
+                  <a:solidFill>
+                    <a:srgbClr val="FFFFFF"/>
+                  </a:solidFill>
+                </a:uFill>
+                <a:latin typeface="Lato"/>
+                <a:ea typeface="Lato"/>
+              </a:rPr>
+              <a:t>retained in video memory or uploaded every cycle</a:t>
+            </a:r>
+            <a:endParaRPr lang="en-US" sz="1800" b="0" strike="noStrike" spc="-1" dirty="0">
+              <a:solidFill>
+                <a:srgbClr val="000000"/>
+              </a:solidFill>
+              <a:uFill>
+                <a:solidFill>
+                  <a:srgbClr val="FFFFFF"/>
+                </a:solidFill>
+              </a:uFill>
+              <a:latin typeface="Arial"/>
+            </a:endParaRPr>
+          </a:p>
+          <a:p>
+            <a:pPr marL="514710" indent="-285750">
               <a:lnSpc>
                 <a:spcPct val="100000"/>
               </a:lnSpc>
               <a:spcAft>
-                <a:spcPts val="1599"/>
+                <a:spcPts val="1200"/>
               </a:spcAft>
+              <a:buFont typeface="Arial" panose="020B0604020202020204" pitchFamily="34" charset="0"/>
+              <a:buChar char="•"/>
             </a:pPr>
             <a:r>
-              <a:rPr b="0" lang="en-US" sz="1800" spc="-1" strike="noStrike">
+              <a:rPr lang="en-US" sz="1800" b="0" strike="noStrike" spc="-1" dirty="0">
                 <a:solidFill>
                   <a:srgbClr val="616161"/>
                 </a:solidFill>
                 <a:uFill>
                   <a:solidFill>
-                    <a:srgbClr val="ffffff"/>
+                    <a:srgbClr val="FFFFFF"/>
                   </a:solidFill>
                 </a:uFill>
                 <a:latin typeface="Lato"/>
                 <a:ea typeface="Lato"/>
               </a:rPr>
-              <a:t>Which are opaque and not</a:t>
-            </a:r>
-            <a:endParaRPr b="0" lang="en-US" sz="1800" spc="-1" strike="noStrike">
-              <a:solidFill>
-                <a:srgbClr val="000000"/>
-              </a:solidFill>
-              <a:uFill>
-                <a:solidFill>
-                  <a:srgbClr val="ffffff"/>
-                </a:solidFill>
-              </a:uFill>
-              <a:latin typeface="Arial"/>
-            </a:endParaRPr>
-          </a:p>
-          <a:p>
-            <a:pPr marL="457200" indent="-228240">
+              <a:t>Which are opaque and </a:t>
+            </a:r>
+            <a:r>
+              <a:rPr lang="en-US" sz="1800" b="0" strike="noStrike" spc="-1" dirty="0" smtClean="0">
+                <a:solidFill>
+                  <a:srgbClr val="616161"/>
+                </a:solidFill>
+                <a:uFill>
+                  <a:solidFill>
+                    <a:srgbClr val="FFFFFF"/>
+                  </a:solidFill>
+                </a:uFill>
+                <a:latin typeface="Lato"/>
+                <a:ea typeface="Lato"/>
+              </a:rPr>
+              <a:t>alpha blended, which is more time consuming</a:t>
+            </a:r>
+            <a:endParaRPr lang="en-US" sz="1800" b="0" strike="noStrike" spc="-1" dirty="0">
+              <a:solidFill>
+                <a:srgbClr val="000000"/>
+              </a:solidFill>
+              <a:uFill>
+                <a:solidFill>
+                  <a:srgbClr val="FFFFFF"/>
+                </a:solidFill>
+              </a:uFill>
+              <a:latin typeface="Arial"/>
+            </a:endParaRPr>
+          </a:p>
+          <a:p>
+            <a:pPr marL="228960">
               <a:lnSpc>
                 <a:spcPct val="100000"/>
               </a:lnSpc>
               <a:spcAft>
-                <a:spcPts val="1599"/>
+                <a:spcPts val="1200"/>
               </a:spcAft>
             </a:pPr>
             <a:r>
-              <a:rPr b="0" lang="en-US" sz="1900" spc="-1" strike="noStrike">
+              <a:rPr lang="en-US" sz="1900" b="0" strike="noStrike" spc="-1" dirty="0">
                 <a:solidFill>
                   <a:srgbClr val="616161"/>
                 </a:solidFill>
                 <a:uFill>
                   <a:solidFill>
-                    <a:srgbClr val="ffffff"/>
+                    <a:srgbClr val="FFFFFF"/>
                   </a:solidFill>
                 </a:uFill>
                 <a:latin typeface="Lato"/>
@@ -4881,13 +5607,13 @@
               </a:rPr>
               <a:t>Best performance with less than 10 batched and at least 3-4 of them opaque.</a:t>
             </a:r>
-            <a:endParaRPr b="0" lang="en-US" sz="1900" spc="-1" strike="noStrike">
-              <a:solidFill>
-                <a:srgbClr val="000000"/>
-              </a:solidFill>
-              <a:uFill>
-                <a:solidFill>
-                  <a:srgbClr val="ffffff"/>
+            <a:endParaRPr lang="en-US" sz="1900" b="0" strike="noStrike" spc="-1" dirty="0">
+              <a:solidFill>
+                <a:srgbClr val="000000"/>
+              </a:solidFill>
+              <a:uFill>
+                <a:solidFill>
+                  <a:srgbClr val="FFFFFF"/>
                 </a:solidFill>
               </a:uFill>
               <a:latin typeface="Arial"/>
@@ -4897,22 +5623,25 @@
       </p:sp>
     </p:spTree>
   </p:cSld>
+  <p:clrMapOvr>
+    <a:masterClrMapping/>
+  </p:clrMapOvr>
   <p:timing>
     <p:tnLst>
       <p:par>
-        <p:cTn id="19" dur="indefinite" restart="never" nodeType="tmRoot">
+        <p:cTn id="1" dur="indefinite" restart="never" nodeType="tmRoot">
           <p:childTnLst>
             <p:seq>
-              <p:cTn id="20" nodeType="mainSeq"/>
+              <p:cTn id="2" nodeType="mainSeq"/>
               <p:prevCondLst>
-                <p:cond delay="0" evt="onPrev">
+                <p:cond evt="onPrev" delay="0">
                   <p:tgtEl>
                     <p:sldTgt/>
                   </p:tgtEl>
                 </p:cond>
               </p:prevCondLst>
               <p:nextCondLst>
-                <p:cond delay="0" evt="onNext">
+                <p:cond evt="onNext" delay="0">
                   <p:tgtEl>
                     <p:sldTgt/>
                   </p:tgtEl>
@@ -4928,7 +5657,7 @@
 </file>
 
 <file path=ppt/slides/slide11.xml><?xml version="1.0" encoding="utf-8"?>
-<p:sld xmlns:a="http://schemas.openxmlformats.org/drawingml/2006/main" xmlns:p="http://schemas.openxmlformats.org/presentationml/2006/main" xmlns:r="http://schemas.openxmlformats.org/officeDocument/2006/relationships" xmlns:p14="http://schemas.microsoft.com/office/powerpoint/2010/main" xmlns:p15="http://schemas.microsoft.com/office/powerpoint/2012/main" xmlns:mc="http://schemas.openxmlformats.org/markup-compatibility/2006">
+<p:sld xmlns:a="http://schemas.openxmlformats.org/drawingml/2006/main" xmlns:r="http://schemas.openxmlformats.org/officeDocument/2006/relationships" xmlns:p="http://schemas.openxmlformats.org/presentationml/2006/main">
   <p:cSld>
     <p:spTree>
       <p:nvGrpSpPr>
@@ -4946,7 +5675,7 @@
       </p:grpSpPr>
       <p:sp>
         <p:nvSpPr>
-          <p:cNvPr id="109" name="TextShape 1"/>
+          <p:cNvPr id="105" name="TextShape 1"/>
           <p:cNvSpPr txBox="1"/>
           <p:nvPr/>
         </p:nvSpPr>
@@ -4965,6 +5694,7 @@
         </p:spPr>
         <p:txBody>
           <a:bodyPr tIns="91440" bIns="91440" anchor="b"/>
+          <a:lstStyle/>
           <a:p>
             <a:pPr>
               <a:lnSpc>
@@ -4972,37 +5702,37 @@
               </a:lnSpc>
             </a:pPr>
             <a:r>
-              <a:rPr b="1" lang="en-US" sz="2800" spc="-1" strike="noStrike">
-                <a:solidFill>
-                  <a:srgbClr val="ffffff"/>
-                </a:solidFill>
-                <a:uFill>
-                  <a:solidFill>
-                    <a:srgbClr val="ffffff"/>
+              <a:rPr lang="en-US" sz="2800" b="1" strike="noStrike" spc="-1" dirty="0" smtClean="0">
+                <a:solidFill>
+                  <a:srgbClr val="FFFFFF"/>
+                </a:solidFill>
+                <a:uFill>
+                  <a:solidFill>
+                    <a:srgbClr val="FFFFFF"/>
                   </a:solidFill>
                 </a:uFill>
                 <a:latin typeface="Raleway"/>
                 <a:ea typeface="Raleway"/>
               </a:rPr>
-              <a:t>Resources</a:t>
-            </a:r>
-            <a:endParaRPr b="0" lang="en-US" sz="2800" spc="-1" strike="noStrike">
-              <a:solidFill>
-                <a:srgbClr val="000000"/>
-              </a:solidFill>
-              <a:uFill>
-                <a:solidFill>
-                  <a:srgbClr val="ffffff"/>
-                </a:solidFill>
-              </a:uFill>
-              <a:latin typeface="Arial"/>
-            </a:endParaRPr>
-          </a:p>
-        </p:txBody>
-      </p:sp>
-      <p:sp>
-        <p:nvSpPr>
-          <p:cNvPr id="110" name="TextShape 2"/>
+              <a:t>QSG_RENDER_TIMING=1</a:t>
+            </a:r>
+            <a:endParaRPr lang="en-US" sz="2800" b="0" strike="noStrike" spc="-1" dirty="0">
+              <a:solidFill>
+                <a:srgbClr val="000000"/>
+              </a:solidFill>
+              <a:uFill>
+                <a:solidFill>
+                  <a:srgbClr val="FFFFFF"/>
+                </a:solidFill>
+              </a:uFill>
+              <a:latin typeface="Arial"/>
+            </a:endParaRPr>
+          </a:p>
+        </p:txBody>
+      </p:sp>
+      <p:sp>
+        <p:nvSpPr>
+          <p:cNvPr id="106" name="TextShape 2"/>
           <p:cNvSpPr txBox="1"/>
           <p:nvPr/>
         </p:nvSpPr>
@@ -5021,6 +5751,7 @@
         </p:spPr>
         <p:txBody>
           <a:bodyPr tIns="91440" bIns="91440"/>
+          <a:lstStyle/>
           <a:p>
             <a:pPr>
               <a:lnSpc>
@@ -5031,27 +5762,814 @@
               </a:spcAft>
             </a:pPr>
             <a:r>
-              <a:rPr b="0" lang="en-US" sz="1900" spc="-1" strike="noStrike">
-                <a:solidFill>
-                  <a:srgbClr val="000000"/>
-                </a:solidFill>
-                <a:uFill>
-                  <a:solidFill>
-                    <a:srgbClr val="ffffff"/>
+              <a:rPr lang="en-US" sz="1900" b="0" u="sng" strike="noStrike" spc="-1" dirty="0">
+                <a:solidFill>
+                  <a:srgbClr val="0277BD"/>
+                </a:solidFill>
+                <a:uFill>
+                  <a:solidFill>
+                    <a:srgbClr val="FFFFFF"/>
                   </a:solidFill>
                 </a:uFill>
                 <a:latin typeface="Lato"/>
                 <a:ea typeface="Lato"/>
+                <a:hlinkClick r:id="rId2"/>
+              </a:rPr>
+              <a:t>http://</a:t>
+            </a:r>
+            <a:r>
+              <a:rPr lang="en-US" sz="1900" b="0" u="sng" strike="noStrike" spc="-1" dirty="0" smtClean="0">
+                <a:solidFill>
+                  <a:srgbClr val="0277BD"/>
+                </a:solidFill>
+                <a:uFill>
+                  <a:solidFill>
+                    <a:srgbClr val="FFFFFF"/>
+                  </a:solidFill>
+                </a:uFill>
+                <a:latin typeface="Lato"/>
+                <a:ea typeface="Lato"/>
+                <a:hlinkClick r:id="rId2"/>
+              </a:rPr>
+              <a:t>doc.qt.io/qtcreator/creator-qml-performance-monitor.html</a:t>
+            </a:r>
+            <a:br>
+              <a:rPr lang="en-US" sz="1900" b="0" u="sng" strike="noStrike" spc="-1" dirty="0" smtClean="0">
+                <a:solidFill>
+                  <a:srgbClr val="0277BD"/>
+                </a:solidFill>
+                <a:uFill>
+                  <a:solidFill>
+                    <a:srgbClr val="FFFFFF"/>
+                  </a:solidFill>
+                </a:uFill>
+                <a:latin typeface="Lato"/>
+                <a:ea typeface="Lato"/>
+                <a:hlinkClick r:id="rId2"/>
+              </a:rPr>
+            </a:br>
+            <a:r>
+              <a:rPr lang="en-US" sz="1900" b="0" u="sng" strike="noStrike" spc="-1" dirty="0" smtClean="0">
+                <a:solidFill>
+                  <a:srgbClr val="0277BD"/>
+                </a:solidFill>
+                <a:uFill>
+                  <a:solidFill>
+                    <a:srgbClr val="FFFFFF"/>
+                  </a:solidFill>
+                </a:uFill>
+                <a:latin typeface="Lato"/>
+                <a:ea typeface="Lato"/>
+                <a:hlinkClick r:id="rId2"/>
+              </a:rPr>
+              <a:t>#</a:t>
+            </a:r>
+            <a:r>
+              <a:rPr lang="en-US" sz="1900" b="0" u="sng" strike="noStrike" spc="-1" dirty="0">
+                <a:solidFill>
+                  <a:srgbClr val="0277BD"/>
+                </a:solidFill>
+                <a:uFill>
+                  <a:solidFill>
+                    <a:srgbClr val="FFFFFF"/>
+                  </a:solidFill>
+                </a:uFill>
+                <a:latin typeface="Lato"/>
+                <a:ea typeface="Lato"/>
+                <a:hlinkClick r:id="rId2"/>
+              </a:rPr>
+              <a:t>analyzing-scene-graph-events</a:t>
+            </a:r>
+            <a:endParaRPr lang="en-US" sz="1900" b="0" strike="noStrike" spc="-1" dirty="0">
+              <a:solidFill>
+                <a:srgbClr val="000000"/>
+              </a:solidFill>
+              <a:uFill>
+                <a:solidFill>
+                  <a:srgbClr val="FFFFFF"/>
+                </a:solidFill>
+              </a:uFill>
+              <a:latin typeface="Arial"/>
+            </a:endParaRPr>
+          </a:p>
+          <a:p>
+            <a:pPr marL="228960">
+              <a:lnSpc>
+                <a:spcPct val="100000"/>
+              </a:lnSpc>
+              <a:spcAft>
+                <a:spcPts val="1599"/>
+              </a:spcAft>
+            </a:pPr>
+            <a:r>
+              <a:rPr lang="en-US" sz="1800" b="0" strike="noStrike" spc="-1" dirty="0" smtClean="0">
+                <a:solidFill>
+                  <a:srgbClr val="616161"/>
+                </a:solidFill>
+                <a:uFill>
+                  <a:solidFill>
+                    <a:srgbClr val="FFFFFF"/>
+                  </a:solidFill>
+                </a:uFill>
+                <a:latin typeface="Lato"/>
+                <a:ea typeface="Lato"/>
+              </a:rPr>
+              <a:t>Display detailed </a:t>
+            </a:r>
+            <a:r>
+              <a:rPr lang="en-US" sz="1800" b="0" strike="noStrike" spc="-1" dirty="0">
+                <a:solidFill>
+                  <a:srgbClr val="616161"/>
+                </a:solidFill>
+                <a:uFill>
+                  <a:solidFill>
+                    <a:srgbClr val="FFFFFF"/>
+                  </a:solidFill>
+                </a:uFill>
+                <a:latin typeface="Lato"/>
+                <a:ea typeface="Lato"/>
+              </a:rPr>
+              <a:t>information on scene graph </a:t>
+            </a:r>
+            <a:r>
+              <a:rPr lang="en-US" sz="1800" b="0" strike="noStrike" spc="-1" dirty="0" smtClean="0">
+                <a:solidFill>
+                  <a:srgbClr val="616161"/>
+                </a:solidFill>
+                <a:uFill>
+                  <a:solidFill>
+                    <a:srgbClr val="FFFFFF"/>
+                  </a:solidFill>
+                </a:uFill>
+                <a:latin typeface="Lato"/>
+                <a:ea typeface="Lato"/>
+              </a:rPr>
+              <a:t>events:</a:t>
+            </a:r>
+          </a:p>
+          <a:p>
+            <a:pPr marL="514710" indent="-285750">
+              <a:spcAft>
+                <a:spcPts val="1599"/>
+              </a:spcAft>
+              <a:buFont typeface="Arial" panose="020B0604020202020204" pitchFamily="34" charset="0"/>
+              <a:buChar char="•"/>
+            </a:pPr>
+            <a:r>
+              <a:rPr lang="en-US" spc="-1" dirty="0" smtClean="0">
+                <a:solidFill>
+                  <a:srgbClr val="616161"/>
+                </a:solidFill>
+                <a:uFill>
+                  <a:solidFill>
+                    <a:srgbClr val="FFFFFF"/>
+                  </a:solidFill>
+                </a:uFill>
+                <a:latin typeface="Lato"/>
+              </a:rPr>
+              <a:t>Threading model</a:t>
+            </a:r>
+          </a:p>
+          <a:p>
+            <a:pPr marL="514710" indent="-285750">
+              <a:spcAft>
+                <a:spcPts val="1599"/>
+              </a:spcAft>
+              <a:buFont typeface="Arial" panose="020B0604020202020204" pitchFamily="34" charset="0"/>
+              <a:buChar char="•"/>
+            </a:pPr>
+            <a:r>
+              <a:rPr lang="en-US" b="0" strike="noStrike" spc="-1" dirty="0" smtClean="0">
+                <a:solidFill>
+                  <a:srgbClr val="616161"/>
+                </a:solidFill>
+                <a:uFill>
+                  <a:solidFill>
+                    <a:srgbClr val="FFFFFF"/>
+                  </a:solidFill>
+                </a:uFill>
+                <a:latin typeface="Lato"/>
+              </a:rPr>
+              <a:t>Time spent performing OpenGL operations</a:t>
+            </a:r>
+            <a:endParaRPr lang="en-US" b="0" strike="noStrike" spc="-1" dirty="0">
+              <a:solidFill>
+                <a:srgbClr val="000000"/>
+              </a:solidFill>
+              <a:uFill>
+                <a:solidFill>
+                  <a:srgbClr val="FFFFFF"/>
+                </a:solidFill>
+              </a:uFill>
+              <a:latin typeface="Arial"/>
+            </a:endParaRPr>
+          </a:p>
+          <a:p>
+            <a:pPr marL="457200" indent="-228240">
+              <a:lnSpc>
+                <a:spcPct val="100000"/>
+              </a:lnSpc>
+              <a:spcAft>
+                <a:spcPts val="1599"/>
+              </a:spcAft>
+            </a:pPr>
+            <a:endParaRPr lang="en-US" sz="1800" b="0" strike="noStrike" spc="-1" dirty="0">
+              <a:solidFill>
+                <a:srgbClr val="000000"/>
+              </a:solidFill>
+              <a:uFill>
+                <a:solidFill>
+                  <a:srgbClr val="FFFFFF"/>
+                </a:solidFill>
+              </a:uFill>
+              <a:latin typeface="Arial"/>
+            </a:endParaRPr>
+          </a:p>
+        </p:txBody>
+      </p:sp>
+    </p:spTree>
+  </p:cSld>
+  <p:clrMapOvr>
+    <a:masterClrMapping/>
+  </p:clrMapOvr>
+  <p:timing>
+    <p:tnLst>
+      <p:par>
+        <p:cTn id="1" dur="indefinite" restart="never" nodeType="tmRoot">
+          <p:childTnLst>
+            <p:seq>
+              <p:cTn id="2" nodeType="mainSeq"/>
+              <p:prevCondLst>
+                <p:cond evt="onPrev" delay="0">
+                  <p:tgtEl>
+                    <p:sldTgt/>
+                  </p:tgtEl>
+                </p:cond>
+              </p:prevCondLst>
+              <p:nextCondLst>
+                <p:cond evt="onNext" delay="0">
+                  <p:tgtEl>
+                    <p:sldTgt/>
+                  </p:tgtEl>
+                </p:cond>
+              </p:nextCondLst>
+            </p:seq>
+          </p:childTnLst>
+        </p:cTn>
+      </p:par>
+    </p:tnLst>
+  </p:timing>
+</p:sld>
+</file>
+
+<file path=ppt/slides/slide12.xml><?xml version="1.0" encoding="utf-8"?>
+<p:sld xmlns:a="http://schemas.openxmlformats.org/drawingml/2006/main" xmlns:r="http://schemas.openxmlformats.org/officeDocument/2006/relationships" xmlns:p="http://schemas.openxmlformats.org/presentationml/2006/main">
+  <p:cSld>
+    <p:spTree>
+      <p:nvGrpSpPr>
+        <p:cNvPr id="1" name=""/>
+        <p:cNvGrpSpPr/>
+        <p:nvPr/>
+      </p:nvGrpSpPr>
+      <p:grpSpPr>
+        <a:xfrm>
+          <a:off x="0" y="0"/>
+          <a:ext cx="0" cy="0"/>
+          <a:chOff x="0" y="0"/>
+          <a:chExt cx="0" cy="0"/>
+        </a:xfrm>
+      </p:grpSpPr>
+      <p:sp>
+        <p:nvSpPr>
+          <p:cNvPr id="92" name="TextShape 1"/>
+          <p:cNvSpPr txBox="1"/>
+          <p:nvPr/>
+        </p:nvSpPr>
+        <p:spPr>
+          <a:xfrm>
+            <a:off x="324360" y="148320"/>
+            <a:ext cx="5595840" cy="1373400"/>
+          </a:xfrm>
+          <a:prstGeom prst="rect">
+            <a:avLst/>
+          </a:prstGeom>
+          <a:noFill/>
+          <a:ln>
+            <a:noFill/>
+          </a:ln>
+        </p:spPr>
+        <p:txBody>
+          <a:bodyPr tIns="91440" bIns="91440" anchor="b"/>
+          <a:lstStyle/>
+          <a:p>
+            <a:pPr>
+              <a:lnSpc>
+                <a:spcPct val="100000"/>
+              </a:lnSpc>
+            </a:pPr>
+            <a:r>
+              <a:rPr lang="en-US" sz="2800" b="1" strike="noStrike" spc="-1" dirty="0" smtClean="0">
+                <a:solidFill>
+                  <a:srgbClr val="FFFFFF"/>
+                </a:solidFill>
+                <a:uFill>
+                  <a:solidFill>
+                    <a:srgbClr val="FFFFFF"/>
+                  </a:solidFill>
+                </a:uFill>
+                <a:latin typeface="Raleway"/>
+                <a:ea typeface="Raleway"/>
+              </a:rPr>
+              <a:t>QSG_RENDER_LOOP</a:t>
+            </a:r>
+            <a:endParaRPr lang="en-US" sz="2800" b="0" strike="noStrike" spc="-1" dirty="0">
+              <a:solidFill>
+                <a:srgbClr val="000000"/>
+              </a:solidFill>
+              <a:uFill>
+                <a:solidFill>
+                  <a:srgbClr val="FFFFFF"/>
+                </a:solidFill>
+              </a:uFill>
+              <a:latin typeface="Arial"/>
+            </a:endParaRPr>
+          </a:p>
+        </p:txBody>
+      </p:sp>
+      <p:sp>
+        <p:nvSpPr>
+          <p:cNvPr id="93" name="TextShape 2"/>
+          <p:cNvSpPr txBox="1"/>
+          <p:nvPr/>
+        </p:nvSpPr>
+        <p:spPr>
+          <a:xfrm>
+            <a:off x="324360" y="1920600"/>
+            <a:ext cx="7375042" cy="2703960"/>
+          </a:xfrm>
+          <a:prstGeom prst="rect">
+            <a:avLst/>
+          </a:prstGeom>
+          <a:noFill/>
+          <a:ln>
+            <a:noFill/>
+          </a:ln>
+        </p:spPr>
+        <p:txBody>
+          <a:bodyPr tIns="91440" bIns="91440"/>
+          <a:lstStyle/>
+          <a:p>
+            <a:pPr>
+              <a:lnSpc>
+                <a:spcPct val="100000"/>
+              </a:lnSpc>
+              <a:spcAft>
+                <a:spcPts val="1599"/>
+              </a:spcAft>
+            </a:pPr>
+            <a:r>
+              <a:rPr lang="en-US" sz="1400" spc="-1" dirty="0" smtClean="0">
+                <a:solidFill>
+                  <a:srgbClr val="000000"/>
+                </a:solidFill>
+                <a:uFill>
+                  <a:solidFill>
+                    <a:srgbClr val="FFFFFF"/>
+                  </a:solidFill>
+                </a:uFill>
+                <a:hlinkClick r:id="rId2"/>
+              </a:rPr>
+              <a:t>http://doc.qt.io/qt-5/qtquick-visualcanvas-scenegraph.html#scene-graph-and-rendering</a:t>
+            </a:r>
+            <a:endParaRPr lang="en-US" sz="1400" spc="-1" dirty="0" smtClean="0">
+              <a:solidFill>
+                <a:srgbClr val="000000"/>
+              </a:solidFill>
+              <a:uFill>
+                <a:solidFill>
+                  <a:srgbClr val="FFFFFF"/>
+                </a:solidFill>
+              </a:uFill>
+            </a:endParaRPr>
+          </a:p>
+          <a:p>
+            <a:pPr>
+              <a:lnSpc>
+                <a:spcPct val="100000"/>
+              </a:lnSpc>
+              <a:spcAft>
+                <a:spcPts val="1200"/>
+              </a:spcAft>
+            </a:pPr>
+            <a:r>
+              <a:rPr lang="en-US" sz="1400" spc="-1" dirty="0" smtClean="0">
+                <a:solidFill>
+                  <a:srgbClr val="000000"/>
+                </a:solidFill>
+                <a:uFill>
+                  <a:solidFill>
+                    <a:srgbClr val="FFFFFF"/>
+                  </a:solidFill>
+                </a:uFill>
+              </a:rPr>
+              <a:t>Use to verify that correct loop type is used by system. You can force a loop type, but there is usually an underlying problem when </a:t>
+            </a:r>
+            <a:r>
+              <a:rPr lang="en-US" sz="1400" spc="-1" dirty="0" err="1" smtClean="0">
+                <a:solidFill>
+                  <a:srgbClr val="000000"/>
+                </a:solidFill>
+                <a:uFill>
+                  <a:solidFill>
+                    <a:srgbClr val="FFFFFF"/>
+                  </a:solidFill>
+                </a:uFill>
+              </a:rPr>
+              <a:t>Qt</a:t>
+            </a:r>
+            <a:r>
+              <a:rPr lang="en-US" sz="1400" spc="-1" dirty="0" smtClean="0">
+                <a:solidFill>
+                  <a:srgbClr val="000000"/>
+                </a:solidFill>
+                <a:uFill>
+                  <a:solidFill>
+                    <a:srgbClr val="FFFFFF"/>
+                  </a:solidFill>
+                </a:uFill>
+              </a:rPr>
+              <a:t> chooses the wrong loop type.</a:t>
+            </a:r>
+          </a:p>
+          <a:p>
+            <a:pPr marL="285750" indent="-285750">
+              <a:lnSpc>
+                <a:spcPct val="100000"/>
+              </a:lnSpc>
+              <a:spcAft>
+                <a:spcPts val="600"/>
+              </a:spcAft>
+              <a:buFont typeface="Arial" panose="020B0604020202020204" pitchFamily="34" charset="0"/>
+              <a:buChar char="•"/>
+            </a:pPr>
+            <a:r>
+              <a:rPr lang="en-US" sz="1400" spc="-1" dirty="0" smtClean="0">
+                <a:solidFill>
+                  <a:srgbClr val="000000"/>
+                </a:solidFill>
+                <a:uFill>
+                  <a:solidFill>
+                    <a:srgbClr val="FFFFFF"/>
+                  </a:solidFill>
+                </a:uFill>
+              </a:rPr>
+              <a:t>basic</a:t>
+            </a:r>
+            <a:endParaRPr lang="en-US" sz="1400" spc="-1" dirty="0">
+              <a:solidFill>
+                <a:srgbClr val="000000"/>
+              </a:solidFill>
+              <a:uFill>
+                <a:solidFill>
+                  <a:srgbClr val="FFFFFF"/>
+                </a:solidFill>
+              </a:uFill>
+            </a:endParaRPr>
+          </a:p>
+          <a:p>
+            <a:pPr marL="742950" lvl="1" indent="-285750">
+              <a:spcAft>
+                <a:spcPts val="600"/>
+              </a:spcAft>
+              <a:buFont typeface="Arial" panose="020B0604020202020204" pitchFamily="34" charset="0"/>
+              <a:buChar char="•"/>
+            </a:pPr>
+            <a:r>
+              <a:rPr lang="en-US" sz="1400" spc="-1" dirty="0" smtClean="0">
+                <a:solidFill>
+                  <a:srgbClr val="000000"/>
+                </a:solidFill>
+                <a:uFill>
+                  <a:solidFill>
+                    <a:srgbClr val="FFFFFF"/>
+                  </a:solidFill>
+                </a:uFill>
+              </a:rPr>
+              <a:t>Single-threaded, timer-controlled rendering</a:t>
+            </a:r>
+          </a:p>
+          <a:p>
+            <a:pPr marL="285750" indent="-285750">
+              <a:lnSpc>
+                <a:spcPct val="100000"/>
+              </a:lnSpc>
+              <a:spcAft>
+                <a:spcPts val="600"/>
+              </a:spcAft>
+              <a:buFont typeface="Arial" panose="020B0604020202020204" pitchFamily="34" charset="0"/>
+              <a:buChar char="•"/>
+            </a:pPr>
+            <a:r>
+              <a:rPr lang="en-US" sz="1400" spc="-1" dirty="0" smtClean="0">
+                <a:solidFill>
+                  <a:srgbClr val="000000"/>
+                </a:solidFill>
+                <a:uFill>
+                  <a:solidFill>
+                    <a:srgbClr val="FFFFFF"/>
+                  </a:solidFill>
+                </a:uFill>
+              </a:rPr>
+              <a:t>windows</a:t>
+            </a:r>
+          </a:p>
+          <a:p>
+            <a:pPr marL="742950" lvl="1" indent="-285750">
+              <a:spcAft>
+                <a:spcPts val="600"/>
+              </a:spcAft>
+              <a:buFont typeface="Arial" panose="020B0604020202020204" pitchFamily="34" charset="0"/>
+              <a:buChar char="•"/>
+            </a:pPr>
+            <a:r>
+              <a:rPr lang="en-US" sz="1400" spc="-1" dirty="0" smtClean="0">
+                <a:solidFill>
+                  <a:srgbClr val="000000"/>
+                </a:solidFill>
+                <a:uFill>
+                  <a:solidFill>
+                    <a:srgbClr val="FFFFFF"/>
+                  </a:solidFill>
+                </a:uFill>
+              </a:rPr>
+              <a:t>Single-threaded, </a:t>
+            </a:r>
+            <a:r>
+              <a:rPr lang="en-US" sz="1400" spc="-1" dirty="0" err="1" smtClean="0">
+                <a:solidFill>
+                  <a:srgbClr val="000000"/>
+                </a:solidFill>
+                <a:uFill>
+                  <a:solidFill>
+                    <a:srgbClr val="FFFFFF"/>
+                  </a:solidFill>
+                </a:uFill>
+              </a:rPr>
+              <a:t>OpenGl</a:t>
+            </a:r>
+            <a:r>
+              <a:rPr lang="en-US" sz="1400" spc="-1" dirty="0" smtClean="0">
+                <a:solidFill>
+                  <a:srgbClr val="000000"/>
+                </a:solidFill>
+                <a:uFill>
+                  <a:solidFill>
+                    <a:srgbClr val="FFFFFF"/>
+                  </a:solidFill>
+                </a:uFill>
+              </a:rPr>
+              <a:t>-synced rendering</a:t>
+            </a:r>
+            <a:endParaRPr lang="en-US" sz="1400" spc="-1" dirty="0">
+              <a:solidFill>
+                <a:srgbClr val="000000"/>
+              </a:solidFill>
+              <a:uFill>
+                <a:solidFill>
+                  <a:srgbClr val="FFFFFF"/>
+                </a:solidFill>
+              </a:uFill>
+            </a:endParaRPr>
+          </a:p>
+          <a:p>
+            <a:pPr marL="285750" indent="-285750">
+              <a:lnSpc>
+                <a:spcPct val="100000"/>
+              </a:lnSpc>
+              <a:spcAft>
+                <a:spcPts val="600"/>
+              </a:spcAft>
+              <a:buFont typeface="Arial" panose="020B0604020202020204" pitchFamily="34" charset="0"/>
+              <a:buChar char="•"/>
+            </a:pPr>
+            <a:r>
+              <a:rPr lang="en-US" sz="1400" b="0" strike="noStrike" spc="-1" dirty="0" smtClean="0">
+                <a:solidFill>
+                  <a:srgbClr val="000000"/>
+                </a:solidFill>
+                <a:uFill>
+                  <a:solidFill>
+                    <a:srgbClr val="FFFFFF"/>
+                  </a:solidFill>
+                </a:uFill>
+                <a:latin typeface="Arial"/>
+              </a:rPr>
+              <a:t>threaded</a:t>
+            </a:r>
+          </a:p>
+          <a:p>
+            <a:pPr marL="742950" lvl="1" indent="-285750">
+              <a:spcAft>
+                <a:spcPts val="600"/>
+              </a:spcAft>
+              <a:buFont typeface="Arial" panose="020B0604020202020204" pitchFamily="34" charset="0"/>
+              <a:buChar char="•"/>
+            </a:pPr>
+            <a:r>
+              <a:rPr lang="en-US" sz="1400" spc="-1" dirty="0" smtClean="0">
+                <a:solidFill>
+                  <a:srgbClr val="000000"/>
+                </a:solidFill>
+                <a:uFill>
+                  <a:solidFill>
+                    <a:srgbClr val="FFFFFF"/>
+                  </a:solidFill>
+                </a:uFill>
+                <a:latin typeface="Arial"/>
+              </a:rPr>
+              <a:t>Dedicated rendering thread. Best performance for multi-core CPU.</a:t>
+            </a:r>
+            <a:endParaRPr lang="en-US" sz="1400" b="0" strike="noStrike" spc="-1" dirty="0">
+              <a:solidFill>
+                <a:srgbClr val="000000"/>
+              </a:solidFill>
+              <a:uFill>
+                <a:solidFill>
+                  <a:srgbClr val="FFFFFF"/>
+                </a:solidFill>
+              </a:uFill>
+              <a:latin typeface="Arial"/>
+            </a:endParaRPr>
+          </a:p>
+        </p:txBody>
+      </p:sp>
+    </p:spTree>
+    <p:extLst>
+      <p:ext uri="{BB962C8B-B14F-4D97-AF65-F5344CB8AC3E}">
+        <p14:creationId xmlns:p14="http://schemas.microsoft.com/office/powerpoint/2010/main" val="3934887880"/>
+      </p:ext>
+    </p:extLst>
+  </p:cSld>
+  <p:clrMapOvr>
+    <a:masterClrMapping/>
+  </p:clrMapOvr>
+  <p:timing>
+    <p:tnLst>
+      <p:par>
+        <p:cTn id="1" dur="indefinite" restart="never" nodeType="tmRoot">
+          <p:childTnLst>
+            <p:seq>
+              <p:cTn id="2" nodeType="mainSeq"/>
+              <p:prevCondLst>
+                <p:cond evt="onPrev" delay="0">
+                  <p:tgtEl>
+                    <p:sldTgt/>
+                  </p:tgtEl>
+                </p:cond>
+              </p:prevCondLst>
+              <p:nextCondLst>
+                <p:cond evt="onNext" delay="0">
+                  <p:tgtEl>
+                    <p:sldTgt/>
+                  </p:tgtEl>
+                </p:cond>
+              </p:nextCondLst>
+            </p:seq>
+          </p:childTnLst>
+        </p:cTn>
+      </p:par>
+    </p:tnLst>
+  </p:timing>
+</p:sld>
+</file>
+
+<file path=ppt/slides/slide13.xml><?xml version="1.0" encoding="utf-8"?>
+<p:sld xmlns:a="http://schemas.openxmlformats.org/drawingml/2006/main" xmlns:r="http://schemas.openxmlformats.org/officeDocument/2006/relationships" xmlns:p="http://schemas.openxmlformats.org/presentationml/2006/main">
+  <p:cSld>
+    <p:spTree>
+      <p:nvGrpSpPr>
+        <p:cNvPr id="1" name=""/>
+        <p:cNvGrpSpPr/>
+        <p:nvPr/>
+      </p:nvGrpSpPr>
+      <p:grpSpPr>
+        <a:xfrm>
+          <a:off x="0" y="0"/>
+          <a:ext cx="0" cy="0"/>
+          <a:chOff x="0" y="0"/>
+          <a:chExt cx="0" cy="0"/>
+        </a:xfrm>
+      </p:grpSpPr>
+      <p:sp>
+        <p:nvSpPr>
+          <p:cNvPr id="109" name="TextShape 1"/>
+          <p:cNvSpPr txBox="1"/>
+          <p:nvPr/>
+        </p:nvSpPr>
+        <p:spPr>
+          <a:xfrm>
+            <a:off x="324360" y="148320"/>
+            <a:ext cx="6446520" cy="1373400"/>
+          </a:xfrm>
+          <a:prstGeom prst="rect">
+            <a:avLst/>
+          </a:prstGeom>
+          <a:noFill/>
+          <a:ln>
+            <a:noFill/>
+          </a:ln>
+        </p:spPr>
+        <p:txBody>
+          <a:bodyPr tIns="91440" bIns="91440" anchor="b"/>
+          <a:lstStyle/>
+          <a:p>
+            <a:pPr>
+              <a:lnSpc>
+                <a:spcPct val="100000"/>
+              </a:lnSpc>
+            </a:pPr>
+            <a:r>
+              <a:rPr lang="en-US" sz="2800" b="1" strike="noStrike" spc="-1">
+                <a:solidFill>
+                  <a:srgbClr val="FFFFFF"/>
+                </a:solidFill>
+                <a:uFill>
+                  <a:solidFill>
+                    <a:srgbClr val="FFFFFF"/>
+                  </a:solidFill>
+                </a:uFill>
+                <a:latin typeface="Raleway"/>
+                <a:ea typeface="Raleway"/>
+              </a:rPr>
+              <a:t>Resources</a:t>
+            </a:r>
+            <a:endParaRPr lang="en-US" sz="2800" b="0" strike="noStrike" spc="-1">
+              <a:solidFill>
+                <a:srgbClr val="000000"/>
+              </a:solidFill>
+              <a:uFill>
+                <a:solidFill>
+                  <a:srgbClr val="FFFFFF"/>
+                </a:solidFill>
+              </a:uFill>
+              <a:latin typeface="Arial"/>
+            </a:endParaRPr>
+          </a:p>
+        </p:txBody>
+      </p:sp>
+      <p:sp>
+        <p:nvSpPr>
+          <p:cNvPr id="110" name="TextShape 2"/>
+          <p:cNvSpPr txBox="1"/>
+          <p:nvPr/>
+        </p:nvSpPr>
+        <p:spPr>
+          <a:xfrm>
+            <a:off x="324360" y="1920600"/>
+            <a:ext cx="8597880" cy="2703960"/>
+          </a:xfrm>
+          <a:prstGeom prst="rect">
+            <a:avLst/>
+          </a:prstGeom>
+          <a:noFill/>
+          <a:ln>
+            <a:noFill/>
+          </a:ln>
+        </p:spPr>
+        <p:txBody>
+          <a:bodyPr tIns="91440" bIns="91440"/>
+          <a:lstStyle/>
+          <a:p>
+            <a:pPr>
+              <a:lnSpc>
+                <a:spcPct val="100000"/>
+              </a:lnSpc>
+              <a:spcAft>
+                <a:spcPts val="1599"/>
+              </a:spcAft>
+            </a:pPr>
+            <a:r>
+              <a:rPr lang="en-US" sz="1900" b="0" strike="noStrike" spc="-1">
+                <a:solidFill>
+                  <a:srgbClr val="000000"/>
+                </a:solidFill>
+                <a:uFill>
+                  <a:solidFill>
+                    <a:srgbClr val="FFFFFF"/>
+                  </a:solidFill>
+                </a:uFill>
+                <a:latin typeface="Lato"/>
+                <a:ea typeface="Lato"/>
               </a:rPr>
               <a:t>Ulf Hermann’s QtDD14 QML Profile Presentation</a:t>
             </a:r>
-            <a:endParaRPr b="0" lang="en-US" sz="1900" spc="-1" strike="noStrike">
-              <a:solidFill>
-                <a:srgbClr val="000000"/>
-              </a:solidFill>
-              <a:uFill>
-                <a:solidFill>
-                  <a:srgbClr val="ffffff"/>
+            <a:endParaRPr lang="en-US" sz="1900" b="0" strike="noStrike" spc="-1">
+              <a:solidFill>
+                <a:srgbClr val="000000"/>
+              </a:solidFill>
+              <a:uFill>
+                <a:solidFill>
+                  <a:srgbClr val="FFFFFF"/>
                 </a:solidFill>
               </a:uFill>
               <a:latin typeface="Arial"/>
@@ -5073,28 +6591,28 @@
               <a:buChar char=""/>
             </a:pPr>
             <a:r>
-              <a:rPr b="0" lang="en-US" sz="1800" spc="-1" strike="noStrike">
+              <a:rPr lang="en-US" sz="1800" b="0" strike="noStrike" spc="-1">
                 <a:solidFill>
                   <a:srgbClr val="000000"/>
                 </a:solidFill>
                 <a:uFill>
                   <a:solidFill>
-                    <a:srgbClr val="ffffff"/>
+                    <a:srgbClr val="FFFFFF"/>
                   </a:solidFill>
                 </a:uFill>
                 <a:latin typeface="Lato"/>
                 <a:ea typeface="Lato"/>
-                <a:hlinkClick r:id="rId1"/>
+                <a:hlinkClick r:id="rId2"/>
               </a:rPr>
               <a:t>https://www.youtube.com/watch?v=TiJiF0MOOFc&amp;feature=youtu.be</a:t>
             </a:r>
-            <a:endParaRPr b="0" lang="en-US" sz="1800" spc="-1" strike="noStrike">
-              <a:solidFill>
-                <a:srgbClr val="000000"/>
-              </a:solidFill>
-              <a:uFill>
-                <a:solidFill>
-                  <a:srgbClr val="ffffff"/>
+            <a:endParaRPr lang="en-US" sz="1800" b="0" strike="noStrike" spc="-1">
+              <a:solidFill>
+                <a:srgbClr val="000000"/>
+              </a:solidFill>
+              <a:uFill>
+                <a:solidFill>
+                  <a:srgbClr val="FFFFFF"/>
                 </a:solidFill>
               </a:uFill>
               <a:latin typeface="Arial"/>
@@ -5110,13 +6628,13 @@
               </a:spcAft>
             </a:pPr>
             <a:r>
-              <a:rPr b="0" lang="en-US" sz="1900" spc="-1" strike="noStrike">
+              <a:rPr lang="en-US" sz="1900" b="0" strike="noStrike" spc="-1">
                 <a:solidFill>
                   <a:srgbClr val="000000"/>
                 </a:solidFill>
                 <a:uFill>
                   <a:solidFill>
-                    <a:srgbClr val="ffffff"/>
+                    <a:srgbClr val="FFFFFF"/>
                   </a:solidFill>
                 </a:uFill>
                 <a:latin typeface="Lato"/>
@@ -5124,13 +6642,13 @@
               </a:rPr>
               <a:t>Qt Profiling QML Applications Documentation</a:t>
             </a:r>
-            <a:endParaRPr b="0" lang="en-US" sz="1900" spc="-1" strike="noStrike">
-              <a:solidFill>
-                <a:srgbClr val="000000"/>
-              </a:solidFill>
-              <a:uFill>
-                <a:solidFill>
-                  <a:srgbClr val="ffffff"/>
+            <a:endParaRPr lang="en-US" sz="1900" b="0" strike="noStrike" spc="-1">
+              <a:solidFill>
+                <a:srgbClr val="000000"/>
+              </a:solidFill>
+              <a:uFill>
+                <a:solidFill>
+                  <a:srgbClr val="FFFFFF"/>
                 </a:solidFill>
               </a:uFill>
               <a:latin typeface="Arial"/>
@@ -5152,28 +6670,28 @@
               <a:buChar char=""/>
             </a:pPr>
             <a:r>
-              <a:rPr b="0" lang="en-US" sz="1800" spc="-1" strike="noStrike">
+              <a:rPr lang="en-US" sz="1800" b="0" strike="noStrike" spc="-1">
                 <a:solidFill>
                   <a:srgbClr val="000000"/>
                 </a:solidFill>
                 <a:uFill>
                   <a:solidFill>
-                    <a:srgbClr val="ffffff"/>
+                    <a:srgbClr val="FFFFFF"/>
                   </a:solidFill>
                 </a:uFill>
                 <a:latin typeface="Lato"/>
                 <a:ea typeface="Lato"/>
-                <a:hlinkClick r:id="rId2"/>
+                <a:hlinkClick r:id="rId3"/>
               </a:rPr>
               <a:t>http://doc.qt.io/qtcreator/creator-qml-performance-monitor.html</a:t>
             </a:r>
-            <a:endParaRPr b="0" lang="en-US" sz="1800" spc="-1" strike="noStrike">
-              <a:solidFill>
-                <a:srgbClr val="000000"/>
-              </a:solidFill>
-              <a:uFill>
-                <a:solidFill>
-                  <a:srgbClr val="ffffff"/>
+            <a:endParaRPr lang="en-US" sz="1800" b="0" strike="noStrike" spc="-1">
+              <a:solidFill>
+                <a:srgbClr val="000000"/>
+              </a:solidFill>
+              <a:uFill>
+                <a:solidFill>
+                  <a:srgbClr val="FFFFFF"/>
                 </a:solidFill>
               </a:uFill>
               <a:latin typeface="Arial"/>
@@ -5194,13 +6712,13 @@
               <a:buFont typeface="Wingdings" charset="2"/>
               <a:buChar char=""/>
             </a:pPr>
-            <a:endParaRPr b="0" lang="en-US" sz="1800" spc="-1" strike="noStrike">
-              <a:solidFill>
-                <a:srgbClr val="000000"/>
-              </a:solidFill>
-              <a:uFill>
-                <a:solidFill>
-                  <a:srgbClr val="ffffff"/>
+            <a:endParaRPr lang="en-US" sz="1800" b="0" strike="noStrike" spc="-1">
+              <a:solidFill>
+                <a:srgbClr val="000000"/>
+              </a:solidFill>
+              <a:uFill>
+                <a:solidFill>
+                  <a:srgbClr val="FFFFFF"/>
                 </a:solidFill>
               </a:uFill>
               <a:latin typeface="Arial"/>
@@ -5210,22 +6728,25 @@
       </p:sp>
     </p:spTree>
   </p:cSld>
+  <p:clrMapOvr>
+    <a:masterClrMapping/>
+  </p:clrMapOvr>
   <p:timing>
     <p:tnLst>
       <p:par>
-        <p:cTn id="21" dur="indefinite" restart="never" nodeType="tmRoot">
+        <p:cTn id="1" dur="indefinite" restart="never" nodeType="tmRoot">
           <p:childTnLst>
             <p:seq>
-              <p:cTn id="22" nodeType="mainSeq"/>
+              <p:cTn id="2" nodeType="mainSeq"/>
               <p:prevCondLst>
-                <p:cond delay="0" evt="onPrev">
+                <p:cond evt="onPrev" delay="0">
                   <p:tgtEl>
                     <p:sldTgt/>
                   </p:tgtEl>
                 </p:cond>
               </p:prevCondLst>
               <p:nextCondLst>
-                <p:cond delay="0" evt="onNext">
+                <p:cond evt="onNext" delay="0">
                   <p:tgtEl>
                     <p:sldTgt/>
                   </p:tgtEl>
@@ -5241,7 +6762,7 @@
 </file>
 
 <file path=ppt/slides/slide2.xml><?xml version="1.0" encoding="utf-8"?>
-<p:sld xmlns:a="http://schemas.openxmlformats.org/drawingml/2006/main" xmlns:p="http://schemas.openxmlformats.org/presentationml/2006/main" xmlns:r="http://schemas.openxmlformats.org/officeDocument/2006/relationships" xmlns:p14="http://schemas.microsoft.com/office/powerpoint/2010/main" xmlns:p15="http://schemas.microsoft.com/office/powerpoint/2012/main" xmlns:mc="http://schemas.openxmlformats.org/markup-compatibility/2006">
+<p:sld xmlns:a="http://schemas.openxmlformats.org/drawingml/2006/main" xmlns:r="http://schemas.openxmlformats.org/officeDocument/2006/relationships" xmlns:p="http://schemas.openxmlformats.org/presentationml/2006/main">
   <p:cSld>
     <p:spTree>
       <p:nvGrpSpPr>
@@ -5278,6 +6799,7 @@
         </p:spPr>
         <p:txBody>
           <a:bodyPr tIns="91440" bIns="91440" anchor="b"/>
+          <a:lstStyle/>
           <a:p>
             <a:pPr>
               <a:lnSpc>
@@ -5285,13 +6807,13 @@
               </a:lnSpc>
             </a:pPr>
             <a:r>
-              <a:rPr b="1" lang="en-US" sz="2800" spc="-1" strike="noStrike">
-                <a:solidFill>
-                  <a:srgbClr val="ffffff"/>
-                </a:solidFill>
-                <a:uFill>
-                  <a:solidFill>
-                    <a:srgbClr val="ffffff"/>
+              <a:rPr lang="en-US" sz="2800" b="1" strike="noStrike" spc="-1">
+                <a:solidFill>
+                  <a:srgbClr val="FFFFFF"/>
+                </a:solidFill>
+                <a:uFill>
+                  <a:solidFill>
+                    <a:srgbClr val="FFFFFF"/>
                   </a:solidFill>
                 </a:uFill>
                 <a:latin typeface="Raleway"/>
@@ -5299,13 +6821,13 @@
               </a:rPr>
               <a:t>Agenda</a:t>
             </a:r>
-            <a:endParaRPr b="0" lang="en-US" sz="2800" spc="-1" strike="noStrike">
-              <a:solidFill>
-                <a:srgbClr val="000000"/>
-              </a:solidFill>
-              <a:uFill>
-                <a:solidFill>
-                  <a:srgbClr val="ffffff"/>
+            <a:endParaRPr lang="en-US" sz="2800" b="0" strike="noStrike" spc="-1">
+              <a:solidFill>
+                <a:srgbClr val="000000"/>
+              </a:solidFill>
+              <a:uFill>
+                <a:solidFill>
+                  <a:srgbClr val="FFFFFF"/>
                 </a:solidFill>
               </a:uFill>
               <a:latin typeface="Arial"/>
@@ -5334,6 +6856,7 @@
         </p:spPr>
         <p:txBody>
           <a:bodyPr tIns="91440" bIns="91440"/>
+          <a:lstStyle/>
           <a:p>
             <a:pPr marL="457200" indent="-418680">
               <a:lnSpc>
@@ -5344,13 +6867,13 @@
               </a:spcAft>
             </a:pPr>
             <a:r>
-              <a:rPr b="0" lang="en-US" sz="3000" spc="-1" strike="noStrike">
+              <a:rPr lang="en-US" sz="3000" b="0" strike="noStrike" spc="-1" dirty="0">
                 <a:solidFill>
                   <a:srgbClr val="616161"/>
                 </a:solidFill>
                 <a:uFill>
                   <a:solidFill>
-                    <a:srgbClr val="ffffff"/>
+                    <a:srgbClr val="FFFFFF"/>
                   </a:solidFill>
                 </a:uFill>
                 <a:latin typeface="Lato"/>
@@ -5358,13 +6881,13 @@
               </a:rPr>
               <a:t>Causes of performance issues</a:t>
             </a:r>
-            <a:endParaRPr b="0" lang="en-US" sz="3000" spc="-1" strike="noStrike">
-              <a:solidFill>
-                <a:srgbClr val="000000"/>
-              </a:solidFill>
-              <a:uFill>
-                <a:solidFill>
-                  <a:srgbClr val="ffffff"/>
+            <a:endParaRPr lang="en-US" sz="3000" b="0" strike="noStrike" spc="-1" dirty="0">
+              <a:solidFill>
+                <a:srgbClr val="000000"/>
+              </a:solidFill>
+              <a:uFill>
+                <a:solidFill>
+                  <a:srgbClr val="FFFFFF"/>
                 </a:solidFill>
               </a:uFill>
               <a:latin typeface="Arial"/>
@@ -5380,13 +6903,13 @@
               </a:spcAft>
             </a:pPr>
             <a:r>
-              <a:rPr b="0" lang="en-US" sz="3000" spc="-1" strike="noStrike">
+              <a:rPr lang="en-US" sz="3000" b="0" strike="noStrike" spc="-1" dirty="0">
                 <a:solidFill>
                   <a:srgbClr val="616161"/>
                 </a:solidFill>
                 <a:uFill>
                   <a:solidFill>
-                    <a:srgbClr val="ffffff"/>
+                    <a:srgbClr val="FFFFFF"/>
                   </a:solidFill>
                 </a:uFill>
                 <a:latin typeface="Lato"/>
@@ -5394,13 +6917,13 @@
               </a:rPr>
               <a:t>Demo of QML Profiler</a:t>
             </a:r>
-            <a:endParaRPr b="0" lang="en-US" sz="3000" spc="-1" strike="noStrike">
-              <a:solidFill>
-                <a:srgbClr val="000000"/>
-              </a:solidFill>
-              <a:uFill>
-                <a:solidFill>
-                  <a:srgbClr val="ffffff"/>
+            <a:endParaRPr lang="en-US" sz="3000" b="0" strike="noStrike" spc="-1" dirty="0">
+              <a:solidFill>
+                <a:srgbClr val="000000"/>
+              </a:solidFill>
+              <a:uFill>
+                <a:solidFill>
+                  <a:srgbClr val="FFFFFF"/>
                 </a:solidFill>
               </a:uFill>
               <a:latin typeface="Arial"/>
@@ -5416,63 +6939,42 @@
               </a:spcAft>
             </a:pPr>
             <a:r>
-              <a:rPr b="0" lang="en-US" sz="3000" spc="-1" strike="noStrike">
+              <a:rPr lang="en-US" sz="3000" b="0" strike="noStrike" spc="-1" dirty="0" smtClean="0">
                 <a:solidFill>
                   <a:srgbClr val="616161"/>
                 </a:solidFill>
                 <a:uFill>
                   <a:solidFill>
-                    <a:srgbClr val="ffffff"/>
+                    <a:srgbClr val="FFFFFF"/>
                   </a:solidFill>
                 </a:uFill>
                 <a:latin typeface="Lato"/>
                 <a:ea typeface="Lato"/>
               </a:rPr>
-              <a:t>Running on Embedded Platforms</a:t>
-            </a:r>
-            <a:endParaRPr b="0" lang="en-US" sz="3000" spc="-1" strike="noStrike">
-              <a:solidFill>
-                <a:srgbClr val="000000"/>
-              </a:solidFill>
-              <a:uFill>
-                <a:solidFill>
-                  <a:srgbClr val="ffffff"/>
-                </a:solidFill>
-              </a:uFill>
-              <a:latin typeface="Arial"/>
-            </a:endParaRPr>
-          </a:p>
-          <a:p>
-            <a:pPr marL="457200" indent="-418680">
-              <a:lnSpc>
-                <a:spcPct val="100000"/>
-              </a:lnSpc>
-              <a:spcAft>
-                <a:spcPts val="1599"/>
-              </a:spcAft>
-            </a:pPr>
-            <a:r>
-              <a:rPr b="0" lang="en-US" sz="3000" spc="-1" strike="noStrike">
+              <a:t>Environment </a:t>
+            </a:r>
+            <a:r>
+              <a:rPr lang="en-US" sz="3000" b="0" strike="noStrike" spc="-1" dirty="0">
                 <a:solidFill>
                   <a:srgbClr val="616161"/>
                 </a:solidFill>
                 <a:uFill>
                   <a:solidFill>
-                    <a:srgbClr val="ffffff"/>
+                    <a:srgbClr val="FFFFFF"/>
                   </a:solidFill>
                 </a:uFill>
                 <a:latin typeface="Lato"/>
                 <a:ea typeface="Lato"/>
               </a:rPr>
-              <a:t>Environment Variables</a:t>
-            </a:r>
-            <a:endParaRPr b="0" lang="en-US" sz="3000" spc="-1" strike="noStrike">
-              <a:solidFill>
-                <a:srgbClr val="000000"/>
-              </a:solidFill>
-              <a:uFill>
-                <a:solidFill>
-                  <a:srgbClr val="ffffff"/>
+              <a:t>Variables</a:t>
+            </a:r>
+            <a:endParaRPr lang="en-US" sz="3000" b="0" strike="noStrike" spc="-1" dirty="0">
+              <a:solidFill>
+                <a:srgbClr val="000000"/>
+              </a:solidFill>
+              <a:uFill>
+                <a:solidFill>
+                  <a:srgbClr val="FFFFFF"/>
                 </a:solidFill>
               </a:uFill>
               <a:latin typeface="Arial"/>
@@ -5482,22 +6984,25 @@
       </p:sp>
     </p:spTree>
   </p:cSld>
+  <p:clrMapOvr>
+    <a:masterClrMapping/>
+  </p:clrMapOvr>
   <p:timing>
     <p:tnLst>
       <p:par>
-        <p:cTn id="3" dur="indefinite" restart="never" nodeType="tmRoot">
+        <p:cTn id="1" dur="indefinite" restart="never" nodeType="tmRoot">
           <p:childTnLst>
             <p:seq>
-              <p:cTn id="4" nodeType="mainSeq"/>
+              <p:cTn id="2" nodeType="mainSeq"/>
               <p:prevCondLst>
-                <p:cond delay="0" evt="onPrev">
+                <p:cond evt="onPrev" delay="0">
                   <p:tgtEl>
                     <p:sldTgt/>
                   </p:tgtEl>
                 </p:cond>
               </p:prevCondLst>
               <p:nextCondLst>
-                <p:cond delay="0" evt="onNext">
+                <p:cond evt="onNext" delay="0">
                   <p:tgtEl>
                     <p:sldTgt/>
                   </p:tgtEl>
@@ -5513,7 +7018,7 @@
 </file>
 
 <file path=ppt/slides/slide3.xml><?xml version="1.0" encoding="utf-8"?>
-<p:sld xmlns:a="http://schemas.openxmlformats.org/drawingml/2006/main" xmlns:p="http://schemas.openxmlformats.org/presentationml/2006/main" xmlns:r="http://schemas.openxmlformats.org/officeDocument/2006/relationships" xmlns:p14="http://schemas.microsoft.com/office/powerpoint/2010/main" xmlns:p15="http://schemas.microsoft.com/office/powerpoint/2012/main" xmlns:mc="http://schemas.openxmlformats.org/markup-compatibility/2006">
+<p:sld xmlns:a="http://schemas.openxmlformats.org/drawingml/2006/main" xmlns:r="http://schemas.openxmlformats.org/officeDocument/2006/relationships" xmlns:p="http://schemas.openxmlformats.org/presentationml/2006/main">
   <p:cSld>
     <p:spTree>
       <p:nvGrpSpPr>
@@ -5550,6 +7055,7 @@
         </p:spPr>
         <p:txBody>
           <a:bodyPr tIns="91440" bIns="91440" anchor="b"/>
+          <a:lstStyle/>
           <a:p>
             <a:pPr>
               <a:lnSpc>
@@ -5557,13 +7063,13 @@
               </a:lnSpc>
             </a:pPr>
             <a:r>
-              <a:rPr b="1" lang="en-US" sz="2800" spc="-1" strike="noStrike">
-                <a:solidFill>
-                  <a:srgbClr val="ffffff"/>
-                </a:solidFill>
-                <a:uFill>
-                  <a:solidFill>
-                    <a:srgbClr val="ffffff"/>
+              <a:rPr lang="en-US" sz="2800" b="1" strike="noStrike" spc="-1">
+                <a:solidFill>
+                  <a:srgbClr val="FFFFFF"/>
+                </a:solidFill>
+                <a:uFill>
+                  <a:solidFill>
+                    <a:srgbClr val="FFFFFF"/>
                   </a:solidFill>
                 </a:uFill>
                 <a:latin typeface="Raleway"/>
@@ -5571,13 +7077,13 @@
               </a:rPr>
               <a:t>Causes of performance issues</a:t>
             </a:r>
-            <a:endParaRPr b="0" lang="en-US" sz="2800" spc="-1" strike="noStrike">
-              <a:solidFill>
-                <a:srgbClr val="000000"/>
-              </a:solidFill>
-              <a:uFill>
-                <a:solidFill>
-                  <a:srgbClr val="ffffff"/>
+            <a:endParaRPr lang="en-US" sz="2800" b="0" strike="noStrike" spc="-1">
+              <a:solidFill>
+                <a:srgbClr val="000000"/>
+              </a:solidFill>
+              <a:uFill>
+                <a:solidFill>
+                  <a:srgbClr val="FFFFFF"/>
                 </a:solidFill>
               </a:uFill>
               <a:latin typeface="Arial"/>
@@ -5606,6 +7112,7 @@
         </p:spPr>
         <p:txBody>
           <a:bodyPr tIns="91440" bIns="91440"/>
+          <a:lstStyle/>
           <a:p>
             <a:pPr marL="457200" indent="-418680">
               <a:lnSpc>
@@ -5616,13 +7123,13 @@
               </a:spcAft>
             </a:pPr>
             <a:r>
-              <a:rPr b="0" lang="en-US" sz="2600" spc="-1" strike="noStrike">
+              <a:rPr lang="en-US" sz="2600" b="0" strike="noStrike" spc="-1">
                 <a:solidFill>
                   <a:srgbClr val="616161"/>
                 </a:solidFill>
                 <a:uFill>
                   <a:solidFill>
-                    <a:srgbClr val="ffffff"/>
+                    <a:srgbClr val="FFFFFF"/>
                   </a:solidFill>
                 </a:uFill>
                 <a:latin typeface="Lato"/>
@@ -5630,13 +7137,13 @@
               </a:rPr>
               <a:t>JavaScript handlers &gt; 16ms</a:t>
             </a:r>
-            <a:endParaRPr b="0" lang="en-US" sz="2600" spc="-1" strike="noStrike">
-              <a:solidFill>
-                <a:srgbClr val="000000"/>
-              </a:solidFill>
-              <a:uFill>
-                <a:solidFill>
-                  <a:srgbClr val="ffffff"/>
+            <a:endParaRPr lang="en-US" sz="2600" b="0" strike="noStrike" spc="-1">
+              <a:solidFill>
+                <a:srgbClr val="000000"/>
+              </a:solidFill>
+              <a:uFill>
+                <a:solidFill>
+                  <a:srgbClr val="FFFFFF"/>
                 </a:solidFill>
               </a:uFill>
               <a:latin typeface="Arial"/>
@@ -5658,13 +7165,13 @@
               <a:buChar char=""/>
             </a:pPr>
             <a:r>
-              <a:rPr b="0" lang="en-US" sz="2200" spc="-1" strike="noStrike">
+              <a:rPr lang="en-US" sz="2200" b="0" strike="noStrike" spc="-1">
                 <a:solidFill>
                   <a:srgbClr val="616161"/>
                 </a:solidFill>
                 <a:uFill>
                   <a:solidFill>
-                    <a:srgbClr val="ffffff"/>
+                    <a:srgbClr val="FFFFFF"/>
                   </a:solidFill>
                 </a:uFill>
                 <a:latin typeface="Lato"/>
@@ -5672,13 +7179,13 @@
               </a:rPr>
               <a:t>look for gaps in timeline</a:t>
             </a:r>
-            <a:endParaRPr b="0" lang="en-US" sz="2200" spc="-1" strike="noStrike">
-              <a:solidFill>
-                <a:srgbClr val="000000"/>
-              </a:solidFill>
-              <a:uFill>
-                <a:solidFill>
-                  <a:srgbClr val="ffffff"/>
+            <a:endParaRPr lang="en-US" sz="2200" b="0" strike="noStrike" spc="-1">
+              <a:solidFill>
+                <a:srgbClr val="000000"/>
+              </a:solidFill>
+              <a:uFill>
+                <a:solidFill>
+                  <a:srgbClr val="FFFFFF"/>
                 </a:solidFill>
               </a:uFill>
               <a:latin typeface="Arial"/>
@@ -5694,13 +7201,13 @@
               </a:spcAft>
             </a:pPr>
             <a:r>
-              <a:rPr b="0" lang="en-US" sz="2600" spc="-1" strike="noStrike">
+              <a:rPr lang="en-US" sz="2600" b="0" strike="noStrike" spc="-1">
                 <a:solidFill>
                   <a:srgbClr val="616161"/>
                 </a:solidFill>
                 <a:uFill>
                   <a:solidFill>
-                    <a:srgbClr val="ffffff"/>
+                    <a:srgbClr val="FFFFFF"/>
                   </a:solidFill>
                 </a:uFill>
                 <a:latin typeface="Lato"/>
@@ -5708,13 +7215,13 @@
               </a:rPr>
               <a:t>Drawing hidden Items</a:t>
             </a:r>
-            <a:endParaRPr b="0" lang="en-US" sz="2600" spc="-1" strike="noStrike">
-              <a:solidFill>
-                <a:srgbClr val="000000"/>
-              </a:solidFill>
-              <a:uFill>
-                <a:solidFill>
-                  <a:srgbClr val="ffffff"/>
+            <a:endParaRPr lang="en-US" sz="2600" b="0" strike="noStrike" spc="-1">
+              <a:solidFill>
+                <a:srgbClr val="000000"/>
+              </a:solidFill>
+              <a:uFill>
+                <a:solidFill>
+                  <a:srgbClr val="FFFFFF"/>
                 </a:solidFill>
               </a:uFill>
               <a:latin typeface="Arial"/>
@@ -5736,13 +7243,13 @@
               <a:buChar char=""/>
             </a:pPr>
             <a:r>
-              <a:rPr b="0" lang="en-US" sz="2200" spc="-1" strike="noStrike">
+              <a:rPr lang="en-US" sz="2200" b="0" strike="noStrike" spc="-1">
                 <a:solidFill>
                   <a:srgbClr val="616161"/>
                 </a:solidFill>
                 <a:uFill>
                   <a:solidFill>
-                    <a:srgbClr val="ffffff"/>
+                    <a:srgbClr val="FFFFFF"/>
                   </a:solidFill>
                 </a:uFill>
                 <a:latin typeface="Lato"/>
@@ -5750,13 +7257,13 @@
               </a:rPr>
               <a:t>Use QSG_VISUALIZE=overdraw</a:t>
             </a:r>
-            <a:endParaRPr b="0" lang="en-US" sz="2200" spc="-1" strike="noStrike">
-              <a:solidFill>
-                <a:srgbClr val="000000"/>
-              </a:solidFill>
-              <a:uFill>
-                <a:solidFill>
-                  <a:srgbClr val="ffffff"/>
+            <a:endParaRPr lang="en-US" sz="2200" b="0" strike="noStrike" spc="-1">
+              <a:solidFill>
+                <a:srgbClr val="000000"/>
+              </a:solidFill>
+              <a:uFill>
+                <a:solidFill>
+                  <a:srgbClr val="FFFFFF"/>
                 </a:solidFill>
               </a:uFill>
               <a:latin typeface="Arial"/>
@@ -5772,13 +7279,13 @@
               </a:spcAft>
             </a:pPr>
             <a:r>
-              <a:rPr b="0" lang="en-US" sz="2600" spc="-1" strike="noStrike">
+              <a:rPr lang="en-US" sz="2600" b="0" strike="noStrike" spc="-1">
                 <a:solidFill>
                   <a:srgbClr val="616161"/>
                 </a:solidFill>
                 <a:uFill>
                   <a:solidFill>
-                    <a:srgbClr val="ffffff"/>
+                    <a:srgbClr val="FFFFFF"/>
                   </a:solidFill>
                 </a:uFill>
                 <a:latin typeface="Lato"/>
@@ -5786,13 +7293,13 @@
               </a:rPr>
               <a:t>Long running C++ operations</a:t>
             </a:r>
-            <a:endParaRPr b="0" lang="en-US" sz="2600" spc="-1" strike="noStrike">
-              <a:solidFill>
-                <a:srgbClr val="000000"/>
-              </a:solidFill>
-              <a:uFill>
-                <a:solidFill>
-                  <a:srgbClr val="ffffff"/>
+            <a:endParaRPr lang="en-US" sz="2600" b="0" strike="noStrike" spc="-1">
+              <a:solidFill>
+                <a:srgbClr val="000000"/>
+              </a:solidFill>
+              <a:uFill>
+                <a:solidFill>
+                  <a:srgbClr val="FFFFFF"/>
                 </a:solidFill>
               </a:uFill>
               <a:latin typeface="Arial"/>
@@ -5814,13 +7321,13 @@
               <a:buChar char=""/>
             </a:pPr>
             <a:r>
-              <a:rPr b="0" lang="en-US" sz="2200" spc="-1" strike="noStrike">
+              <a:rPr lang="en-US" sz="2200" b="0" strike="noStrike" spc="-1">
                 <a:solidFill>
                   <a:srgbClr val="616161"/>
                 </a:solidFill>
                 <a:uFill>
                   <a:solidFill>
-                    <a:srgbClr val="ffffff"/>
+                    <a:srgbClr val="FFFFFF"/>
                   </a:solidFill>
                 </a:uFill>
                 <a:latin typeface="Lato"/>
@@ -5828,13 +7335,13 @@
               </a:rPr>
               <a:t>Not visible in QML Profiler</a:t>
             </a:r>
-            <a:endParaRPr b="0" lang="en-US" sz="2200" spc="-1" strike="noStrike">
-              <a:solidFill>
-                <a:srgbClr val="000000"/>
-              </a:solidFill>
-              <a:uFill>
-                <a:solidFill>
-                  <a:srgbClr val="ffffff"/>
+            <a:endParaRPr lang="en-US" sz="2200" b="0" strike="noStrike" spc="-1">
+              <a:solidFill>
+                <a:srgbClr val="000000"/>
+              </a:solidFill>
+              <a:uFill>
+                <a:solidFill>
+                  <a:srgbClr val="FFFFFF"/>
                 </a:solidFill>
               </a:uFill>
               <a:latin typeface="Arial"/>
@@ -5844,22 +7351,25 @@
       </p:sp>
     </p:spTree>
   </p:cSld>
+  <p:clrMapOvr>
+    <a:masterClrMapping/>
+  </p:clrMapOvr>
   <p:timing>
     <p:tnLst>
       <p:par>
-        <p:cTn id="5" dur="indefinite" restart="never" nodeType="tmRoot">
+        <p:cTn id="1" dur="indefinite" restart="never" nodeType="tmRoot">
           <p:childTnLst>
             <p:seq>
-              <p:cTn id="6" nodeType="mainSeq"/>
+              <p:cTn id="2" nodeType="mainSeq"/>
               <p:prevCondLst>
-                <p:cond delay="0" evt="onPrev">
+                <p:cond evt="onPrev" delay="0">
                   <p:tgtEl>
                     <p:sldTgt/>
                   </p:tgtEl>
                 </p:cond>
               </p:prevCondLst>
               <p:nextCondLst>
-                <p:cond delay="0" evt="onNext">
+                <p:cond evt="onNext" delay="0">
                   <p:tgtEl>
                     <p:sldTgt/>
                   </p:tgtEl>
@@ -5875,7 +7385,7 @@
 </file>
 
 <file path=ppt/slides/slide4.xml><?xml version="1.0" encoding="utf-8"?>
-<p:sld xmlns:a="http://schemas.openxmlformats.org/drawingml/2006/main" xmlns:p="http://schemas.openxmlformats.org/presentationml/2006/main" xmlns:r="http://schemas.openxmlformats.org/officeDocument/2006/relationships" xmlns:p14="http://schemas.microsoft.com/office/powerpoint/2010/main" xmlns:p15="http://schemas.microsoft.com/office/powerpoint/2012/main" xmlns:mc="http://schemas.openxmlformats.org/markup-compatibility/2006">
+<p:sld xmlns:a="http://schemas.openxmlformats.org/drawingml/2006/main" xmlns:r="http://schemas.openxmlformats.org/officeDocument/2006/relationships" xmlns:p="http://schemas.openxmlformats.org/presentationml/2006/main">
   <p:cSld>
     <p:spTree>
       <p:nvGrpSpPr>
@@ -5912,6 +7422,7 @@
         </p:spPr>
         <p:txBody>
           <a:bodyPr tIns="91440" bIns="91440" anchor="b"/>
+          <a:lstStyle/>
           <a:p>
             <a:pPr>
               <a:lnSpc>
@@ -5919,27 +7430,27 @@
               </a:lnSpc>
             </a:pPr>
             <a:r>
-              <a:rPr b="1" lang="en-US" sz="2800" spc="-1" strike="noStrike">
-                <a:solidFill>
-                  <a:srgbClr val="ffffff"/>
-                </a:solidFill>
-                <a:uFill>
-                  <a:solidFill>
-                    <a:srgbClr val="ffffff"/>
+              <a:rPr lang="en-US" sz="2800" b="1" strike="noStrike" spc="-1" dirty="0" smtClean="0">
+                <a:solidFill>
+                  <a:srgbClr val="FFFFFF"/>
+                </a:solidFill>
+                <a:uFill>
+                  <a:solidFill>
+                    <a:srgbClr val="FFFFFF"/>
                   </a:solidFill>
                 </a:uFill>
                 <a:latin typeface="Raleway"/>
                 <a:ea typeface="Raleway"/>
               </a:rPr>
-              <a:t>To Profile on Embedded Device</a:t>
-            </a:r>
-            <a:endParaRPr b="0" lang="en-US" sz="2800" spc="-1" strike="noStrike">
-              <a:solidFill>
-                <a:srgbClr val="000000"/>
-              </a:solidFill>
-              <a:uFill>
-                <a:solidFill>
-                  <a:srgbClr val="ffffff"/>
+              <a:t>Environment Variables</a:t>
+            </a:r>
+            <a:endParaRPr lang="en-US" sz="2800" b="0" strike="noStrike" spc="-1" dirty="0">
+              <a:solidFill>
+                <a:srgbClr val="000000"/>
+              </a:solidFill>
+              <a:uFill>
+                <a:solidFill>
+                  <a:srgbClr val="FFFFFF"/>
                 </a:solidFill>
               </a:uFill>
               <a:latin typeface="Arial"/>
@@ -5968,162 +7479,190 @@
         </p:spPr>
         <p:txBody>
           <a:bodyPr tIns="91440" bIns="91440"/>
-          <a:p>
-            <a:pPr>
+          <a:lstStyle/>
+          <a:p>
+            <a:pPr marL="285750" indent="-285750">
               <a:lnSpc>
                 <a:spcPct val="100000"/>
               </a:lnSpc>
               <a:spcAft>
                 <a:spcPts val="1599"/>
               </a:spcAft>
+              <a:buFont typeface="Arial" panose="020B0604020202020204" pitchFamily="34" charset="0"/>
+              <a:buChar char="•"/>
             </a:pPr>
             <a:r>
-              <a:rPr b="0" lang="en-US" sz="1800" spc="-1" strike="noStrike" u="sng">
-                <a:solidFill>
-                  <a:srgbClr val="0277bd"/>
-                </a:solidFill>
-                <a:uFill>
-                  <a:solidFill>
-                    <a:srgbClr val="ffffff"/>
-                  </a:solidFill>
-                </a:uFill>
-                <a:latin typeface="Lato"/>
-                <a:ea typeface="Lato"/>
-                <a:hlinkClick r:id="rId1"/>
-              </a:rPr>
-              <a:t>https://wiki.qt.io/How_To_Profile_QML_App_on_Embedded_Device</a:t>
-            </a:r>
-            <a:endParaRPr b="0" lang="en-US" sz="1800" spc="-1" strike="noStrike">
-              <a:solidFill>
-                <a:srgbClr val="000000"/>
-              </a:solidFill>
-              <a:uFill>
-                <a:solidFill>
-                  <a:srgbClr val="ffffff"/>
-                </a:solidFill>
-              </a:uFill>
-              <a:latin typeface="Arial"/>
-            </a:endParaRPr>
-          </a:p>
-          <a:p>
-            <a:pPr marL="457200" indent="-228240">
+              <a:rPr lang="en-US" spc="-1" dirty="0" smtClean="0">
+                <a:solidFill>
+                  <a:srgbClr val="000000"/>
+                </a:solidFill>
+                <a:uFill>
+                  <a:solidFill>
+                    <a:srgbClr val="FFFFFF"/>
+                  </a:solidFill>
+                </a:uFill>
+              </a:rPr>
+              <a:t>QSG_VISUALIZE</a:t>
+            </a:r>
+            <a:endParaRPr lang="en-US" spc="-1" dirty="0">
+              <a:solidFill>
+                <a:srgbClr val="000000"/>
+              </a:solidFill>
+              <a:uFill>
+                <a:solidFill>
+                  <a:srgbClr val="FFFFFF"/>
+                </a:solidFill>
+              </a:uFill>
+            </a:endParaRPr>
+          </a:p>
+          <a:p>
+            <a:pPr marL="742950" lvl="1" indent="-285750">
+              <a:spcAft>
+                <a:spcPts val="1599"/>
+              </a:spcAft>
+              <a:buFont typeface="Arial" panose="020B0604020202020204" pitchFamily="34" charset="0"/>
+              <a:buChar char="•"/>
+            </a:pPr>
+            <a:r>
+              <a:rPr lang="en-US" spc="-1" dirty="0" smtClean="0">
+                <a:solidFill>
+                  <a:srgbClr val="000000"/>
+                </a:solidFill>
+                <a:uFill>
+                  <a:solidFill>
+                    <a:srgbClr val="FFFFFF"/>
+                  </a:solidFill>
+                </a:uFill>
+              </a:rPr>
+              <a:t>Values: batches, clip, changes, overdraw</a:t>
+            </a:r>
+          </a:p>
+          <a:p>
+            <a:pPr marL="285750" indent="-285750">
               <a:lnSpc>
                 <a:spcPct val="100000"/>
               </a:lnSpc>
               <a:spcAft>
                 <a:spcPts val="1599"/>
               </a:spcAft>
+              <a:buFont typeface="Arial" panose="020B0604020202020204" pitchFamily="34" charset="0"/>
+              <a:buChar char="•"/>
             </a:pPr>
             <a:r>
-              <a:rPr b="0" lang="en-US" sz="1800" spc="-1" strike="noStrike">
-                <a:solidFill>
-                  <a:srgbClr val="616161"/>
-                </a:solidFill>
-                <a:uFill>
-                  <a:solidFill>
-                    <a:srgbClr val="ffffff"/>
-                  </a:solidFill>
-                </a:uFill>
-                <a:latin typeface="Lato"/>
-                <a:ea typeface="Lato"/>
-              </a:rPr>
-              <a:t>Device needs Qt build at same location specified in configure “prefix”.</a:t>
-            </a:r>
-            <a:br/>
-            <a:r>
-              <a:rPr b="0" lang="en-US" sz="1800" spc="-1" strike="noStrike">
-                <a:solidFill>
-                  <a:srgbClr val="616161"/>
-                </a:solidFill>
-                <a:uFill>
-                  <a:solidFill>
-                    <a:srgbClr val="ffffff"/>
-                  </a:solidFill>
-                </a:uFill>
-                <a:latin typeface="Lato"/>
-                <a:ea typeface="Lato"/>
-              </a:rPr>
-              <a:t>“-prefix /usr/local/qt-48x-emb” contents must be found at target’s  “/usr/local/qt-48x-emb” folder.</a:t>
-            </a:r>
-            <a:endParaRPr b="0" lang="en-US" sz="1800" spc="-1" strike="noStrike">
-              <a:solidFill>
-                <a:srgbClr val="000000"/>
-              </a:solidFill>
-              <a:uFill>
-                <a:solidFill>
-                  <a:srgbClr val="ffffff"/>
-                </a:solidFill>
-              </a:uFill>
-              <a:latin typeface="Arial"/>
-            </a:endParaRPr>
-          </a:p>
-          <a:p>
-            <a:pPr marL="457200" indent="-228240">
+              <a:rPr lang="en-US" spc="-1" dirty="0" smtClean="0">
+                <a:solidFill>
+                  <a:srgbClr val="000000"/>
+                </a:solidFill>
+                <a:uFill>
+                  <a:solidFill>
+                    <a:srgbClr val="FFFFFF"/>
+                  </a:solidFill>
+                </a:uFill>
+              </a:rPr>
+              <a:t>QSG_RENDERER_DEBUG=render</a:t>
+            </a:r>
+            <a:endParaRPr lang="en-US" spc="-1" dirty="0">
+              <a:solidFill>
+                <a:srgbClr val="000000"/>
+              </a:solidFill>
+              <a:uFill>
+                <a:solidFill>
+                  <a:srgbClr val="FFFFFF"/>
+                </a:solidFill>
+              </a:uFill>
+            </a:endParaRPr>
+          </a:p>
+          <a:p>
+            <a:pPr marL="285750" indent="-285750">
               <a:lnSpc>
                 <a:spcPct val="100000"/>
               </a:lnSpc>
               <a:spcAft>
                 <a:spcPts val="1599"/>
               </a:spcAft>
+              <a:buFont typeface="Arial" panose="020B0604020202020204" pitchFamily="34" charset="0"/>
+              <a:buChar char="•"/>
             </a:pPr>
             <a:r>
-              <a:rPr b="0" lang="en-US" sz="1800" spc="-1" strike="noStrike">
-                <a:solidFill>
-                  <a:srgbClr val="616161"/>
-                </a:solidFill>
-                <a:uFill>
-                  <a:solidFill>
-                    <a:srgbClr val="ffffff"/>
-                  </a:solidFill>
-                </a:uFill>
-                <a:latin typeface="Lato"/>
-                <a:ea typeface="Lato"/>
-              </a:rPr>
-              <a:t>App must use same toolchain as Qt build.</a:t>
-            </a:r>
-            <a:endParaRPr b="0" lang="en-US" sz="1800" spc="-1" strike="noStrike">
-              <a:solidFill>
-                <a:srgbClr val="000000"/>
-              </a:solidFill>
-              <a:uFill>
-                <a:solidFill>
-                  <a:srgbClr val="ffffff"/>
-                </a:solidFill>
-              </a:uFill>
-              <a:latin typeface="Arial"/>
-            </a:endParaRPr>
-          </a:p>
-          <a:p>
-            <a:pPr marL="457200" indent="-228240">
+              <a:rPr lang="en-US" spc="-1" dirty="0" smtClean="0">
+                <a:solidFill>
+                  <a:srgbClr val="000000"/>
+                </a:solidFill>
+                <a:uFill>
+                  <a:solidFill>
+                    <a:srgbClr val="FFFFFF"/>
+                  </a:solidFill>
+                </a:uFill>
+              </a:rPr>
+              <a:t>QSG_RENDER_TIMING=timing</a:t>
+            </a:r>
+          </a:p>
+          <a:p>
+            <a:pPr marL="285750" indent="-285750">
               <a:lnSpc>
                 <a:spcPct val="100000"/>
               </a:lnSpc>
               <a:spcAft>
                 <a:spcPts val="1599"/>
               </a:spcAft>
+              <a:buFont typeface="Arial" panose="020B0604020202020204" pitchFamily="34" charset="0"/>
+              <a:buChar char="•"/>
             </a:pPr>
             <a:r>
-              <a:rPr b="0" lang="en-US" sz="1800" spc="-1" strike="noStrike">
-                <a:solidFill>
-                  <a:srgbClr val="616161"/>
-                </a:solidFill>
-                <a:uFill>
-                  <a:solidFill>
-                    <a:srgbClr val="ffffff"/>
-                  </a:solidFill>
-                </a:uFill>
-                <a:latin typeface="Lato"/>
-                <a:ea typeface="Lato"/>
-              </a:rPr>
-              <a:t>More requirements on wiki page...</a:t>
-            </a:r>
-            <a:endParaRPr b="0" lang="en-US" sz="1800" spc="-1" strike="noStrike">
-              <a:solidFill>
-                <a:srgbClr val="000000"/>
-              </a:solidFill>
-              <a:uFill>
-                <a:solidFill>
-                  <a:srgbClr val="ffffff"/>
+              <a:rPr lang="en-US" spc="-1" dirty="0" smtClean="0">
+                <a:solidFill>
+                  <a:srgbClr val="000000"/>
+                </a:solidFill>
+                <a:uFill>
+                  <a:solidFill>
+                    <a:srgbClr val="FFFFFF"/>
+                  </a:solidFill>
+                </a:uFill>
+              </a:rPr>
+              <a:t>QSG_RENDER_LOOP</a:t>
+            </a:r>
+          </a:p>
+          <a:p>
+            <a:pPr marL="742950" lvl="1" indent="-285750">
+              <a:spcAft>
+                <a:spcPts val="1599"/>
+              </a:spcAft>
+              <a:buFont typeface="Arial" panose="020B0604020202020204" pitchFamily="34" charset="0"/>
+              <a:buChar char="•"/>
+            </a:pPr>
+            <a:r>
+              <a:rPr lang="en-US" spc="-1" dirty="0" smtClean="0">
+                <a:solidFill>
+                  <a:srgbClr val="000000"/>
+                </a:solidFill>
+                <a:uFill>
+                  <a:solidFill>
+                    <a:srgbClr val="FFFFFF"/>
+                  </a:solidFill>
+                </a:uFill>
+              </a:rPr>
+              <a:t>Values: basic</a:t>
+            </a:r>
+            <a:r>
+              <a:rPr lang="en-US" spc="-1" dirty="0">
+                <a:solidFill>
+                  <a:srgbClr val="000000"/>
+                </a:solidFill>
+                <a:uFill>
+                  <a:solidFill>
+                    <a:srgbClr val="FFFFFF"/>
+                  </a:solidFill>
+                </a:uFill>
+              </a:rPr>
+              <a:t>, windows, threaded</a:t>
+            </a:r>
+            <a:endParaRPr lang="en-US" b="0" strike="noStrike" spc="-1" dirty="0">
+              <a:solidFill>
+                <a:srgbClr val="000000"/>
+              </a:solidFill>
+              <a:uFill>
+                <a:solidFill>
+                  <a:srgbClr val="FFFFFF"/>
                 </a:solidFill>
               </a:uFill>
               <a:latin typeface="Arial"/>
@@ -6132,23 +7671,31 @@
         </p:txBody>
       </p:sp>
     </p:spTree>
+    <p:extLst>
+      <p:ext uri="{BB962C8B-B14F-4D97-AF65-F5344CB8AC3E}">
+        <p14:creationId xmlns:p14="http://schemas.microsoft.com/office/powerpoint/2010/main" val="1132974506"/>
+      </p:ext>
+    </p:extLst>
   </p:cSld>
+  <p:clrMapOvr>
+    <a:masterClrMapping/>
+  </p:clrMapOvr>
   <p:timing>
     <p:tnLst>
       <p:par>
-        <p:cTn id="7" dur="indefinite" restart="never" nodeType="tmRoot">
+        <p:cTn id="1" dur="indefinite" restart="never" nodeType="tmRoot">
           <p:childTnLst>
             <p:seq>
-              <p:cTn id="8" nodeType="mainSeq"/>
+              <p:cTn id="2" nodeType="mainSeq"/>
               <p:prevCondLst>
-                <p:cond delay="0" evt="onPrev">
+                <p:cond evt="onPrev" delay="0">
                   <p:tgtEl>
                     <p:sldTgt/>
                   </p:tgtEl>
                 </p:cond>
               </p:prevCondLst>
               <p:nextCondLst>
-                <p:cond delay="0" evt="onNext">
+                <p:cond evt="onNext" delay="0">
                   <p:tgtEl>
                     <p:sldTgt/>
                   </p:tgtEl>
@@ -6164,7 +7711,7 @@
 </file>
 
 <file path=ppt/slides/slide5.xml><?xml version="1.0" encoding="utf-8"?>
-<p:sld xmlns:a="http://schemas.openxmlformats.org/drawingml/2006/main" xmlns:p="http://schemas.openxmlformats.org/presentationml/2006/main" xmlns:r="http://schemas.openxmlformats.org/officeDocument/2006/relationships" xmlns:p14="http://schemas.microsoft.com/office/powerpoint/2010/main" xmlns:p15="http://schemas.microsoft.com/office/powerpoint/2012/main" xmlns:mc="http://schemas.openxmlformats.org/markup-compatibility/2006">
+<p:sld xmlns:a="http://schemas.openxmlformats.org/drawingml/2006/main" xmlns:r="http://schemas.openxmlformats.org/officeDocument/2006/relationships" xmlns:p="http://schemas.openxmlformats.org/presentationml/2006/main">
   <p:cSld>
     <p:spTree>
       <p:nvGrpSpPr>
@@ -6182,14 +7729,14 @@
       </p:grpSpPr>
       <p:sp>
         <p:nvSpPr>
-          <p:cNvPr id="94" name="TextShape 1"/>
+          <p:cNvPr id="92" name="TextShape 1"/>
           <p:cNvSpPr txBox="1"/>
           <p:nvPr/>
         </p:nvSpPr>
         <p:spPr>
           <a:xfrm>
             <a:off x="324360" y="148320"/>
-            <a:ext cx="5244480" cy="1373400"/>
+            <a:ext cx="5595840" cy="1373400"/>
           </a:xfrm>
           <a:prstGeom prst="rect">
             <a:avLst/>
@@ -6201,6 +7748,7 @@
         </p:spPr>
         <p:txBody>
           <a:bodyPr tIns="91440" bIns="91440" anchor="b"/>
+          <a:lstStyle/>
           <a:p>
             <a:pPr>
               <a:lnSpc>
@@ -6208,53 +7756,37 @@
               </a:lnSpc>
             </a:pPr>
             <a:r>
-              <a:rPr b="1" lang="en-US" sz="2800" spc="-1" strike="noStrike">
-                <a:solidFill>
-                  <a:srgbClr val="ffffff"/>
-                </a:solidFill>
-                <a:uFill>
-                  <a:solidFill>
-                    <a:srgbClr val="ffffff"/>
+              <a:rPr lang="en-US" sz="2800" b="1" strike="noStrike" spc="-1" dirty="0" smtClean="0">
+                <a:solidFill>
+                  <a:srgbClr val="FFFFFF"/>
+                </a:solidFill>
+                <a:uFill>
+                  <a:solidFill>
+                    <a:srgbClr val="FFFFFF"/>
                   </a:solidFill>
                 </a:uFill>
                 <a:latin typeface="Raleway"/>
                 <a:ea typeface="Raleway"/>
               </a:rPr>
-              <a:t>Environment Variables:</a:t>
-            </a:r>
-            <a:br/>
-            <a:r>
-              <a:rPr b="1" lang="en-US" sz="2800" spc="-1" strike="noStrike">
-                <a:solidFill>
-                  <a:srgbClr val="ffffff"/>
-                </a:solidFill>
-                <a:uFill>
-                  <a:solidFill>
-                    <a:srgbClr val="ffffff"/>
-                  </a:solidFill>
-                </a:uFill>
-                <a:latin typeface="Raleway"/>
-                <a:ea typeface="Raleway"/>
-              </a:rPr>
-              <a:t>QSG_VISUALIZE=batches</a:t>
-            </a:r>
-            <a:endParaRPr b="0" lang="en-US" sz="2800" spc="-1" strike="noStrike">
-              <a:solidFill>
-                <a:srgbClr val="000000"/>
-              </a:solidFill>
-              <a:uFill>
-                <a:solidFill>
-                  <a:srgbClr val="ffffff"/>
-                </a:solidFill>
-              </a:uFill>
-              <a:latin typeface="Arial"/>
-            </a:endParaRPr>
-          </a:p>
-        </p:txBody>
-      </p:sp>
-      <p:sp>
-        <p:nvSpPr>
-          <p:cNvPr id="95" name="TextShape 2"/>
+              <a:t>Environment Variables</a:t>
+            </a:r>
+            <a:endParaRPr lang="en-US" sz="2800" b="0" strike="noStrike" spc="-1" dirty="0">
+              <a:solidFill>
+                <a:srgbClr val="000000"/>
+              </a:solidFill>
+              <a:uFill>
+                <a:solidFill>
+                  <a:srgbClr val="FFFFFF"/>
+                </a:solidFill>
+              </a:uFill>
+              <a:latin typeface="Arial"/>
+            </a:endParaRPr>
+          </a:p>
+        </p:txBody>
+      </p:sp>
+      <p:sp>
+        <p:nvSpPr>
+          <p:cNvPr id="93" name="TextShape 2"/>
           <p:cNvSpPr txBox="1"/>
           <p:nvPr/>
         </p:nvSpPr>
@@ -6273,6 +7805,7 @@
         </p:spPr>
         <p:txBody>
           <a:bodyPr tIns="91440" bIns="91440"/>
+          <a:lstStyle/>
           <a:p>
             <a:pPr>
               <a:lnSpc>
@@ -6283,35 +7816,57 @@
               </a:spcAft>
             </a:pPr>
             <a:r>
-              <a:rPr b="0" lang="en-US" sz="1600" spc="-1" strike="noStrike" u="sng">
-                <a:solidFill>
-                  <a:srgbClr val="0277bd"/>
-                </a:solidFill>
-                <a:uFill>
-                  <a:solidFill>
-                    <a:srgbClr val="ffffff"/>
-                  </a:solidFill>
-                </a:uFill>
-                <a:latin typeface="Lato"/>
-                <a:ea typeface="Lato"/>
-                <a:hlinkClick r:id="rId1"/>
-              </a:rPr>
-              <a:t>http://doc.qt.io/qt-5/qtquick-visualcanvas-scenegraph-renderer.html#visualizing-batches</a:t>
-            </a:r>
-            <a:endParaRPr b="0" lang="en-US" sz="1600" spc="-1" strike="noStrike">
-              <a:solidFill>
-                <a:srgbClr val="000000"/>
-              </a:solidFill>
-              <a:uFill>
-                <a:solidFill>
-                  <a:srgbClr val="ffffff"/>
-                </a:solidFill>
-              </a:uFill>
-              <a:latin typeface="Arial"/>
-            </a:endParaRPr>
-          </a:p>
-          <a:p>
-            <a:pPr marL="457200" indent="-228240">
+              <a:rPr lang="en-US" spc="-1" dirty="0" smtClean="0">
+                <a:solidFill>
+                  <a:srgbClr val="000000"/>
+                </a:solidFill>
+                <a:uFill>
+                  <a:solidFill>
+                    <a:srgbClr val="FFFFFF"/>
+                  </a:solidFill>
+                </a:uFill>
+              </a:rPr>
+              <a:t>See </a:t>
+            </a:r>
+            <a:r>
+              <a:rPr lang="en-US" spc="-1" smtClean="0">
+                <a:solidFill>
+                  <a:srgbClr val="000000"/>
+                </a:solidFill>
+                <a:uFill>
+                  <a:solidFill>
+                    <a:srgbClr val="FFFFFF"/>
+                  </a:solidFill>
+                </a:uFill>
+              </a:rPr>
+              <a:t>PerformanceTest</a:t>
+            </a:r>
+            <a:r>
+              <a:rPr lang="en-US" spc="-1" dirty="0" smtClean="0">
+                <a:solidFill>
+                  <a:srgbClr val="000000"/>
+                </a:solidFill>
+                <a:uFill>
+                  <a:solidFill>
+                    <a:srgbClr val="FFFFFF"/>
+                  </a:solidFill>
+                </a:uFill>
+              </a:rPr>
+              <a:t>/main.cpp line 7</a:t>
+            </a:r>
+            <a:endParaRPr lang="en-US" spc="-1" dirty="0">
+              <a:solidFill>
+                <a:srgbClr val="000000"/>
+              </a:solidFill>
+              <a:uFill>
+                <a:solidFill>
+                  <a:srgbClr val="FFFFFF"/>
+                </a:solidFill>
+              </a:uFill>
+            </a:endParaRPr>
+          </a:p>
+          <a:p>
+            <a:pPr>
               <a:lnSpc>
                 <a:spcPct val="100000"/>
               </a:lnSpc>
@@ -6320,62 +7875,296 @@
               </a:spcAft>
             </a:pPr>
             <a:r>
-              <a:rPr b="0" lang="en-US" sz="1800" spc="-1" strike="noStrike">
-                <a:solidFill>
-                  <a:srgbClr val="616161"/>
-                </a:solidFill>
-                <a:uFill>
-                  <a:solidFill>
-                    <a:srgbClr val="ffffff"/>
-                  </a:solidFill>
-                </a:uFill>
-                <a:latin typeface="Lato"/>
-                <a:ea typeface="Lato"/>
-              </a:rPr>
-              <a:t>Merged batches are drawn in a solid color.</a:t>
-            </a:r>
-            <a:endParaRPr b="0" lang="en-US" sz="1800" spc="-1" strike="noStrike">
-              <a:solidFill>
-                <a:srgbClr val="000000"/>
-              </a:solidFill>
-              <a:uFill>
-                <a:solidFill>
-                  <a:srgbClr val="ffffff"/>
-                </a:solidFill>
-              </a:uFill>
-              <a:latin typeface="Arial"/>
-            </a:endParaRPr>
-          </a:p>
-          <a:p>
-            <a:r>
-              <a:rPr b="0" lang="en-US" sz="1400" spc="-1" strike="noStrike">
-                <a:solidFill>
-                  <a:srgbClr val="616161"/>
-                </a:solidFill>
-                <a:uFill>
-                  <a:solidFill>
-                    <a:srgbClr val="ffffff"/>
-                  </a:solidFill>
-                </a:uFill>
-                <a:latin typeface="Lato"/>
-                <a:ea typeface="Lato"/>
-              </a:rPr>
-              <a:t>Fewer colors is better</a:t>
-            </a:r>
-            <a:endParaRPr b="0" lang="en-US" sz="1400" spc="-1" strike="noStrike">
-              <a:solidFill>
-                <a:srgbClr val="000000"/>
-              </a:solidFill>
-              <a:uFill>
-                <a:solidFill>
-                  <a:srgbClr val="ffffff"/>
-                </a:solidFill>
-              </a:uFill>
-              <a:latin typeface="Arial"/>
-            </a:endParaRPr>
-          </a:p>
-          <a:p>
-            <a:pPr marL="457200" indent="-228240">
+              <a:rPr lang="en-US" spc="-1" dirty="0" smtClean="0">
+                <a:solidFill>
+                  <a:srgbClr val="000000"/>
+                </a:solidFill>
+                <a:uFill>
+                  <a:solidFill>
+                    <a:srgbClr val="FFFFFF"/>
+                  </a:solidFill>
+                </a:uFill>
+              </a:rPr>
+              <a:t>Uncomment in see impact:</a:t>
+            </a:r>
+          </a:p>
+          <a:p>
+            <a:pPr>
+              <a:lnSpc>
+                <a:spcPct val="100000"/>
+              </a:lnSpc>
+            </a:pPr>
+            <a:r>
+              <a:rPr lang="en-US" spc="-1" dirty="0" smtClean="0">
+                <a:solidFill>
+                  <a:srgbClr val="00B050"/>
+                </a:solidFill>
+                <a:uFill>
+                  <a:solidFill>
+                    <a:srgbClr val="FFFFFF"/>
+                  </a:solidFill>
+                </a:uFill>
+                <a:latin typeface="Consolas" panose="020B0609020204030204" pitchFamily="49" charset="0"/>
+                <a:cs typeface="Consolas" panose="020B0609020204030204" pitchFamily="49" charset="0"/>
+              </a:rPr>
+              <a:t>//    </a:t>
+            </a:r>
+            <a:r>
+              <a:rPr lang="en-US" spc="-1" dirty="0" err="1" smtClean="0">
+                <a:solidFill>
+                  <a:srgbClr val="00B050"/>
+                </a:solidFill>
+                <a:uFill>
+                  <a:solidFill>
+                    <a:srgbClr val="FFFFFF"/>
+                  </a:solidFill>
+                </a:uFill>
+                <a:latin typeface="Consolas" panose="020B0609020204030204" pitchFamily="49" charset="0"/>
+                <a:cs typeface="Consolas" panose="020B0609020204030204" pitchFamily="49" charset="0"/>
+              </a:rPr>
+              <a:t>qputenv</a:t>
+            </a:r>
+            <a:r>
+              <a:rPr lang="en-US" spc="-1" dirty="0" smtClean="0">
+                <a:solidFill>
+                  <a:srgbClr val="00B050"/>
+                </a:solidFill>
+                <a:uFill>
+                  <a:solidFill>
+                    <a:srgbClr val="FFFFFF"/>
+                  </a:solidFill>
+                </a:uFill>
+                <a:latin typeface="Consolas" panose="020B0609020204030204" pitchFamily="49" charset="0"/>
+                <a:cs typeface="Consolas" panose="020B0609020204030204" pitchFamily="49" charset="0"/>
+              </a:rPr>
+              <a:t>("QSG_VISUALIZE", "batches");</a:t>
+            </a:r>
+          </a:p>
+          <a:p>
+            <a:pPr>
+              <a:lnSpc>
+                <a:spcPct val="100000"/>
+              </a:lnSpc>
+            </a:pPr>
+            <a:r>
+              <a:rPr lang="en-US" spc="-1" dirty="0" smtClean="0">
+                <a:solidFill>
+                  <a:srgbClr val="00B050"/>
+                </a:solidFill>
+                <a:uFill>
+                  <a:solidFill>
+                    <a:srgbClr val="FFFFFF"/>
+                  </a:solidFill>
+                </a:uFill>
+                <a:latin typeface="Consolas" panose="020B0609020204030204" pitchFamily="49" charset="0"/>
+                <a:cs typeface="Consolas" panose="020B0609020204030204" pitchFamily="49" charset="0"/>
+              </a:rPr>
+              <a:t>//    </a:t>
+            </a:r>
+            <a:r>
+              <a:rPr lang="en-US" spc="-1" dirty="0" err="1" smtClean="0">
+                <a:solidFill>
+                  <a:srgbClr val="00B050"/>
+                </a:solidFill>
+                <a:uFill>
+                  <a:solidFill>
+                    <a:srgbClr val="FFFFFF"/>
+                  </a:solidFill>
+                </a:uFill>
+                <a:latin typeface="Consolas" panose="020B0609020204030204" pitchFamily="49" charset="0"/>
+                <a:cs typeface="Consolas" panose="020B0609020204030204" pitchFamily="49" charset="0"/>
+              </a:rPr>
+              <a:t>qputenv</a:t>
+            </a:r>
+            <a:r>
+              <a:rPr lang="en-US" spc="-1" dirty="0" smtClean="0">
+                <a:solidFill>
+                  <a:srgbClr val="00B050"/>
+                </a:solidFill>
+                <a:uFill>
+                  <a:solidFill>
+                    <a:srgbClr val="FFFFFF"/>
+                  </a:solidFill>
+                </a:uFill>
+                <a:latin typeface="Consolas" panose="020B0609020204030204" pitchFamily="49" charset="0"/>
+                <a:cs typeface="Consolas" panose="020B0609020204030204" pitchFamily="49" charset="0"/>
+              </a:rPr>
+              <a:t>("QSG_VISUALIZE", "clip");</a:t>
+            </a:r>
+          </a:p>
+          <a:p>
+            <a:pPr>
+              <a:lnSpc>
+                <a:spcPct val="100000"/>
+              </a:lnSpc>
+            </a:pPr>
+            <a:r>
+              <a:rPr lang="en-US" spc="-1" dirty="0" smtClean="0">
+                <a:solidFill>
+                  <a:srgbClr val="00B050"/>
+                </a:solidFill>
+                <a:uFill>
+                  <a:solidFill>
+                    <a:srgbClr val="FFFFFF"/>
+                  </a:solidFill>
+                </a:uFill>
+                <a:latin typeface="Consolas" panose="020B0609020204030204" pitchFamily="49" charset="0"/>
+                <a:cs typeface="Consolas" panose="020B0609020204030204" pitchFamily="49" charset="0"/>
+              </a:rPr>
+              <a:t>//    </a:t>
+            </a:r>
+            <a:r>
+              <a:rPr lang="en-US" spc="-1" dirty="0" err="1" smtClean="0">
+                <a:solidFill>
+                  <a:srgbClr val="00B050"/>
+                </a:solidFill>
+                <a:uFill>
+                  <a:solidFill>
+                    <a:srgbClr val="FFFFFF"/>
+                  </a:solidFill>
+                </a:uFill>
+                <a:latin typeface="Consolas" panose="020B0609020204030204" pitchFamily="49" charset="0"/>
+                <a:cs typeface="Consolas" panose="020B0609020204030204" pitchFamily="49" charset="0"/>
+              </a:rPr>
+              <a:t>qputenv</a:t>
+            </a:r>
+            <a:r>
+              <a:rPr lang="en-US" spc="-1" dirty="0" smtClean="0">
+                <a:solidFill>
+                  <a:srgbClr val="00B050"/>
+                </a:solidFill>
+                <a:uFill>
+                  <a:solidFill>
+                    <a:srgbClr val="FFFFFF"/>
+                  </a:solidFill>
+                </a:uFill>
+                <a:latin typeface="Consolas" panose="020B0609020204030204" pitchFamily="49" charset="0"/>
+                <a:cs typeface="Consolas" panose="020B0609020204030204" pitchFamily="49" charset="0"/>
+              </a:rPr>
+              <a:t>("QSG_VISUALIZE", "changes");</a:t>
+            </a:r>
+          </a:p>
+          <a:p>
+            <a:pPr>
+              <a:lnSpc>
+                <a:spcPct val="100000"/>
+              </a:lnSpc>
+            </a:pPr>
+            <a:r>
+              <a:rPr lang="en-US" spc="-1" dirty="0">
+                <a:solidFill>
+                  <a:srgbClr val="000000"/>
+                </a:solidFill>
+                <a:uFill>
+                  <a:solidFill>
+                    <a:srgbClr val="FFFFFF"/>
+                  </a:solidFill>
+                </a:uFill>
+                <a:latin typeface="Consolas" panose="020B0609020204030204" pitchFamily="49" charset="0"/>
+                <a:cs typeface="Consolas" panose="020B0609020204030204" pitchFamily="49" charset="0"/>
+              </a:rPr>
+              <a:t> </a:t>
+            </a:r>
+            <a:r>
+              <a:rPr lang="en-US" spc="-1" dirty="0" smtClean="0">
+                <a:solidFill>
+                  <a:srgbClr val="000000"/>
+                </a:solidFill>
+                <a:uFill>
+                  <a:solidFill>
+                    <a:srgbClr val="FFFFFF"/>
+                  </a:solidFill>
+                </a:uFill>
+                <a:latin typeface="Consolas" panose="020B0609020204030204" pitchFamily="49" charset="0"/>
+                <a:cs typeface="Consolas" panose="020B0609020204030204" pitchFamily="49" charset="0"/>
+              </a:rPr>
+              <a:t>   </a:t>
+            </a:r>
+            <a:r>
+              <a:rPr lang="en-US" spc="-1" dirty="0" err="1" smtClean="0">
+                <a:solidFill>
+                  <a:srgbClr val="000000"/>
+                </a:solidFill>
+                <a:uFill>
+                  <a:solidFill>
+                    <a:srgbClr val="FFFFFF"/>
+                  </a:solidFill>
+                </a:uFill>
+                <a:latin typeface="Consolas" panose="020B0609020204030204" pitchFamily="49" charset="0"/>
+                <a:cs typeface="Consolas" panose="020B0609020204030204" pitchFamily="49" charset="0"/>
+              </a:rPr>
+              <a:t>qputenv</a:t>
+            </a:r>
+            <a:r>
+              <a:rPr lang="en-US" spc="-1" dirty="0" smtClean="0">
+                <a:solidFill>
+                  <a:srgbClr val="000000"/>
+                </a:solidFill>
+                <a:uFill>
+                  <a:solidFill>
+                    <a:srgbClr val="FFFFFF"/>
+                  </a:solidFill>
+                </a:uFill>
+                <a:latin typeface="Consolas" panose="020B0609020204030204" pitchFamily="49" charset="0"/>
+                <a:cs typeface="Consolas" panose="020B0609020204030204" pitchFamily="49" charset="0"/>
+              </a:rPr>
+              <a:t>("QSG_VISUALIZE", "overdraw");</a:t>
+            </a:r>
+          </a:p>
+          <a:p>
+            <a:pPr>
+              <a:lnSpc>
+                <a:spcPct val="100000"/>
+              </a:lnSpc>
+            </a:pPr>
+            <a:r>
+              <a:rPr lang="en-US" spc="-1" dirty="0" smtClean="0">
+                <a:solidFill>
+                  <a:srgbClr val="00B050"/>
+                </a:solidFill>
+                <a:uFill>
+                  <a:solidFill>
+                    <a:srgbClr val="FFFFFF"/>
+                  </a:solidFill>
+                </a:uFill>
+                <a:latin typeface="Consolas" panose="020B0609020204030204" pitchFamily="49" charset="0"/>
+                <a:cs typeface="Consolas" panose="020B0609020204030204" pitchFamily="49" charset="0"/>
+              </a:rPr>
+              <a:t>//    </a:t>
+            </a:r>
+            <a:r>
+              <a:rPr lang="en-US" spc="-1" dirty="0" err="1" smtClean="0">
+                <a:solidFill>
+                  <a:srgbClr val="00B050"/>
+                </a:solidFill>
+                <a:uFill>
+                  <a:solidFill>
+                    <a:srgbClr val="FFFFFF"/>
+                  </a:solidFill>
+                </a:uFill>
+                <a:latin typeface="Consolas" panose="020B0609020204030204" pitchFamily="49" charset="0"/>
+                <a:cs typeface="Consolas" panose="020B0609020204030204" pitchFamily="49" charset="0"/>
+              </a:rPr>
+              <a:t>qputenv</a:t>
+            </a:r>
+            <a:r>
+              <a:rPr lang="en-US" spc="-1" dirty="0" smtClean="0">
+                <a:solidFill>
+                  <a:srgbClr val="00B050"/>
+                </a:solidFill>
+                <a:uFill>
+                  <a:solidFill>
+                    <a:srgbClr val="FFFFFF"/>
+                  </a:solidFill>
+                </a:uFill>
+                <a:latin typeface="Consolas" panose="020B0609020204030204" pitchFamily="49" charset="0"/>
+                <a:cs typeface="Consolas" panose="020B0609020204030204" pitchFamily="49" charset="0"/>
+              </a:rPr>
+              <a:t>("QSG_RENDERER_DEBUG", "render");</a:t>
+            </a:r>
+          </a:p>
+          <a:p>
+            <a:pPr>
               <a:lnSpc>
                 <a:spcPct val="100000"/>
               </a:lnSpc>
@@ -6383,104 +8172,45 @@
                 <a:spcPts val="1599"/>
               </a:spcAft>
             </a:pPr>
-            <a:r>
-              <a:rPr b="0" lang="en-US" sz="1800" spc="-1" strike="noStrike">
-                <a:solidFill>
-                  <a:srgbClr val="616161"/>
-                </a:solidFill>
-                <a:uFill>
-                  <a:solidFill>
-                    <a:srgbClr val="ffffff"/>
-                  </a:solidFill>
-                </a:uFill>
-                <a:latin typeface="Lato"/>
-                <a:ea typeface="Lato"/>
-              </a:rPr>
-              <a:t>Unmerged batches are drawn with diagonal lines</a:t>
-            </a:r>
-            <a:endParaRPr b="0" lang="en-US" sz="1800" spc="-1" strike="noStrike">
-              <a:solidFill>
-                <a:srgbClr val="000000"/>
-              </a:solidFill>
-              <a:uFill>
-                <a:solidFill>
-                  <a:srgbClr val="ffffff"/>
-                </a:solidFill>
-              </a:uFill>
-              <a:latin typeface="Arial"/>
-            </a:endParaRPr>
-          </a:p>
-          <a:p>
-            <a:r>
-              <a:rPr b="0" lang="en-US" sz="1400" spc="-1" strike="noStrike">
-                <a:solidFill>
-                  <a:srgbClr val="616161"/>
-                </a:solidFill>
-                <a:uFill>
-                  <a:solidFill>
-                    <a:srgbClr val="ffffff"/>
-                  </a:solidFill>
-                </a:uFill>
-                <a:latin typeface="Lato"/>
-                <a:ea typeface="Lato"/>
-              </a:rPr>
-              <a:t>Bad if they contain many individual nodes</a:t>
-            </a:r>
-            <a:endParaRPr b="0" lang="en-US" sz="1400" spc="-1" strike="noStrike">
-              <a:solidFill>
-                <a:srgbClr val="000000"/>
-              </a:solidFill>
-              <a:uFill>
-                <a:solidFill>
-                  <a:srgbClr val="ffffff"/>
-                </a:solidFill>
-              </a:uFill>
-              <a:latin typeface="Arial"/>
-            </a:endParaRPr>
-          </a:p>
-        </p:txBody>
-      </p:sp>
-      <p:pic>
-        <p:nvPicPr>
-          <p:cNvPr id="96" name="Shape 101" descr=""/>
-          <p:cNvPicPr/>
-          <p:nvPr/>
-        </p:nvPicPr>
-        <p:blipFill>
-          <a:blip r:embed="rId2"/>
-          <a:stretch/>
-        </p:blipFill>
-        <p:spPr>
-          <a:xfrm>
-            <a:off x="6353640" y="2400480"/>
-            <a:ext cx="2418840" cy="2268000"/>
-          </a:xfrm>
-          <a:prstGeom prst="rect">
-            <a:avLst/>
-          </a:prstGeom>
-          <a:ln>
-            <a:noFill/>
-          </a:ln>
-        </p:spPr>
-      </p:pic>
+            <a:endParaRPr lang="en-US" spc="-1" dirty="0">
+              <a:solidFill>
+                <a:srgbClr val="00B050"/>
+              </a:solidFill>
+              <a:uFill>
+                <a:solidFill>
+                  <a:srgbClr val="FFFFFF"/>
+                </a:solidFill>
+              </a:uFill>
+            </a:endParaRPr>
+          </a:p>
+        </p:txBody>
+      </p:sp>
     </p:spTree>
+    <p:extLst>
+      <p:ext uri="{BB962C8B-B14F-4D97-AF65-F5344CB8AC3E}">
+        <p14:creationId xmlns:p14="http://schemas.microsoft.com/office/powerpoint/2010/main" val="280618304"/>
+      </p:ext>
+    </p:extLst>
   </p:cSld>
+  <p:clrMapOvr>
+    <a:masterClrMapping/>
+  </p:clrMapOvr>
   <p:timing>
     <p:tnLst>
       <p:par>
-        <p:cTn id="9" dur="indefinite" restart="never" nodeType="tmRoot">
+        <p:cTn id="1" dur="indefinite" restart="never" nodeType="tmRoot">
           <p:childTnLst>
             <p:seq>
-              <p:cTn id="10" nodeType="mainSeq"/>
+              <p:cTn id="2" nodeType="mainSeq"/>
               <p:prevCondLst>
-                <p:cond delay="0" evt="onPrev">
+                <p:cond evt="onPrev" delay="0">
                   <p:tgtEl>
                     <p:sldTgt/>
                   </p:tgtEl>
                 </p:cond>
               </p:prevCondLst>
               <p:nextCondLst>
-                <p:cond delay="0" evt="onNext">
+                <p:cond evt="onNext" delay="0">
                   <p:tgtEl>
                     <p:sldTgt/>
                   </p:tgtEl>
@@ -6496,7 +8226,7 @@
 </file>
 
 <file path=ppt/slides/slide6.xml><?xml version="1.0" encoding="utf-8"?>
-<p:sld xmlns:a="http://schemas.openxmlformats.org/drawingml/2006/main" xmlns:p="http://schemas.openxmlformats.org/presentationml/2006/main" xmlns:r="http://schemas.openxmlformats.org/officeDocument/2006/relationships" xmlns:p14="http://schemas.microsoft.com/office/powerpoint/2010/main" xmlns:p15="http://schemas.microsoft.com/office/powerpoint/2012/main" xmlns:mc="http://schemas.openxmlformats.org/markup-compatibility/2006">
+<p:sld xmlns:a="http://schemas.openxmlformats.org/drawingml/2006/main" xmlns:r="http://schemas.openxmlformats.org/officeDocument/2006/relationships" xmlns:p="http://schemas.openxmlformats.org/presentationml/2006/main">
   <p:cSld>
     <p:spTree>
       <p:nvGrpSpPr>
@@ -6514,14 +8244,14 @@
       </p:grpSpPr>
       <p:sp>
         <p:nvSpPr>
-          <p:cNvPr id="97" name="TextShape 1"/>
+          <p:cNvPr id="94" name="TextShape 1"/>
           <p:cNvSpPr txBox="1"/>
           <p:nvPr/>
         </p:nvSpPr>
         <p:spPr>
           <a:xfrm>
-            <a:off x="324360" y="1920600"/>
-            <a:ext cx="8494560" cy="2703960"/>
+            <a:off x="324360" y="148320"/>
+            <a:ext cx="5244480" cy="1373400"/>
           </a:xfrm>
           <a:prstGeom prst="rect">
             <a:avLst/>
@@ -6532,7 +8262,65 @@
           </a:ln>
         </p:spPr>
         <p:txBody>
+          <a:bodyPr tIns="91440" bIns="91440" anchor="b"/>
+          <a:lstStyle/>
+          <a:p>
+            <a:pPr>
+              <a:lnSpc>
+                <a:spcPct val="100000"/>
+              </a:lnSpc>
+            </a:pPr>
+            <a:r>
+              <a:rPr lang="en-US" sz="2800" b="1" strike="noStrike" spc="-1" dirty="0" smtClean="0">
+                <a:solidFill>
+                  <a:srgbClr val="FFFFFF"/>
+                </a:solidFill>
+                <a:uFill>
+                  <a:solidFill>
+                    <a:srgbClr val="FFFFFF"/>
+                  </a:solidFill>
+                </a:uFill>
+                <a:latin typeface="Raleway"/>
+                <a:ea typeface="Raleway"/>
+              </a:rPr>
+              <a:t>QSG_VISUALIZE=batches</a:t>
+            </a:r>
+            <a:endParaRPr lang="en-US" sz="2800" b="0" strike="noStrike" spc="-1" dirty="0">
+              <a:solidFill>
+                <a:srgbClr val="000000"/>
+              </a:solidFill>
+              <a:uFill>
+                <a:solidFill>
+                  <a:srgbClr val="FFFFFF"/>
+                </a:solidFill>
+              </a:uFill>
+              <a:latin typeface="Arial"/>
+            </a:endParaRPr>
+          </a:p>
+        </p:txBody>
+      </p:sp>
+      <p:sp>
+        <p:nvSpPr>
+          <p:cNvPr id="95" name="TextShape 2"/>
+          <p:cNvSpPr txBox="1"/>
+          <p:nvPr/>
+        </p:nvSpPr>
+        <p:spPr>
+          <a:xfrm>
+            <a:off x="324360" y="1920600"/>
+            <a:ext cx="8494560" cy="2703960"/>
+          </a:xfrm>
+          <a:prstGeom prst="rect">
+            <a:avLst/>
+          </a:prstGeom>
+          <a:noFill/>
+          <a:ln>
+            <a:noFill/>
+          </a:ln>
+        </p:spPr>
+        <p:txBody>
           <a:bodyPr tIns="91440" bIns="91440"/>
+          <a:lstStyle/>
           <a:p>
             <a:pPr>
               <a:lnSpc>
@@ -6543,28 +8331,91 @@
               </a:spcAft>
             </a:pPr>
             <a:r>
-              <a:rPr b="0" lang="en-US" sz="1600" spc="-1" strike="noStrike" u="sng">
-                <a:solidFill>
-                  <a:srgbClr val="0277bd"/>
-                </a:solidFill>
-                <a:uFill>
-                  <a:solidFill>
-                    <a:srgbClr val="ffffff"/>
+              <a:rPr lang="en-US" b="0" u="sng" strike="noStrike" spc="-1" dirty="0">
+                <a:solidFill>
+                  <a:srgbClr val="0277BD"/>
+                </a:solidFill>
+                <a:uFill>
+                  <a:solidFill>
+                    <a:srgbClr val="FFFFFF"/>
                   </a:solidFill>
                 </a:uFill>
                 <a:latin typeface="Lato"/>
                 <a:ea typeface="Lato"/>
-                <a:hlinkClick r:id="rId1"/>
-              </a:rPr>
-              <a:t>http://doc.qt.io/qt-5/qtquick-visualcanvas-scenegraph-renderer.html#visualizing-clipping</a:t>
-            </a:r>
-            <a:endParaRPr b="0" lang="en-US" sz="1600" spc="-1" strike="noStrike">
-              <a:solidFill>
-                <a:srgbClr val="000000"/>
-              </a:solidFill>
-              <a:uFill>
-                <a:solidFill>
-                  <a:srgbClr val="ffffff"/>
+                <a:hlinkClick r:id="rId2"/>
+              </a:rPr>
+              <a:t>http://</a:t>
+            </a:r>
+            <a:r>
+              <a:rPr lang="en-US" b="0" u="sng" strike="noStrike" spc="-1" dirty="0" smtClean="0">
+                <a:solidFill>
+                  <a:srgbClr val="0277BD"/>
+                </a:solidFill>
+                <a:uFill>
+                  <a:solidFill>
+                    <a:srgbClr val="FFFFFF"/>
+                  </a:solidFill>
+                </a:uFill>
+                <a:latin typeface="Lato"/>
+                <a:ea typeface="Lato"/>
+                <a:hlinkClick r:id="rId2"/>
+              </a:rPr>
+              <a:t>doc.qt.io/qt-5/qtquick-visualcanvas-scenegraph-renderer.html</a:t>
+            </a:r>
+            <a:br>
+              <a:rPr lang="en-US" b="0" u="sng" strike="noStrike" spc="-1" dirty="0" smtClean="0">
+                <a:solidFill>
+                  <a:srgbClr val="0277BD"/>
+                </a:solidFill>
+                <a:uFill>
+                  <a:solidFill>
+                    <a:srgbClr val="FFFFFF"/>
+                  </a:solidFill>
+                </a:uFill>
+                <a:latin typeface="Lato"/>
+                <a:ea typeface="Lato"/>
+                <a:hlinkClick r:id="rId2"/>
+              </a:rPr>
+            </a:br>
+            <a:r>
+              <a:rPr lang="en-US" b="0" u="sng" strike="noStrike" spc="-1" dirty="0" smtClean="0">
+                <a:solidFill>
+                  <a:srgbClr val="0277BD"/>
+                </a:solidFill>
+                <a:uFill>
+                  <a:solidFill>
+                    <a:srgbClr val="FFFFFF"/>
+                  </a:solidFill>
+                </a:uFill>
+                <a:latin typeface="Lato"/>
+                <a:ea typeface="Lato"/>
+                <a:hlinkClick r:id="rId2"/>
+              </a:rPr>
+              <a:t>#</a:t>
+            </a:r>
+            <a:r>
+              <a:rPr lang="en-US" b="0" u="sng" strike="noStrike" spc="-1" dirty="0">
+                <a:solidFill>
+                  <a:srgbClr val="0277BD"/>
+                </a:solidFill>
+                <a:uFill>
+                  <a:solidFill>
+                    <a:srgbClr val="FFFFFF"/>
+                  </a:solidFill>
+                </a:uFill>
+                <a:latin typeface="Lato"/>
+                <a:ea typeface="Lato"/>
+                <a:hlinkClick r:id="rId2"/>
+              </a:rPr>
+              <a:t>visualizing-batches</a:t>
+            </a:r>
+            <a:endParaRPr lang="en-US" b="0" strike="noStrike" spc="-1" dirty="0">
+              <a:solidFill>
+                <a:srgbClr val="000000"/>
+              </a:solidFill>
+              <a:uFill>
+                <a:solidFill>
+                  <a:srgbClr val="FFFFFF"/>
                 </a:solidFill>
               </a:uFill>
               <a:latin typeface="Arial"/>
@@ -6580,99 +8431,132 @@
               </a:spcAft>
             </a:pPr>
             <a:r>
-              <a:rPr b="0" lang="en-US" sz="1800" spc="-1" strike="noStrike">
+              <a:rPr lang="en-US" sz="1800" b="0" strike="noStrike" spc="-1" dirty="0">
                 <a:solidFill>
                   <a:srgbClr val="616161"/>
                 </a:solidFill>
                 <a:uFill>
                   <a:solidFill>
-                    <a:srgbClr val="ffffff"/>
+                    <a:srgbClr val="FFFFFF"/>
                   </a:solidFill>
                 </a:uFill>
                 <a:latin typeface="Lato"/>
                 <a:ea typeface="Lato"/>
               </a:rPr>
-              <a:t>Red areas indicate clipping.</a:t>
-            </a:r>
-            <a:endParaRPr b="0" lang="en-US" sz="1800" spc="-1" strike="noStrike">
-              <a:solidFill>
-                <a:srgbClr val="000000"/>
-              </a:solidFill>
-              <a:uFill>
-                <a:solidFill>
-                  <a:srgbClr val="ffffff"/>
-                </a:solidFill>
-              </a:uFill>
-              <a:latin typeface="Arial"/>
-            </a:endParaRPr>
-          </a:p>
-        </p:txBody>
-      </p:sp>
-      <p:sp>
-        <p:nvSpPr>
-          <p:cNvPr id="98" name="TextShape 2"/>
-          <p:cNvSpPr txBox="1"/>
-          <p:nvPr/>
-        </p:nvSpPr>
-        <p:spPr>
-          <a:xfrm>
-            <a:off x="324360" y="148320"/>
-            <a:ext cx="5244480" cy="1373400"/>
-          </a:xfrm>
-          <a:prstGeom prst="rect">
-            <a:avLst/>
-          </a:prstGeom>
-          <a:noFill/>
-          <a:ln>
-            <a:noFill/>
-          </a:ln>
-        </p:spPr>
-        <p:txBody>
-          <a:bodyPr tIns="91440" bIns="91440" anchor="b"/>
-          <a:p>
-            <a:pPr>
+              <a:t>Merged batches are drawn in a solid </a:t>
+            </a:r>
+            <a:r>
+              <a:rPr lang="en-US" sz="1800" b="0" strike="noStrike" spc="-1" dirty="0" smtClean="0">
+                <a:solidFill>
+                  <a:srgbClr val="616161"/>
+                </a:solidFill>
+                <a:uFill>
+                  <a:solidFill>
+                    <a:srgbClr val="FFFFFF"/>
+                  </a:solidFill>
+                </a:uFill>
+                <a:latin typeface="Lato"/>
+                <a:ea typeface="Lato"/>
+              </a:rPr>
+              <a:t>color.</a:t>
+            </a:r>
+          </a:p>
+          <a:p>
+            <a:pPr marL="457200" indent="-228240">
+              <a:spcAft>
+                <a:spcPts val="1599"/>
+              </a:spcAft>
+            </a:pPr>
+            <a:r>
+              <a:rPr lang="en-US" spc="-1" dirty="0">
+                <a:solidFill>
+                  <a:srgbClr val="616161"/>
+                </a:solidFill>
+                <a:uFill>
+                  <a:solidFill>
+                    <a:srgbClr val="FFFFFF"/>
+                  </a:solidFill>
+                </a:uFill>
+                <a:latin typeface="Lato"/>
+                <a:ea typeface="Lato"/>
+              </a:rPr>
+              <a:t>Fewer </a:t>
+            </a:r>
+            <a:r>
+              <a:rPr lang="en-US" spc="-1" dirty="0">
+                <a:solidFill>
+                  <a:srgbClr val="616161"/>
+                </a:solidFill>
+                <a:uFill>
+                  <a:solidFill>
+                    <a:srgbClr val="FFFFFF"/>
+                  </a:solidFill>
+                </a:uFill>
+                <a:latin typeface="Lato"/>
+                <a:ea typeface="Lato"/>
+              </a:rPr>
+              <a:t>colors is better</a:t>
+            </a:r>
+          </a:p>
+          <a:p>
+            <a:pPr marL="457200" indent="-228240">
               <a:lnSpc>
                 <a:spcPct val="100000"/>
               </a:lnSpc>
+              <a:spcAft>
+                <a:spcPts val="1599"/>
+              </a:spcAft>
             </a:pPr>
             <a:r>
-              <a:rPr b="1" lang="en-US" sz="2800" spc="-1" strike="noStrike">
-                <a:solidFill>
-                  <a:srgbClr val="ffffff"/>
-                </a:solidFill>
-                <a:uFill>
-                  <a:solidFill>
-                    <a:srgbClr val="ffffff"/>
-                  </a:solidFill>
-                </a:uFill>
-                <a:latin typeface="Raleway"/>
-                <a:ea typeface="Raleway"/>
-              </a:rPr>
-              <a:t>Environment Variables:</a:t>
-            </a:r>
-            <a:br/>
-            <a:r>
-              <a:rPr b="1" lang="en-US" sz="2800" spc="-1" strike="noStrike">
-                <a:solidFill>
-                  <a:srgbClr val="ffffff"/>
-                </a:solidFill>
-                <a:uFill>
-                  <a:solidFill>
-                    <a:srgbClr val="ffffff"/>
-                  </a:solidFill>
-                </a:uFill>
-                <a:latin typeface="Raleway"/>
-                <a:ea typeface="Raleway"/>
-              </a:rPr>
-              <a:t>QSG_VISUALIZE=clip</a:t>
-            </a:r>
-            <a:endParaRPr b="0" lang="en-US" sz="2800" spc="-1" strike="noStrike">
-              <a:solidFill>
-                <a:srgbClr val="000000"/>
-              </a:solidFill>
-              <a:uFill>
-                <a:solidFill>
-                  <a:srgbClr val="ffffff"/>
+              <a:rPr lang="en-US" sz="1800" b="0" strike="noStrike" spc="-1" dirty="0">
+                <a:solidFill>
+                  <a:srgbClr val="616161"/>
+                </a:solidFill>
+                <a:uFill>
+                  <a:solidFill>
+                    <a:srgbClr val="FFFFFF"/>
+                  </a:solidFill>
+                </a:uFill>
+                <a:latin typeface="Lato"/>
+                <a:ea typeface="Lato"/>
+              </a:rPr>
+              <a:t>Unmerged batches are drawn with diagonal lines</a:t>
+            </a:r>
+            <a:endParaRPr lang="en-US" sz="1800" b="0" strike="noStrike" spc="-1" dirty="0">
+              <a:solidFill>
+                <a:srgbClr val="000000"/>
+              </a:solidFill>
+              <a:uFill>
+                <a:solidFill>
+                  <a:srgbClr val="FFFFFF"/>
+                </a:solidFill>
+              </a:uFill>
+              <a:latin typeface="Arial"/>
+            </a:endParaRPr>
+          </a:p>
+          <a:p>
+            <a:r>
+              <a:rPr lang="en-US" b="0" strike="noStrike" spc="-1" dirty="0" smtClean="0">
+                <a:solidFill>
+                  <a:srgbClr val="616161"/>
+                </a:solidFill>
+                <a:uFill>
+                  <a:solidFill>
+                    <a:srgbClr val="FFFFFF"/>
+                  </a:solidFill>
+                </a:uFill>
+                <a:latin typeface="Lato"/>
+                <a:ea typeface="Lato"/>
+              </a:rPr>
+              <a:t>Many individual batches will reduce performance.</a:t>
+            </a:r>
+            <a:endParaRPr lang="en-US" b="0" strike="noStrike" spc="-1" dirty="0">
+              <a:solidFill>
+                <a:srgbClr val="000000"/>
+              </a:solidFill>
+              <a:uFill>
+                <a:solidFill>
+                  <a:srgbClr val="FFFFFF"/>
                 </a:solidFill>
               </a:uFill>
               <a:latin typeface="Arial"/>
@@ -6682,18 +8566,18 @@
       </p:sp>
       <p:pic>
         <p:nvPicPr>
-          <p:cNvPr id="99" name="Shape 108" descr=""/>
+          <p:cNvPr id="96" name="Shape 101"/>
           <p:cNvPicPr/>
           <p:nvPr/>
         </p:nvPicPr>
         <p:blipFill>
-          <a:blip r:embed="rId2"/>
+          <a:blip r:embed="rId3"/>
           <a:stretch/>
         </p:blipFill>
         <p:spPr>
           <a:xfrm>
-            <a:off x="6461640" y="2413800"/>
-            <a:ext cx="2357280" cy="2210400"/>
+            <a:off x="6353640" y="2400480"/>
+            <a:ext cx="2418840" cy="2268000"/>
           </a:xfrm>
           <a:prstGeom prst="rect">
             <a:avLst/>
@@ -6705,22 +8589,25 @@
       </p:pic>
     </p:spTree>
   </p:cSld>
+  <p:clrMapOvr>
+    <a:masterClrMapping/>
+  </p:clrMapOvr>
   <p:timing>
     <p:tnLst>
       <p:par>
-        <p:cTn id="11" dur="indefinite" restart="never" nodeType="tmRoot">
+        <p:cTn id="1" dur="indefinite" restart="never" nodeType="tmRoot">
           <p:childTnLst>
             <p:seq>
-              <p:cTn id="12" nodeType="mainSeq"/>
+              <p:cTn id="2" nodeType="mainSeq"/>
               <p:prevCondLst>
-                <p:cond delay="0" evt="onPrev">
+                <p:cond evt="onPrev" delay="0">
                   <p:tgtEl>
                     <p:sldTgt/>
                   </p:tgtEl>
                 </p:cond>
               </p:prevCondLst>
               <p:nextCondLst>
-                <p:cond delay="0" evt="onNext">
+                <p:cond evt="onNext" delay="0">
                   <p:tgtEl>
                     <p:sldTgt/>
                   </p:tgtEl>
@@ -6736,7 +8623,7 @@
 </file>
 
 <file path=ppt/slides/slide7.xml><?xml version="1.0" encoding="utf-8"?>
-<p:sld xmlns:a="http://schemas.openxmlformats.org/drawingml/2006/main" xmlns:p="http://schemas.openxmlformats.org/presentationml/2006/main" xmlns:r="http://schemas.openxmlformats.org/officeDocument/2006/relationships" xmlns:p14="http://schemas.microsoft.com/office/powerpoint/2010/main" xmlns:p15="http://schemas.microsoft.com/office/powerpoint/2012/main" xmlns:mc="http://schemas.openxmlformats.org/markup-compatibility/2006">
+<p:sld xmlns:a="http://schemas.openxmlformats.org/drawingml/2006/main" xmlns:r="http://schemas.openxmlformats.org/officeDocument/2006/relationships" xmlns:p="http://schemas.openxmlformats.org/presentationml/2006/main">
   <p:cSld>
     <p:spTree>
       <p:nvGrpSpPr>
@@ -6754,14 +8641,14 @@
       </p:grpSpPr>
       <p:sp>
         <p:nvSpPr>
-          <p:cNvPr id="100" name="TextShape 1"/>
+          <p:cNvPr id="97" name="TextShape 1"/>
           <p:cNvSpPr txBox="1"/>
           <p:nvPr/>
         </p:nvSpPr>
         <p:spPr>
           <a:xfrm>
-            <a:off x="324360" y="148320"/>
-            <a:ext cx="5244480" cy="1373400"/>
+            <a:off x="324360" y="1920600"/>
+            <a:ext cx="6207069" cy="2703960"/>
           </a:xfrm>
           <a:prstGeom prst="rect">
             <a:avLst/>
@@ -6772,79 +8659,8 @@
           </a:ln>
         </p:spPr>
         <p:txBody>
-          <a:bodyPr tIns="91440" bIns="91440" anchor="b"/>
-          <a:p>
-            <a:pPr>
-              <a:lnSpc>
-                <a:spcPct val="100000"/>
-              </a:lnSpc>
-            </a:pPr>
-            <a:r>
-              <a:rPr b="1" lang="en-US" sz="2800" spc="-1" strike="noStrike">
-                <a:solidFill>
-                  <a:srgbClr val="ffffff"/>
-                </a:solidFill>
-                <a:uFill>
-                  <a:solidFill>
-                    <a:srgbClr val="ffffff"/>
-                  </a:solidFill>
-                </a:uFill>
-                <a:latin typeface="Raleway"/>
-                <a:ea typeface="Raleway"/>
-              </a:rPr>
-              <a:t>Environment Variables:</a:t>
-            </a:r>
-            <a:br/>
-            <a:r>
-              <a:rPr b="1" lang="en-US" sz="2800" spc="-1" strike="noStrike">
-                <a:solidFill>
-                  <a:srgbClr val="ffffff"/>
-                </a:solidFill>
-                <a:uFill>
-                  <a:solidFill>
-                    <a:srgbClr val="ffffff"/>
-                  </a:solidFill>
-                </a:uFill>
-                <a:latin typeface="Raleway"/>
-                <a:ea typeface="Raleway"/>
-              </a:rPr>
-              <a:t>QSG_VISUALIZE=changes</a:t>
-            </a:r>
-            <a:endParaRPr b="0" lang="en-US" sz="2800" spc="-1" strike="noStrike">
-              <a:solidFill>
-                <a:srgbClr val="000000"/>
-              </a:solidFill>
-              <a:uFill>
-                <a:solidFill>
-                  <a:srgbClr val="ffffff"/>
-                </a:solidFill>
-              </a:uFill>
-              <a:latin typeface="Arial"/>
-            </a:endParaRPr>
-          </a:p>
-        </p:txBody>
-      </p:sp>
-      <p:sp>
-        <p:nvSpPr>
-          <p:cNvPr id="101" name="TextShape 2"/>
-          <p:cNvSpPr txBox="1"/>
-          <p:nvPr/>
-        </p:nvSpPr>
-        <p:spPr>
-          <a:xfrm>
-            <a:off x="324360" y="1920600"/>
-            <a:ext cx="8494560" cy="2703960"/>
-          </a:xfrm>
-          <a:prstGeom prst="rect">
-            <a:avLst/>
-          </a:prstGeom>
-          <a:noFill/>
-          <a:ln>
-            <a:noFill/>
-          </a:ln>
-        </p:spPr>
-        <p:txBody>
           <a:bodyPr tIns="91440" bIns="91440"/>
+          <a:lstStyle/>
           <a:p>
             <a:pPr>
               <a:lnSpc>
@@ -6855,28 +8671,91 @@
               </a:spcAft>
             </a:pPr>
             <a:r>
-              <a:rPr b="0" lang="en-US" sz="1600" spc="-1" strike="noStrike" u="sng">
-                <a:solidFill>
-                  <a:srgbClr val="0277bd"/>
-                </a:solidFill>
-                <a:uFill>
-                  <a:solidFill>
-                    <a:srgbClr val="ffffff"/>
+              <a:rPr lang="en-US" sz="1600" b="0" u="sng" strike="noStrike" spc="-1" dirty="0">
+                <a:solidFill>
+                  <a:srgbClr val="0277BD"/>
+                </a:solidFill>
+                <a:uFill>
+                  <a:solidFill>
+                    <a:srgbClr val="FFFFFF"/>
                   </a:solidFill>
                 </a:uFill>
                 <a:latin typeface="Lato"/>
                 <a:ea typeface="Lato"/>
-                <a:hlinkClick r:id="rId1"/>
-              </a:rPr>
-              <a:t>http://doc.qt.io/qt-5/qtquick-visualcanvas-scenegraph-renderer.html#visualizing-changes</a:t>
-            </a:r>
-            <a:endParaRPr b="0" lang="en-US" sz="1600" spc="-1" strike="noStrike">
-              <a:solidFill>
-                <a:srgbClr val="000000"/>
-              </a:solidFill>
-              <a:uFill>
-                <a:solidFill>
-                  <a:srgbClr val="ffffff"/>
+                <a:hlinkClick r:id="rId2"/>
+              </a:rPr>
+              <a:t>http://</a:t>
+            </a:r>
+            <a:r>
+              <a:rPr lang="en-US" sz="1600" b="0" u="sng" strike="noStrike" spc="-1" dirty="0" smtClean="0">
+                <a:solidFill>
+                  <a:srgbClr val="0277BD"/>
+                </a:solidFill>
+                <a:uFill>
+                  <a:solidFill>
+                    <a:srgbClr val="FFFFFF"/>
+                  </a:solidFill>
+                </a:uFill>
+                <a:latin typeface="Lato"/>
+                <a:ea typeface="Lato"/>
+                <a:hlinkClick r:id="rId2"/>
+              </a:rPr>
+              <a:t>doc.qt.io/qt-5/qtquick-visualcanvas-scenegraph-renderer.html</a:t>
+            </a:r>
+            <a:br>
+              <a:rPr lang="en-US" sz="1600" b="0" u="sng" strike="noStrike" spc="-1" dirty="0" smtClean="0">
+                <a:solidFill>
+                  <a:srgbClr val="0277BD"/>
+                </a:solidFill>
+                <a:uFill>
+                  <a:solidFill>
+                    <a:srgbClr val="FFFFFF"/>
+                  </a:solidFill>
+                </a:uFill>
+                <a:latin typeface="Lato"/>
+                <a:ea typeface="Lato"/>
+                <a:hlinkClick r:id="rId2"/>
+              </a:rPr>
+            </a:br>
+            <a:r>
+              <a:rPr lang="en-US" sz="1600" b="0" u="sng" strike="noStrike" spc="-1" dirty="0" smtClean="0">
+                <a:solidFill>
+                  <a:srgbClr val="0277BD"/>
+                </a:solidFill>
+                <a:uFill>
+                  <a:solidFill>
+                    <a:srgbClr val="FFFFFF"/>
+                  </a:solidFill>
+                </a:uFill>
+                <a:latin typeface="Lato"/>
+                <a:ea typeface="Lato"/>
+                <a:hlinkClick r:id="rId2"/>
+              </a:rPr>
+              <a:t>#</a:t>
+            </a:r>
+            <a:r>
+              <a:rPr lang="en-US" sz="1600" b="0" u="sng" strike="noStrike" spc="-1" dirty="0">
+                <a:solidFill>
+                  <a:srgbClr val="0277BD"/>
+                </a:solidFill>
+                <a:uFill>
+                  <a:solidFill>
+                    <a:srgbClr val="FFFFFF"/>
+                  </a:solidFill>
+                </a:uFill>
+                <a:latin typeface="Lato"/>
+                <a:ea typeface="Lato"/>
+                <a:hlinkClick r:id="rId2"/>
+              </a:rPr>
+              <a:t>visualizing-clipping</a:t>
+            </a:r>
+            <a:endParaRPr lang="en-US" sz="1600" b="0" strike="noStrike" spc="-1" dirty="0">
+              <a:solidFill>
+                <a:srgbClr val="000000"/>
+              </a:solidFill>
+              <a:uFill>
+                <a:solidFill>
+                  <a:srgbClr val="FFFFFF"/>
                 </a:solidFill>
               </a:uFill>
               <a:latin typeface="Arial"/>
@@ -6892,89 +8771,230 @@
               </a:spcAft>
             </a:pPr>
             <a:r>
-              <a:rPr b="0" lang="en-US" sz="1800" spc="-1" strike="noStrike">
+              <a:rPr lang="en-US" sz="1800" b="0" strike="noStrike" spc="-1" dirty="0">
                 <a:solidFill>
                   <a:srgbClr val="616161"/>
                 </a:solidFill>
                 <a:uFill>
                   <a:solidFill>
-                    <a:srgbClr val="ffffff"/>
+                    <a:srgbClr val="FFFFFF"/>
                   </a:solidFill>
                 </a:uFill>
                 <a:latin typeface="Lato"/>
                 <a:ea typeface="Lato"/>
               </a:rPr>
-              <a:t>Changes are visualized with a flash of color</a:t>
-            </a:r>
-            <a:br/>
-            <a:endParaRPr b="0" lang="en-US" sz="1800" spc="-1" strike="noStrike">
-              <a:solidFill>
-                <a:srgbClr val="000000"/>
-              </a:solidFill>
-              <a:uFill>
-                <a:solidFill>
-                  <a:srgbClr val="ffffff"/>
-                </a:solidFill>
-              </a:uFill>
-              <a:latin typeface="Arial"/>
-            </a:endParaRPr>
-          </a:p>
-          <a:p>
-            <a:pPr marL="457200" indent="-342720">
+              <a:t>Red areas indicate clipping</a:t>
+            </a:r>
+            <a:r>
+              <a:rPr lang="en-US" sz="1800" b="0" strike="noStrike" spc="-1" dirty="0" smtClean="0">
+                <a:solidFill>
+                  <a:srgbClr val="616161"/>
+                </a:solidFill>
+                <a:uFill>
+                  <a:solidFill>
+                    <a:srgbClr val="FFFFFF"/>
+                  </a:solidFill>
+                </a:uFill>
+                <a:latin typeface="Lato"/>
+                <a:ea typeface="Lato"/>
+              </a:rPr>
+              <a:t>.</a:t>
+            </a:r>
+          </a:p>
+          <a:p>
+            <a:pPr>
               <a:lnSpc>
-                <a:spcPct val="115000"/>
+                <a:spcPct val="100000"/>
               </a:lnSpc>
               <a:spcAft>
                 <a:spcPts val="1599"/>
               </a:spcAft>
             </a:pPr>
             <a:r>
-              <a:rPr b="0" lang="en-US" sz="1800" spc="-1" strike="noStrike">
+              <a:rPr lang="en-US" spc="-1" dirty="0" smtClean="0">
                 <a:solidFill>
                   <a:srgbClr val="616161"/>
                 </a:solidFill>
                 <a:uFill>
                   <a:solidFill>
-                    <a:srgbClr val="ffffff"/>
+                    <a:srgbClr val="FFFFFF"/>
                   </a:solidFill>
                 </a:uFill>
                 <a:latin typeface="Lato"/>
-                <a:ea typeface="Lato"/>
-              </a:rPr>
-              <a:t>Do not use if you haven’t taken your epilepsy medicine!</a:t>
-            </a:r>
-            <a:endParaRPr b="0" lang="en-US" sz="1800" spc="-1" strike="noStrike">
-              <a:solidFill>
-                <a:srgbClr val="000000"/>
-              </a:solidFill>
-              <a:uFill>
-                <a:solidFill>
-                  <a:srgbClr val="ffffff"/>
-                </a:solidFill>
-              </a:uFill>
-              <a:latin typeface="Arial"/>
-            </a:endParaRPr>
-          </a:p>
-        </p:txBody>
-      </p:sp>
+              </a:rPr>
+              <a:t>Clipping is often a hack for bad design that would show visual details that could be avoided with the proper QML component. For example: clipping objects created using a Repeater; a </a:t>
+            </a:r>
+            <a:r>
+              <a:rPr lang="en-US" spc="-1" dirty="0" err="1" smtClean="0">
+                <a:solidFill>
+                  <a:srgbClr val="616161"/>
+                </a:solidFill>
+                <a:uFill>
+                  <a:solidFill>
+                    <a:srgbClr val="FFFFFF"/>
+                  </a:solidFill>
+                </a:uFill>
+                <a:latin typeface="Lato"/>
+              </a:rPr>
+              <a:t>ListView</a:t>
+            </a:r>
+            <a:r>
+              <a:rPr lang="en-US" spc="-1" dirty="0" smtClean="0">
+                <a:solidFill>
+                  <a:srgbClr val="616161"/>
+                </a:solidFill>
+                <a:uFill>
+                  <a:solidFill>
+                    <a:srgbClr val="FFFFFF"/>
+                  </a:solidFill>
+                </a:uFill>
+                <a:latin typeface="Lato"/>
+              </a:rPr>
+              <a:t> would be more appropriate because it only creates objects that fit in the </a:t>
+            </a:r>
+            <a:r>
+              <a:rPr lang="en-US" spc="-1" dirty="0" err="1" smtClean="0">
+                <a:solidFill>
+                  <a:srgbClr val="616161"/>
+                </a:solidFill>
+                <a:uFill>
+                  <a:solidFill>
+                    <a:srgbClr val="FFFFFF"/>
+                  </a:solidFill>
+                </a:uFill>
+                <a:latin typeface="Lato"/>
+              </a:rPr>
+              <a:t>ListView’s</a:t>
+            </a:r>
+            <a:r>
+              <a:rPr lang="en-US" spc="-1" dirty="0" smtClean="0">
+                <a:solidFill>
+                  <a:srgbClr val="616161"/>
+                </a:solidFill>
+                <a:uFill>
+                  <a:solidFill>
+                    <a:srgbClr val="FFFFFF"/>
+                  </a:solidFill>
+                </a:uFill>
+                <a:latin typeface="Lato"/>
+              </a:rPr>
+              <a:t> bounds.</a:t>
+            </a:r>
+            <a:endParaRPr lang="en-US" sz="1800" b="0" strike="noStrike" spc="-1" dirty="0">
+              <a:solidFill>
+                <a:srgbClr val="000000"/>
+              </a:solidFill>
+              <a:uFill>
+                <a:solidFill>
+                  <a:srgbClr val="FFFFFF"/>
+                </a:solidFill>
+              </a:uFill>
+              <a:latin typeface="Arial"/>
+            </a:endParaRPr>
+          </a:p>
+        </p:txBody>
+      </p:sp>
+      <p:sp>
+        <p:nvSpPr>
+          <p:cNvPr id="98" name="TextShape 2"/>
+          <p:cNvSpPr txBox="1"/>
+          <p:nvPr/>
+        </p:nvSpPr>
+        <p:spPr>
+          <a:xfrm>
+            <a:off x="324360" y="148320"/>
+            <a:ext cx="5244480" cy="1373400"/>
+          </a:xfrm>
+          <a:prstGeom prst="rect">
+            <a:avLst/>
+          </a:prstGeom>
+          <a:noFill/>
+          <a:ln>
+            <a:noFill/>
+          </a:ln>
+        </p:spPr>
+        <p:txBody>
+          <a:bodyPr tIns="91440" bIns="91440" anchor="b"/>
+          <a:lstStyle/>
+          <a:p>
+            <a:pPr>
+              <a:lnSpc>
+                <a:spcPct val="100000"/>
+              </a:lnSpc>
+            </a:pPr>
+            <a:r>
+              <a:rPr lang="en-US" sz="2800" b="1" strike="noStrike" spc="-1" dirty="0" smtClean="0">
+                <a:solidFill>
+                  <a:srgbClr val="FFFFFF"/>
+                </a:solidFill>
+                <a:uFill>
+                  <a:solidFill>
+                    <a:srgbClr val="FFFFFF"/>
+                  </a:solidFill>
+                </a:uFill>
+                <a:latin typeface="Raleway"/>
+                <a:ea typeface="Raleway"/>
+              </a:rPr>
+              <a:t>QSG_VISUALIZE=clip</a:t>
+            </a:r>
+            <a:endParaRPr lang="en-US" sz="2800" b="0" strike="noStrike" spc="-1" dirty="0">
+              <a:solidFill>
+                <a:srgbClr val="000000"/>
+              </a:solidFill>
+              <a:uFill>
+                <a:solidFill>
+                  <a:srgbClr val="FFFFFF"/>
+                </a:solidFill>
+              </a:uFill>
+              <a:latin typeface="Arial"/>
+            </a:endParaRPr>
+          </a:p>
+        </p:txBody>
+      </p:sp>
+      <p:pic>
+        <p:nvPicPr>
+          <p:cNvPr id="99" name="Shape 108"/>
+          <p:cNvPicPr/>
+          <p:nvPr/>
+        </p:nvPicPr>
+        <p:blipFill>
+          <a:blip r:embed="rId3"/>
+          <a:stretch/>
+        </p:blipFill>
+        <p:spPr>
+          <a:xfrm>
+            <a:off x="6461640" y="2413800"/>
+            <a:ext cx="2357280" cy="2210400"/>
+          </a:xfrm>
+          <a:prstGeom prst="rect">
+            <a:avLst/>
+          </a:prstGeom>
+          <a:ln>
+            <a:noFill/>
+          </a:ln>
+        </p:spPr>
+      </p:pic>
     </p:spTree>
   </p:cSld>
+  <p:clrMapOvr>
+    <a:masterClrMapping/>
+  </p:clrMapOvr>
   <p:timing>
     <p:tnLst>
       <p:par>
-        <p:cTn id="13" dur="indefinite" restart="never" nodeType="tmRoot">
+        <p:cTn id="1" dur="indefinite" restart="never" nodeType="tmRoot">
           <p:childTnLst>
             <p:seq>
-              <p:cTn id="14" nodeType="mainSeq"/>
+              <p:cTn id="2" nodeType="mainSeq"/>
               <p:prevCondLst>
-                <p:cond delay="0" evt="onPrev">
+                <p:cond evt="onPrev" delay="0">
                   <p:tgtEl>
                     <p:sldTgt/>
                   </p:tgtEl>
                 </p:cond>
               </p:prevCondLst>
               <p:nextCondLst>
-                <p:cond delay="0" evt="onNext">
+                <p:cond evt="onNext" delay="0">
                   <p:tgtEl>
                     <p:sldTgt/>
                   </p:tgtEl>
@@ -6990,7 +9010,7 @@
 </file>
 
 <file path=ppt/slides/slide8.xml><?xml version="1.0" encoding="utf-8"?>
-<p:sld xmlns:a="http://schemas.openxmlformats.org/drawingml/2006/main" xmlns:p="http://schemas.openxmlformats.org/presentationml/2006/main" xmlns:r="http://schemas.openxmlformats.org/officeDocument/2006/relationships" xmlns:p14="http://schemas.microsoft.com/office/powerpoint/2010/main" xmlns:p15="http://schemas.microsoft.com/office/powerpoint/2012/main" xmlns:mc="http://schemas.openxmlformats.org/markup-compatibility/2006">
+<p:sld xmlns:a="http://schemas.openxmlformats.org/drawingml/2006/main" xmlns:r="http://schemas.openxmlformats.org/officeDocument/2006/relationships" xmlns:p="http://schemas.openxmlformats.org/presentationml/2006/main">
   <p:cSld>
     <p:spTree>
       <p:nvGrpSpPr>
@@ -7008,7 +9028,7 @@
       </p:grpSpPr>
       <p:sp>
         <p:nvSpPr>
-          <p:cNvPr id="102" name="TextShape 1"/>
+          <p:cNvPr id="100" name="TextShape 1"/>
           <p:cNvSpPr txBox="1"/>
           <p:nvPr/>
         </p:nvSpPr>
@@ -7027,6 +9047,7 @@
         </p:spPr>
         <p:txBody>
           <a:bodyPr tIns="91440" bIns="91440" anchor="b"/>
+          <a:lstStyle/>
           <a:p>
             <a:pPr>
               <a:lnSpc>
@@ -7034,53 +9055,37 @@
               </a:lnSpc>
             </a:pPr>
             <a:r>
-              <a:rPr b="1" lang="en-US" sz="2800" spc="-1" strike="noStrike">
-                <a:solidFill>
-                  <a:srgbClr val="ffffff"/>
-                </a:solidFill>
-                <a:uFill>
-                  <a:solidFill>
-                    <a:srgbClr val="ffffff"/>
+              <a:rPr lang="en-US" sz="2800" b="1" strike="noStrike" spc="-1" dirty="0" smtClean="0">
+                <a:solidFill>
+                  <a:srgbClr val="FFFFFF"/>
+                </a:solidFill>
+                <a:uFill>
+                  <a:solidFill>
+                    <a:srgbClr val="FFFFFF"/>
                   </a:solidFill>
                 </a:uFill>
                 <a:latin typeface="Raleway"/>
                 <a:ea typeface="Raleway"/>
               </a:rPr>
-              <a:t>Environment Variables:</a:t>
-            </a:r>
-            <a:br/>
-            <a:r>
-              <a:rPr b="1" lang="en-US" sz="2800" spc="-1" strike="noStrike">
-                <a:solidFill>
-                  <a:srgbClr val="ffffff"/>
-                </a:solidFill>
-                <a:uFill>
-                  <a:solidFill>
-                    <a:srgbClr val="ffffff"/>
-                  </a:solidFill>
-                </a:uFill>
-                <a:latin typeface="Raleway"/>
-                <a:ea typeface="Raleway"/>
-              </a:rPr>
-              <a:t>QSG_VISUALIZE=overdraw</a:t>
-            </a:r>
-            <a:endParaRPr b="0" lang="en-US" sz="2800" spc="-1" strike="noStrike">
-              <a:solidFill>
-                <a:srgbClr val="000000"/>
-              </a:solidFill>
-              <a:uFill>
-                <a:solidFill>
-                  <a:srgbClr val="ffffff"/>
-                </a:solidFill>
-              </a:uFill>
-              <a:latin typeface="Arial"/>
-            </a:endParaRPr>
-          </a:p>
-        </p:txBody>
-      </p:sp>
-      <p:sp>
-        <p:nvSpPr>
-          <p:cNvPr id="103" name="TextShape 2"/>
+              <a:t>QSG_VISUALIZE=changes</a:t>
+            </a:r>
+            <a:endParaRPr lang="en-US" sz="2800" b="0" strike="noStrike" spc="-1" dirty="0">
+              <a:solidFill>
+                <a:srgbClr val="000000"/>
+              </a:solidFill>
+              <a:uFill>
+                <a:solidFill>
+                  <a:srgbClr val="FFFFFF"/>
+                </a:solidFill>
+              </a:uFill>
+              <a:latin typeface="Arial"/>
+            </a:endParaRPr>
+          </a:p>
+        </p:txBody>
+      </p:sp>
+      <p:sp>
+        <p:nvSpPr>
+          <p:cNvPr id="101" name="TextShape 2"/>
           <p:cNvSpPr txBox="1"/>
           <p:nvPr/>
         </p:nvSpPr>
@@ -7099,6 +9104,7 @@
         </p:spPr>
         <p:txBody>
           <a:bodyPr tIns="91440" bIns="91440"/>
+          <a:lstStyle/>
           <a:p>
             <a:pPr>
               <a:lnSpc>
@@ -7109,32 +9115,172 @@
               </a:spcAft>
             </a:pPr>
             <a:r>
-              <a:rPr b="0" lang="en-US" sz="1600" spc="-1" strike="noStrike" u="sng">
-                <a:solidFill>
-                  <a:srgbClr val="0277bd"/>
-                </a:solidFill>
-                <a:uFill>
-                  <a:solidFill>
-                    <a:srgbClr val="ffffff"/>
+              <a:rPr lang="en-US" b="0" u="sng" strike="noStrike" spc="-1" dirty="0">
+                <a:solidFill>
+                  <a:srgbClr val="0277BD"/>
+                </a:solidFill>
+                <a:uFill>
+                  <a:solidFill>
+                    <a:srgbClr val="FFFFFF"/>
                   </a:solidFill>
                 </a:uFill>
                 <a:latin typeface="Lato"/>
                 <a:ea typeface="Lato"/>
-                <a:hlinkClick r:id="rId1"/>
-              </a:rPr>
-              <a:t>http://doc.qt.io/qt-5/qtquick-visualcanvas-scenegraph-renderer.html#visualizing-overdraw</a:t>
-            </a:r>
-            <a:endParaRPr b="0" lang="en-US" sz="1600" spc="-1" strike="noStrike">
-              <a:solidFill>
-                <a:srgbClr val="000000"/>
-              </a:solidFill>
-              <a:uFill>
-                <a:solidFill>
-                  <a:srgbClr val="ffffff"/>
-                </a:solidFill>
-              </a:uFill>
-              <a:latin typeface="Arial"/>
-            </a:endParaRPr>
+                <a:hlinkClick r:id="rId2"/>
+              </a:rPr>
+              <a:t>http://</a:t>
+            </a:r>
+            <a:r>
+              <a:rPr lang="en-US" b="0" u="sng" strike="noStrike" spc="-1" dirty="0" smtClean="0">
+                <a:solidFill>
+                  <a:srgbClr val="0277BD"/>
+                </a:solidFill>
+                <a:uFill>
+                  <a:solidFill>
+                    <a:srgbClr val="FFFFFF"/>
+                  </a:solidFill>
+                </a:uFill>
+                <a:latin typeface="Lato"/>
+                <a:ea typeface="Lato"/>
+                <a:hlinkClick r:id="rId2"/>
+              </a:rPr>
+              <a:t>doc.qt.io/qt-5/qtquick-visualcanvas-scenegraph-renderer.html</a:t>
+            </a:r>
+            <a:br>
+              <a:rPr lang="en-US" b="0" u="sng" strike="noStrike" spc="-1" dirty="0" smtClean="0">
+                <a:solidFill>
+                  <a:srgbClr val="0277BD"/>
+                </a:solidFill>
+                <a:uFill>
+                  <a:solidFill>
+                    <a:srgbClr val="FFFFFF"/>
+                  </a:solidFill>
+                </a:uFill>
+                <a:latin typeface="Lato"/>
+                <a:ea typeface="Lato"/>
+                <a:hlinkClick r:id="rId2"/>
+              </a:rPr>
+            </a:br>
+            <a:r>
+              <a:rPr lang="en-US" b="0" u="sng" strike="noStrike" spc="-1" dirty="0" smtClean="0">
+                <a:solidFill>
+                  <a:srgbClr val="0277BD"/>
+                </a:solidFill>
+                <a:uFill>
+                  <a:solidFill>
+                    <a:srgbClr val="FFFFFF"/>
+                  </a:solidFill>
+                </a:uFill>
+                <a:latin typeface="Lato"/>
+                <a:ea typeface="Lato"/>
+                <a:hlinkClick r:id="rId2"/>
+              </a:rPr>
+              <a:t>#visualizing-changes</a:t>
+            </a:r>
+            <a:endParaRPr lang="en-US" b="0" strike="noStrike" spc="-1" dirty="0" smtClean="0">
+              <a:solidFill>
+                <a:srgbClr val="000000"/>
+              </a:solidFill>
+              <a:uFill>
+                <a:solidFill>
+                  <a:srgbClr val="FFFFFF"/>
+                </a:solidFill>
+              </a:uFill>
+              <a:latin typeface="Arial"/>
+            </a:endParaRPr>
+          </a:p>
+          <a:p>
+            <a:pPr marL="228960">
+              <a:lnSpc>
+                <a:spcPct val="100000"/>
+              </a:lnSpc>
+              <a:spcAft>
+                <a:spcPts val="1599"/>
+              </a:spcAft>
+            </a:pPr>
+            <a:r>
+              <a:rPr lang="en-US" spc="-1" dirty="0" smtClean="0">
+                <a:solidFill>
+                  <a:srgbClr val="616161"/>
+                </a:solidFill>
+                <a:uFill>
+                  <a:solidFill>
+                    <a:srgbClr val="FFFFFF"/>
+                  </a:solidFill>
+                </a:uFill>
+                <a:latin typeface="Lato"/>
+              </a:rPr>
+              <a:t>Quickly identify areas responding to signals at too frequently</a:t>
+            </a:r>
+            <a:endParaRPr lang="en-US" sz="1800" b="0" strike="noStrike" spc="-1" dirty="0" smtClean="0">
+              <a:solidFill>
+                <a:srgbClr val="616161"/>
+              </a:solidFill>
+              <a:uFill>
+                <a:solidFill>
+                  <a:srgbClr val="FFFFFF"/>
+                </a:solidFill>
+              </a:uFill>
+              <a:latin typeface="Lato"/>
+              <a:ea typeface="Lato"/>
+            </a:endParaRPr>
+          </a:p>
+          <a:p>
+            <a:pPr marL="514710" indent="-285750">
+              <a:lnSpc>
+                <a:spcPct val="100000"/>
+              </a:lnSpc>
+              <a:spcAft>
+                <a:spcPts val="1599"/>
+              </a:spcAft>
+              <a:buFont typeface="Arial" panose="020B0604020202020204" pitchFamily="34" charset="0"/>
+              <a:buChar char="•"/>
+            </a:pPr>
+            <a:r>
+              <a:rPr lang="en-US" sz="1800" b="0" strike="noStrike" spc="-1" dirty="0" smtClean="0">
+                <a:solidFill>
+                  <a:srgbClr val="616161"/>
+                </a:solidFill>
+                <a:uFill>
+                  <a:solidFill>
+                    <a:srgbClr val="FFFFFF"/>
+                  </a:solidFill>
+                </a:uFill>
+                <a:latin typeface="Lato"/>
+                <a:ea typeface="Lato"/>
+              </a:rPr>
+              <a:t>Changes </a:t>
+            </a:r>
+            <a:r>
+              <a:rPr lang="en-US" sz="1800" b="0" strike="noStrike" spc="-1" dirty="0">
+                <a:solidFill>
+                  <a:srgbClr val="616161"/>
+                </a:solidFill>
+                <a:uFill>
+                  <a:solidFill>
+                    <a:srgbClr val="FFFFFF"/>
+                  </a:solidFill>
+                </a:uFill>
+                <a:latin typeface="Lato"/>
+                <a:ea typeface="Lato"/>
+              </a:rPr>
+              <a:t>are visualized with a flash of </a:t>
+            </a:r>
+            <a:r>
+              <a:rPr lang="en-US" sz="1800" b="0" strike="noStrike" spc="-1" dirty="0" smtClean="0">
+                <a:solidFill>
+                  <a:srgbClr val="616161"/>
+                </a:solidFill>
+                <a:uFill>
+                  <a:solidFill>
+                    <a:srgbClr val="FFFFFF"/>
+                  </a:solidFill>
+                </a:uFill>
+                <a:latin typeface="Lato"/>
+                <a:ea typeface="Lato"/>
+              </a:rPr>
+              <a:t>color</a:t>
+            </a:r>
           </a:p>
           <a:p>
             <a:pPr marL="457200" indent="-342720">
@@ -7145,76 +9291,93 @@
                 <a:spcPts val="1599"/>
               </a:spcAft>
             </a:pPr>
-            <a:r>
-              <a:rPr b="0" lang="en-US" sz="1800" spc="-1" strike="noStrike">
+            <a:endParaRPr lang="en-US" spc="-1" dirty="0">
+              <a:solidFill>
+                <a:srgbClr val="616161"/>
+              </a:solidFill>
+              <a:uFill>
+                <a:solidFill>
+                  <a:srgbClr val="FFFFFF"/>
+                </a:solidFill>
+              </a:uFill>
+              <a:latin typeface="Lato"/>
+              <a:ea typeface="Lato"/>
+            </a:endParaRPr>
+          </a:p>
+          <a:p>
+            <a:pPr marL="457200" indent="-342720">
+              <a:lnSpc>
+                <a:spcPct val="115000"/>
+              </a:lnSpc>
+              <a:spcAft>
+                <a:spcPts val="1599"/>
+              </a:spcAft>
+            </a:pPr>
+            <a:r>
+              <a:rPr lang="en-US" sz="1800" b="0" strike="noStrike" spc="-1" dirty="0" smtClean="0">
                 <a:solidFill>
                   <a:srgbClr val="616161"/>
                 </a:solidFill>
                 <a:uFill>
                   <a:solidFill>
-                    <a:srgbClr val="ffffff"/>
+                    <a:srgbClr val="FFFFFF"/>
                   </a:solidFill>
                 </a:uFill>
                 <a:latin typeface="Lato"/>
                 <a:ea typeface="Lato"/>
               </a:rPr>
-              <a:t>Renders in 3D to identify overdrawn items.</a:t>
-            </a:r>
-            <a:endParaRPr b="0" lang="en-US" sz="1800" spc="-1" strike="noStrike">
-              <a:solidFill>
-                <a:srgbClr val="000000"/>
-              </a:solidFill>
-              <a:uFill>
-                <a:solidFill>
-                  <a:srgbClr val="ffffff"/>
-                </a:solidFill>
-              </a:uFill>
-              <a:latin typeface="Arial"/>
-            </a:endParaRPr>
-          </a:p>
-        </p:txBody>
-      </p:sp>
-      <p:pic>
-        <p:nvPicPr>
-          <p:cNvPr id="104" name="Shape 121" descr=""/>
-          <p:cNvPicPr/>
-          <p:nvPr/>
-        </p:nvPicPr>
-        <p:blipFill>
-          <a:blip r:embed="rId2"/>
-          <a:stretch/>
-        </p:blipFill>
-        <p:spPr>
-          <a:xfrm>
-            <a:off x="6515640" y="2464560"/>
-            <a:ext cx="2303280" cy="2159640"/>
-          </a:xfrm>
-          <a:prstGeom prst="rect">
-            <a:avLst/>
-          </a:prstGeom>
-          <a:ln>
-            <a:noFill/>
-          </a:ln>
-        </p:spPr>
-      </p:pic>
+              <a:t>Do </a:t>
+            </a:r>
+            <a:r>
+              <a:rPr lang="en-US" sz="1800" b="0" strike="noStrike" spc="-1" dirty="0">
+                <a:solidFill>
+                  <a:srgbClr val="616161"/>
+                </a:solidFill>
+                <a:uFill>
+                  <a:solidFill>
+                    <a:srgbClr val="FFFFFF"/>
+                  </a:solidFill>
+                </a:uFill>
+                <a:latin typeface="Lato"/>
+                <a:ea typeface="Lato"/>
+              </a:rPr>
+              <a:t>not use if you haven’t taken your epilepsy medicine!</a:t>
+            </a:r>
+            <a:endParaRPr lang="en-US" sz="1800" b="0" strike="noStrike" spc="-1" dirty="0">
+              <a:solidFill>
+                <a:srgbClr val="000000"/>
+              </a:solidFill>
+              <a:uFill>
+                <a:solidFill>
+                  <a:srgbClr val="FFFFFF"/>
+                </a:solidFill>
+              </a:uFill>
+              <a:latin typeface="Arial"/>
+            </a:endParaRPr>
+          </a:p>
+        </p:txBody>
+      </p:sp>
     </p:spTree>
   </p:cSld>
+  <p:clrMapOvr>
+    <a:masterClrMapping/>
+  </p:clrMapOvr>
   <p:timing>
     <p:tnLst>
       <p:par>
-        <p:cTn id="15" dur="indefinite" restart="never" nodeType="tmRoot">
+        <p:cTn id="1" dur="indefinite" restart="never" nodeType="tmRoot">
           <p:childTnLst>
             <p:seq>
-              <p:cTn id="16" nodeType="mainSeq"/>
+              <p:cTn id="2" nodeType="mainSeq"/>
               <p:prevCondLst>
-                <p:cond delay="0" evt="onPrev">
+                <p:cond evt="onPrev" delay="0">
                   <p:tgtEl>
                     <p:sldTgt/>
                   </p:tgtEl>
                 </p:cond>
               </p:prevCondLst>
               <p:nextCondLst>
-                <p:cond delay="0" evt="onNext">
+                <p:cond evt="onNext" delay="0">
                   <p:tgtEl>
                     <p:sldTgt/>
                   </p:tgtEl>
@@ -7230,7 +9393,7 @@
 </file>
 
 <file path=ppt/slides/slide9.xml><?xml version="1.0" encoding="utf-8"?>
-<p:sld xmlns:a="http://schemas.openxmlformats.org/drawingml/2006/main" xmlns:p="http://schemas.openxmlformats.org/presentationml/2006/main" xmlns:r="http://schemas.openxmlformats.org/officeDocument/2006/relationships" xmlns:p14="http://schemas.microsoft.com/office/powerpoint/2010/main" xmlns:p15="http://schemas.microsoft.com/office/powerpoint/2012/main" xmlns:mc="http://schemas.openxmlformats.org/markup-compatibility/2006">
+<p:sld xmlns:a="http://schemas.openxmlformats.org/drawingml/2006/main" xmlns:r="http://schemas.openxmlformats.org/officeDocument/2006/relationships" xmlns:p="http://schemas.openxmlformats.org/presentationml/2006/main">
   <p:cSld>
     <p:spTree>
       <p:nvGrpSpPr>
@@ -7248,14 +9411,14 @@
       </p:grpSpPr>
       <p:sp>
         <p:nvSpPr>
-          <p:cNvPr id="105" name="TextShape 1"/>
+          <p:cNvPr id="102" name="TextShape 1"/>
           <p:cNvSpPr txBox="1"/>
           <p:nvPr/>
         </p:nvSpPr>
         <p:spPr>
           <a:xfrm>
             <a:off x="324360" y="148320"/>
-            <a:ext cx="6446520" cy="1373400"/>
+            <a:ext cx="5244480" cy="1373400"/>
           </a:xfrm>
           <a:prstGeom prst="rect">
             <a:avLst/>
@@ -7267,6 +9430,7 @@
         </p:spPr>
         <p:txBody>
           <a:bodyPr tIns="91440" bIns="91440" anchor="b"/>
+          <a:lstStyle/>
           <a:p>
             <a:pPr>
               <a:lnSpc>
@@ -7274,60 +9438,44 @@
               </a:lnSpc>
             </a:pPr>
             <a:r>
-              <a:rPr b="1" lang="en-US" sz="2800" spc="-1" strike="noStrike">
-                <a:solidFill>
-                  <a:srgbClr val="ffffff"/>
-                </a:solidFill>
-                <a:uFill>
-                  <a:solidFill>
-                    <a:srgbClr val="ffffff"/>
+              <a:rPr lang="en-US" sz="2800" b="1" strike="noStrike" spc="-1" dirty="0" smtClean="0">
+                <a:solidFill>
+                  <a:srgbClr val="FFFFFF"/>
+                </a:solidFill>
+                <a:uFill>
+                  <a:solidFill>
+                    <a:srgbClr val="FFFFFF"/>
                   </a:solidFill>
                 </a:uFill>
                 <a:latin typeface="Raleway"/>
                 <a:ea typeface="Raleway"/>
               </a:rPr>
-              <a:t>Environment Variables:</a:t>
-            </a:r>
-            <a:br/>
-            <a:r>
-              <a:rPr b="1" lang="en-US" sz="2800" spc="-1" strike="noStrike">
-                <a:solidFill>
-                  <a:srgbClr val="ffffff"/>
-                </a:solidFill>
-                <a:uFill>
-                  <a:solidFill>
-                    <a:srgbClr val="ffffff"/>
-                  </a:solidFill>
-                </a:uFill>
-                <a:latin typeface="Raleway"/>
-                <a:ea typeface="Raleway"/>
-              </a:rPr>
-              <a:t>QSG_RENDER_TIMING=1</a:t>
-            </a:r>
-            <a:endParaRPr b="0" lang="en-US" sz="2800" spc="-1" strike="noStrike">
-              <a:solidFill>
-                <a:srgbClr val="000000"/>
-              </a:solidFill>
-              <a:uFill>
-                <a:solidFill>
-                  <a:srgbClr val="ffffff"/>
-                </a:solidFill>
-              </a:uFill>
-              <a:latin typeface="Arial"/>
-            </a:endParaRPr>
-          </a:p>
-        </p:txBody>
-      </p:sp>
-      <p:sp>
-        <p:nvSpPr>
-          <p:cNvPr id="106" name="TextShape 2"/>
+              <a:t>QSG_VISUALIZE=overdraw</a:t>
+            </a:r>
+            <a:endParaRPr lang="en-US" sz="2800" b="0" strike="noStrike" spc="-1" dirty="0">
+              <a:solidFill>
+                <a:srgbClr val="000000"/>
+              </a:solidFill>
+              <a:uFill>
+                <a:solidFill>
+                  <a:srgbClr val="FFFFFF"/>
+                </a:solidFill>
+              </a:uFill>
+              <a:latin typeface="Arial"/>
+            </a:endParaRPr>
+          </a:p>
+        </p:txBody>
+      </p:sp>
+      <p:sp>
+        <p:nvSpPr>
+          <p:cNvPr id="103" name="TextShape 2"/>
           <p:cNvSpPr txBox="1"/>
           <p:nvPr/>
         </p:nvSpPr>
         <p:spPr>
           <a:xfrm>
             <a:off x="324360" y="1920600"/>
-            <a:ext cx="8597880" cy="2703960"/>
+            <a:ext cx="8494560" cy="2703960"/>
           </a:xfrm>
           <a:prstGeom prst="rect">
             <a:avLst/>
@@ -7339,6 +9487,7 @@
         </p:spPr>
         <p:txBody>
           <a:bodyPr tIns="91440" bIns="91440"/>
+          <a:lstStyle/>
           <a:p>
             <a:pPr>
               <a:lnSpc>
@@ -7349,126 +9498,210 @@
               </a:spcAft>
             </a:pPr>
             <a:r>
-              <a:rPr b="0" lang="en-US" sz="1900" spc="-1" strike="noStrike" u="sng">
-                <a:solidFill>
-                  <a:srgbClr val="0277bd"/>
-                </a:solidFill>
-                <a:uFill>
-                  <a:solidFill>
-                    <a:srgbClr val="ffffff"/>
-                  </a:solidFill>
-                </a:uFill>
-                <a:latin typeface="Lato"/>
-                <a:ea typeface="Lato"/>
-                <a:hlinkClick r:id="rId1"/>
-              </a:rPr>
-              <a:t>http://doc.qt.io/qtcreator/creator-qml-performance-monitor.html</a:t>
-            </a:r>
-            <a:r>
-              <a:rPr b="0" lang="en-US" sz="1900" spc="-1" strike="noStrike" u="sng">
-                <a:solidFill>
-                  <a:srgbClr val="0277bd"/>
-                </a:solidFill>
-                <a:uFill>
-                  <a:solidFill>
-                    <a:srgbClr val="ffffff"/>
+              <a:rPr lang="en-US" sz="1600" b="0" u="sng" strike="noStrike" spc="-1" dirty="0">
+                <a:solidFill>
+                  <a:srgbClr val="0277BD"/>
+                </a:solidFill>
+                <a:uFill>
+                  <a:solidFill>
+                    <a:srgbClr val="FFFFFF"/>
                   </a:solidFill>
                 </a:uFill>
                 <a:latin typeface="Lato"/>
                 <a:ea typeface="Lato"/>
                 <a:hlinkClick r:id="rId2"/>
               </a:rPr>
-              <a:t>#analyzing-scene-graph-events</a:t>
-            </a:r>
-            <a:endParaRPr b="0" lang="en-US" sz="1900" spc="-1" strike="noStrike">
-              <a:solidFill>
-                <a:srgbClr val="000000"/>
-              </a:solidFill>
-              <a:uFill>
-                <a:solidFill>
-                  <a:srgbClr val="ffffff"/>
-                </a:solidFill>
-              </a:uFill>
-              <a:latin typeface="Arial"/>
-            </a:endParaRPr>
-          </a:p>
-          <a:p>
-            <a:pPr marL="457200" indent="-228240">
+              <a:t>http://doc.qt.io/qt-5/qtquick-visualcanvas-scenegraph-renderer.html#visualizing-overdraw</a:t>
+            </a:r>
+            <a:endParaRPr lang="en-US" sz="1600" b="0" strike="noStrike" spc="-1" dirty="0">
+              <a:solidFill>
+                <a:srgbClr val="000000"/>
+              </a:solidFill>
+              <a:uFill>
+                <a:solidFill>
+                  <a:srgbClr val="FFFFFF"/>
+                </a:solidFill>
+              </a:uFill>
+              <a:latin typeface="Arial"/>
+            </a:endParaRPr>
+          </a:p>
+          <a:p>
+            <a:pPr marL="457200" indent="-342720">
               <a:lnSpc>
-                <a:spcPct val="100000"/>
+                <a:spcPct val="115000"/>
               </a:lnSpc>
               <a:spcAft>
                 <a:spcPts val="1599"/>
               </a:spcAft>
+              <a:buFont typeface="Arial" panose="020B0604020202020204" pitchFamily="34" charset="0"/>
+              <a:buChar char="•"/>
             </a:pPr>
             <a:r>
-              <a:rPr b="0" lang="en-US" sz="1800" spc="-1" strike="noStrike">
+              <a:rPr lang="en-US" sz="1800" b="0" strike="noStrike" spc="-1" dirty="0">
                 <a:solidFill>
                   <a:srgbClr val="616161"/>
                 </a:solidFill>
                 <a:uFill>
                   <a:solidFill>
-                    <a:srgbClr val="ffffff"/>
+                    <a:srgbClr val="FFFFFF"/>
                   </a:solidFill>
                 </a:uFill>
                 <a:latin typeface="Lato"/>
                 <a:ea typeface="Lato"/>
               </a:rPr>
-              <a:t>Detailed information on scene graph events</a:t>
-            </a:r>
-            <a:endParaRPr b="0" lang="en-US" sz="1800" spc="-1" strike="noStrike">
-              <a:solidFill>
-                <a:srgbClr val="000000"/>
-              </a:solidFill>
-              <a:uFill>
-                <a:solidFill>
-                  <a:srgbClr val="ffffff"/>
-                </a:solidFill>
-              </a:uFill>
-              <a:latin typeface="Arial"/>
-            </a:endParaRPr>
-          </a:p>
-          <a:p>
-            <a:pPr marL="457200" indent="-228240">
+              <a:t>Renders in 3D to identify overdrawn items</a:t>
+            </a:r>
+            <a:r>
+              <a:rPr lang="en-US" sz="1800" b="0" strike="noStrike" spc="-1" dirty="0" smtClean="0">
+                <a:solidFill>
+                  <a:srgbClr val="616161"/>
+                </a:solidFill>
+                <a:uFill>
+                  <a:solidFill>
+                    <a:srgbClr val="FFFFFF"/>
+                  </a:solidFill>
+                </a:uFill>
+                <a:latin typeface="Lato"/>
+                <a:ea typeface="Lato"/>
+              </a:rPr>
+              <a:t>.</a:t>
+            </a:r>
+          </a:p>
+          <a:p>
+            <a:pPr marL="457200" indent="-342720">
               <a:lnSpc>
-                <a:spcPct val="100000"/>
+                <a:spcPct val="115000"/>
               </a:lnSpc>
               <a:spcAft>
                 <a:spcPts val="1599"/>
               </a:spcAft>
+              <a:buFont typeface="Arial" panose="020B0604020202020204" pitchFamily="34" charset="0"/>
+              <a:buChar char="•"/>
             </a:pPr>
-            <a:endParaRPr b="0" lang="en-US" sz="1800" spc="-1" strike="noStrike">
-              <a:solidFill>
-                <a:srgbClr val="000000"/>
-              </a:solidFill>
-              <a:uFill>
-                <a:solidFill>
-                  <a:srgbClr val="ffffff"/>
-                </a:solidFill>
-              </a:uFill>
-              <a:latin typeface="Arial"/>
-            </a:endParaRPr>
-          </a:p>
-        </p:txBody>
-      </p:sp>
+            <a:r>
+              <a:rPr lang="en-US" spc="-1" dirty="0" smtClean="0">
+                <a:solidFill>
+                  <a:srgbClr val="616161"/>
+                </a:solidFill>
+                <a:uFill>
+                  <a:solidFill>
+                    <a:srgbClr val="FFFFFF"/>
+                  </a:solidFill>
+                </a:uFill>
+                <a:latin typeface="Lato"/>
+              </a:rPr>
+              <a:t>Awesome tool for identifying:</a:t>
+            </a:r>
+          </a:p>
+          <a:p>
+            <a:pPr marL="914400" lvl="1" indent="-342720">
+              <a:lnSpc>
+                <a:spcPct val="115000"/>
+              </a:lnSpc>
+              <a:spcAft>
+                <a:spcPts val="1599"/>
+              </a:spcAft>
+              <a:buFont typeface="Arial" panose="020B0604020202020204" pitchFamily="34" charset="0"/>
+              <a:buChar char="•"/>
+            </a:pPr>
+            <a:r>
+              <a:rPr lang="en-US" b="0" strike="noStrike" spc="-1" dirty="0" smtClean="0">
+                <a:solidFill>
+                  <a:srgbClr val="616161"/>
+                </a:solidFill>
+                <a:uFill>
+                  <a:solidFill>
+                    <a:srgbClr val="FFFFFF"/>
+                  </a:solidFill>
+                </a:uFill>
+                <a:latin typeface="Lato"/>
+              </a:rPr>
+              <a:t>Hidden Items that should be set visible: false</a:t>
+            </a:r>
+          </a:p>
+          <a:p>
+            <a:pPr marL="914400" lvl="1" indent="-342720">
+              <a:lnSpc>
+                <a:spcPct val="115000"/>
+              </a:lnSpc>
+              <a:spcAft>
+                <a:spcPts val="1599"/>
+              </a:spcAft>
+              <a:buFont typeface="Arial" panose="020B0604020202020204" pitchFamily="34" charset="0"/>
+              <a:buChar char="•"/>
+            </a:pPr>
+            <a:r>
+              <a:rPr lang="en-US" spc="-1" dirty="0" smtClean="0">
+                <a:solidFill>
+                  <a:srgbClr val="616161"/>
+                </a:solidFill>
+                <a:uFill>
+                  <a:solidFill>
+                    <a:srgbClr val="FFFFFF"/>
+                  </a:solidFill>
+                </a:uFill>
+                <a:latin typeface="Lato"/>
+              </a:rPr>
+              <a:t>Items rendering outside the viewable area</a:t>
+            </a:r>
+            <a:endParaRPr lang="en-US" b="0" strike="noStrike" spc="-1" dirty="0">
+              <a:solidFill>
+                <a:srgbClr val="000000"/>
+              </a:solidFill>
+              <a:uFill>
+                <a:solidFill>
+                  <a:srgbClr val="FFFFFF"/>
+                </a:solidFill>
+              </a:uFill>
+              <a:latin typeface="Arial"/>
+            </a:endParaRPr>
+          </a:p>
+        </p:txBody>
+      </p:sp>
+      <p:pic>
+        <p:nvPicPr>
+          <p:cNvPr id="104" name="Shape 121"/>
+          <p:cNvPicPr/>
+          <p:nvPr/>
+        </p:nvPicPr>
+        <p:blipFill>
+          <a:blip r:embed="rId3"/>
+          <a:stretch/>
+        </p:blipFill>
+        <p:spPr>
+          <a:xfrm>
+            <a:off x="6515640" y="2464560"/>
+            <a:ext cx="2303280" cy="2159640"/>
+          </a:xfrm>
+          <a:prstGeom prst="rect">
+            <a:avLst/>
+          </a:prstGeom>
+          <a:ln>
+            <a:noFill/>
+          </a:ln>
+        </p:spPr>
+      </p:pic>
     </p:spTree>
   </p:cSld>
+  <p:clrMapOvr>
+    <a:masterClrMapping/>
+  </p:clrMapOvr>
   <p:timing>
     <p:tnLst>
       <p:par>
-        <p:cTn id="17" dur="indefinite" restart="never" nodeType="tmRoot">
+        <p:cTn id="1" dur="indefinite" restart="never" nodeType="tmRoot">
           <p:childTnLst>
             <p:seq>
-              <p:cTn id="18" nodeType="mainSeq"/>
+              <p:cTn id="2" nodeType="mainSeq"/>
               <p:prevCondLst>
-                <p:cond delay="0" evt="onPrev">
+                <p:cond evt="onPrev" delay="0">
                   <p:tgtEl>
                     <p:sldTgt/>
                   </p:tgtEl>
                 </p:cond>
               </p:prevCondLst>
               <p:nextCondLst>
-                <p:cond delay="0" evt="onNext">
+                <p:cond evt="onNext" delay="0">
                   <p:tgtEl>
                     <p:sldTgt/>
                   </p:tgtEl>
@@ -7703,6 +9936,8 @@
       </a:bgFillStyleLst>
     </a:fmtScheme>
   </a:themeElements>
+  <a:objectDefaults/>
+  <a:extraClrSchemeLst/>
 </a:theme>
 </file>
 
@@ -7926,5 +10161,7 @@
       </a:bgFillStyleLst>
     </a:fmtScheme>
   </a:themeElements>
+  <a:objectDefaults/>
+  <a:extraClrSchemeLst/>
 </a:theme>
 </file>